--- a/trunk/Report/slide report.pptx
+++ b/trunk/Report/slide report.pptx
@@ -12,6 +12,7 @@
     <p:sldId id="260" r:id="rId6"/>
     <p:sldId id="261" r:id="rId7"/>
     <p:sldId id="262" r:id="rId8"/>
+    <p:sldId id="263" r:id="rId9"/>
   </p:sldIdLst>
   <p:sldSz cx="9144000" cy="6858000" type="screen4x3"/>
   <p:notesSz cx="6858000" cy="9144000"/>
@@ -2849,7 +2850,7 @@
             <a:fld id="{1C5BA8D0-04A9-4324-80C8-68D45A5D7C85}" type="datetimeFigureOut">
               <a:rPr lang="en-US" smtClean="0"/>
               <a:pPr/>
-              <a:t>7/9/2011</a:t>
+              <a:t>7/14/2011</a:t>
             </a:fld>
             <a:endParaRPr lang="en-US"/>
           </a:p>
@@ -3016,7 +3017,7 @@
             <a:fld id="{1C5BA8D0-04A9-4324-80C8-68D45A5D7C85}" type="datetimeFigureOut">
               <a:rPr lang="en-US" smtClean="0"/>
               <a:pPr/>
-              <a:t>7/9/2011</a:t>
+              <a:t>7/14/2011</a:t>
             </a:fld>
             <a:endParaRPr lang="en-US"/>
           </a:p>
@@ -3193,7 +3194,7 @@
             <a:fld id="{1C5BA8D0-04A9-4324-80C8-68D45A5D7C85}" type="datetimeFigureOut">
               <a:rPr lang="en-US" smtClean="0"/>
               <a:pPr/>
-              <a:t>7/9/2011</a:t>
+              <a:t>7/14/2011</a:t>
             </a:fld>
             <a:endParaRPr lang="en-US"/>
           </a:p>
@@ -3360,7 +3361,7 @@
             <a:fld id="{1C5BA8D0-04A9-4324-80C8-68D45A5D7C85}" type="datetimeFigureOut">
               <a:rPr lang="en-US" smtClean="0"/>
               <a:pPr/>
-              <a:t>7/9/2011</a:t>
+              <a:t>7/14/2011</a:t>
             </a:fld>
             <a:endParaRPr lang="en-US"/>
           </a:p>
@@ -3603,7 +3604,7 @@
             <a:fld id="{1C5BA8D0-04A9-4324-80C8-68D45A5D7C85}" type="datetimeFigureOut">
               <a:rPr lang="en-US" smtClean="0"/>
               <a:pPr/>
-              <a:t>7/9/2011</a:t>
+              <a:t>7/14/2011</a:t>
             </a:fld>
             <a:endParaRPr lang="en-US"/>
           </a:p>
@@ -3888,7 +3889,7 @@
             <a:fld id="{1C5BA8D0-04A9-4324-80C8-68D45A5D7C85}" type="datetimeFigureOut">
               <a:rPr lang="en-US" smtClean="0"/>
               <a:pPr/>
-              <a:t>7/9/2011</a:t>
+              <a:t>7/14/2011</a:t>
             </a:fld>
             <a:endParaRPr lang="en-US"/>
           </a:p>
@@ -4307,7 +4308,7 @@
             <a:fld id="{1C5BA8D0-04A9-4324-80C8-68D45A5D7C85}" type="datetimeFigureOut">
               <a:rPr lang="en-US" smtClean="0"/>
               <a:pPr/>
-              <a:t>7/9/2011</a:t>
+              <a:t>7/14/2011</a:t>
             </a:fld>
             <a:endParaRPr lang="en-US"/>
           </a:p>
@@ -4422,7 +4423,7 @@
             <a:fld id="{1C5BA8D0-04A9-4324-80C8-68D45A5D7C85}" type="datetimeFigureOut">
               <a:rPr lang="en-US" smtClean="0"/>
               <a:pPr/>
-              <a:t>7/9/2011</a:t>
+              <a:t>7/14/2011</a:t>
             </a:fld>
             <a:endParaRPr lang="en-US"/>
           </a:p>
@@ -4514,7 +4515,7 @@
             <a:fld id="{1C5BA8D0-04A9-4324-80C8-68D45A5D7C85}" type="datetimeFigureOut">
               <a:rPr lang="en-US" smtClean="0"/>
               <a:pPr/>
-              <a:t>7/9/2011</a:t>
+              <a:t>7/14/2011</a:t>
             </a:fld>
             <a:endParaRPr lang="en-US"/>
           </a:p>
@@ -4788,7 +4789,7 @@
             <a:fld id="{1C5BA8D0-04A9-4324-80C8-68D45A5D7C85}" type="datetimeFigureOut">
               <a:rPr lang="en-US" smtClean="0"/>
               <a:pPr/>
-              <a:t>7/9/2011</a:t>
+              <a:t>7/14/2011</a:t>
             </a:fld>
             <a:endParaRPr lang="en-US"/>
           </a:p>
@@ -5038,7 +5039,7 @@
             <a:fld id="{1C5BA8D0-04A9-4324-80C8-68D45A5D7C85}" type="datetimeFigureOut">
               <a:rPr lang="en-US" smtClean="0"/>
               <a:pPr/>
-              <a:t>7/9/2011</a:t>
+              <a:t>7/14/2011</a:t>
             </a:fld>
             <a:endParaRPr lang="en-US"/>
           </a:p>
@@ -5248,7 +5249,7 @@
             <a:fld id="{1C5BA8D0-04A9-4324-80C8-68D45A5D7C85}" type="datetimeFigureOut">
               <a:rPr lang="en-US" smtClean="0"/>
               <a:pPr/>
-              <a:t>7/9/2011</a:t>
+              <a:t>7/14/2011</a:t>
             </a:fld>
             <a:endParaRPr lang="en-US"/>
           </a:p>
@@ -10653,6 +10654,650 @@
           </a:p>
         </p:txBody>
       </p:sp>
+    </p:spTree>
+  </p:cSld>
+  <p:clrMapOvr>
+    <a:masterClrMapping/>
+  </p:clrMapOvr>
+</p:sld>
+</file>
+
+<file path=ppt/slides/slide8.xml><?xml version="1.0" encoding="utf-8"?>
+<p:sld xmlns:a="http://schemas.openxmlformats.org/drawingml/2006/main" xmlns:r="http://schemas.openxmlformats.org/officeDocument/2006/relationships" xmlns:p="http://schemas.openxmlformats.org/presentationml/2006/main">
+  <p:cSld>
+    <p:spTree>
+      <p:nvGrpSpPr>
+        <p:cNvPr id="1" name=""/>
+        <p:cNvGrpSpPr/>
+        <p:nvPr/>
+      </p:nvGrpSpPr>
+      <p:grpSpPr>
+        <a:xfrm>
+          <a:off x="0" y="0"/>
+          <a:ext cx="0" cy="0"/>
+          <a:chOff x="0" y="0"/>
+          <a:chExt cx="0" cy="0"/>
+        </a:xfrm>
+      </p:grpSpPr>
+      <p:sp>
+        <p:nvSpPr>
+          <p:cNvPr id="69" name="Cube 68"/>
+          <p:cNvSpPr/>
+          <p:nvPr/>
+        </p:nvSpPr>
+        <p:spPr>
+          <a:xfrm rot="1795075">
+            <a:off x="6126826" y="2193391"/>
+            <a:ext cx="1039771" cy="706978"/>
+          </a:xfrm>
+          <a:prstGeom prst="cube">
+            <a:avLst/>
+          </a:prstGeom>
+        </p:spPr>
+        <p:style>
+          <a:lnRef idx="2">
+            <a:schemeClr val="accent1"/>
+          </a:lnRef>
+          <a:fillRef idx="1">
+            <a:schemeClr val="lt1"/>
+          </a:fillRef>
+          <a:effectRef idx="0">
+            <a:schemeClr val="accent1"/>
+          </a:effectRef>
+          <a:fontRef idx="minor">
+            <a:schemeClr val="dk1"/>
+          </a:fontRef>
+        </p:style>
+        <p:txBody>
+          <a:bodyPr rtlCol="0" anchor="ctr"/>
+          <a:lstStyle/>
+          <a:p>
+            <a:pPr algn="ctr"/>
+            <a:endParaRPr lang="en-US"/>
+          </a:p>
+        </p:txBody>
+      </p:sp>
+      <p:cxnSp>
+        <p:nvCxnSpPr>
+          <p:cNvPr id="11" name="Straight Connector 10"/>
+          <p:cNvCxnSpPr/>
+          <p:nvPr/>
+        </p:nvCxnSpPr>
+        <p:spPr>
+          <a:xfrm flipV="1">
+            <a:off x="1144718" y="2971800"/>
+            <a:ext cx="7237282" cy="2438401"/>
+          </a:xfrm>
+          <a:prstGeom prst="line">
+            <a:avLst/>
+          </a:prstGeom>
+          <a:ln>
+            <a:headEnd type="none" w="med" len="med"/>
+            <a:tailEnd type="arrow" w="med" len="med"/>
+          </a:ln>
+        </p:spPr>
+        <p:style>
+          <a:lnRef idx="2">
+            <a:schemeClr val="dk1"/>
+          </a:lnRef>
+          <a:fillRef idx="0">
+            <a:schemeClr val="dk1"/>
+          </a:fillRef>
+          <a:effectRef idx="1">
+            <a:schemeClr val="dk1"/>
+          </a:effectRef>
+          <a:fontRef idx="minor">
+            <a:schemeClr val="tx1"/>
+          </a:fontRef>
+        </p:style>
+      </p:cxnSp>
+      <p:sp>
+        <p:nvSpPr>
+          <p:cNvPr id="55" name="Oval 54"/>
+          <p:cNvSpPr/>
+          <p:nvPr/>
+        </p:nvSpPr>
+        <p:spPr>
+          <a:xfrm>
+            <a:off x="4954718" y="4038601"/>
+            <a:ext cx="152400" cy="152400"/>
+          </a:xfrm>
+          <a:prstGeom prst="ellipse">
+            <a:avLst/>
+          </a:prstGeom>
+        </p:spPr>
+        <p:style>
+          <a:lnRef idx="2">
+            <a:schemeClr val="dk1">
+              <a:shade val="50000"/>
+            </a:schemeClr>
+          </a:lnRef>
+          <a:fillRef idx="1">
+            <a:schemeClr val="dk1"/>
+          </a:fillRef>
+          <a:effectRef idx="0">
+            <a:schemeClr val="dk1"/>
+          </a:effectRef>
+          <a:fontRef idx="minor">
+            <a:schemeClr val="lt1"/>
+          </a:fontRef>
+        </p:style>
+        <p:txBody>
+          <a:bodyPr rtlCol="0" anchor="ctr"/>
+          <a:lstStyle/>
+          <a:p>
+            <a:pPr algn="ctr"/>
+            <a:endParaRPr lang="en-US"/>
+          </a:p>
+        </p:txBody>
+      </p:sp>
+      <p:sp>
+        <p:nvSpPr>
+          <p:cNvPr id="4" name="Parallelogram 3"/>
+          <p:cNvSpPr/>
+          <p:nvPr/>
+        </p:nvSpPr>
+        <p:spPr>
+          <a:xfrm rot="1106738" flipV="1">
+            <a:off x="2770485" y="2461553"/>
+            <a:ext cx="2893578" cy="2087296"/>
+          </a:xfrm>
+          <a:prstGeom prst="parallelogram">
+            <a:avLst>
+              <a:gd name="adj" fmla="val 17269"/>
+            </a:avLst>
+          </a:prstGeom>
+          <a:noFill/>
+        </p:spPr>
+        <p:style>
+          <a:lnRef idx="2">
+            <a:schemeClr val="accent1">
+              <a:shade val="50000"/>
+            </a:schemeClr>
+          </a:lnRef>
+          <a:fillRef idx="1">
+            <a:schemeClr val="accent1"/>
+          </a:fillRef>
+          <a:effectRef idx="0">
+            <a:schemeClr val="accent1"/>
+          </a:effectRef>
+          <a:fontRef idx="minor">
+            <a:schemeClr val="lt1"/>
+          </a:fontRef>
+        </p:style>
+        <p:txBody>
+          <a:bodyPr rtlCol="0" anchor="ctr"/>
+          <a:lstStyle/>
+          <a:p>
+            <a:pPr algn="ctr"/>
+            <a:endParaRPr lang="en-US"/>
+          </a:p>
+        </p:txBody>
+      </p:sp>
+      <p:sp>
+        <p:nvSpPr>
+          <p:cNvPr id="63" name="Oval 62"/>
+          <p:cNvSpPr/>
+          <p:nvPr/>
+        </p:nvSpPr>
+        <p:spPr>
+          <a:xfrm>
+            <a:off x="1124790" y="5291797"/>
+            <a:ext cx="152400" cy="152400"/>
+          </a:xfrm>
+          <a:prstGeom prst="ellipse">
+            <a:avLst/>
+          </a:prstGeom>
+        </p:spPr>
+        <p:style>
+          <a:lnRef idx="2">
+            <a:schemeClr val="dk1">
+              <a:shade val="50000"/>
+            </a:schemeClr>
+          </a:lnRef>
+          <a:fillRef idx="1">
+            <a:schemeClr val="dk1"/>
+          </a:fillRef>
+          <a:effectRef idx="0">
+            <a:schemeClr val="dk1"/>
+          </a:effectRef>
+          <a:fontRef idx="minor">
+            <a:schemeClr val="lt1"/>
+          </a:fontRef>
+        </p:style>
+        <p:txBody>
+          <a:bodyPr rtlCol="0" anchor="ctr"/>
+          <a:lstStyle/>
+          <a:p>
+            <a:pPr algn="ctr"/>
+            <a:endParaRPr lang="en-US"/>
+          </a:p>
+        </p:txBody>
+      </p:sp>
+      <p:sp>
+        <p:nvSpPr>
+          <p:cNvPr id="79" name="TextBox 78"/>
+          <p:cNvSpPr txBox="1"/>
+          <p:nvPr/>
+        </p:nvSpPr>
+        <p:spPr>
+          <a:xfrm>
+            <a:off x="306518" y="5486401"/>
+            <a:ext cx="1709379" cy="369332"/>
+          </a:xfrm>
+          <a:prstGeom prst="rect">
+            <a:avLst/>
+          </a:prstGeom>
+          <a:noFill/>
+        </p:spPr>
+        <p:txBody>
+          <a:bodyPr wrap="none" rtlCol="0">
+            <a:spAutoFit/>
+          </a:bodyPr>
+          <a:lstStyle/>
+          <a:p>
+            <a:r>
+              <a:rPr lang="en-US" smtClean="0"/>
+              <a:t>Camera Position</a:t>
+            </a:r>
+            <a:endParaRPr lang="en-US"/>
+          </a:p>
+        </p:txBody>
+      </p:sp>
+      <p:sp>
+        <p:nvSpPr>
+          <p:cNvPr id="83" name="TextBox 82"/>
+          <p:cNvSpPr txBox="1"/>
+          <p:nvPr/>
+        </p:nvSpPr>
+        <p:spPr>
+          <a:xfrm>
+            <a:off x="992318" y="5181601"/>
+            <a:ext cx="308098" cy="369332"/>
+          </a:xfrm>
+          <a:prstGeom prst="rect">
+            <a:avLst/>
+          </a:prstGeom>
+          <a:noFill/>
+        </p:spPr>
+        <p:txBody>
+          <a:bodyPr wrap="none" rtlCol="0">
+            <a:spAutoFit/>
+          </a:bodyPr>
+          <a:lstStyle/>
+          <a:p>
+            <a:r>
+              <a:rPr lang="en-US" smtClean="0"/>
+              <a:t>C</a:t>
+            </a:r>
+            <a:endParaRPr lang="en-US"/>
+          </a:p>
+        </p:txBody>
+      </p:sp>
+      <p:cxnSp>
+        <p:nvCxnSpPr>
+          <p:cNvPr id="45" name="Straight Connector 44"/>
+          <p:cNvCxnSpPr/>
+          <p:nvPr/>
+        </p:nvCxnSpPr>
+        <p:spPr>
+          <a:xfrm rot="5400000" flipH="1" flipV="1">
+            <a:off x="497018" y="2705101"/>
+            <a:ext cx="3352800" cy="2057400"/>
+          </a:xfrm>
+          <a:prstGeom prst="line">
+            <a:avLst/>
+          </a:prstGeom>
+        </p:spPr>
+        <p:style>
+          <a:lnRef idx="1">
+            <a:schemeClr val="accent1"/>
+          </a:lnRef>
+          <a:fillRef idx="0">
+            <a:schemeClr val="accent1"/>
+          </a:fillRef>
+          <a:effectRef idx="0">
+            <a:schemeClr val="accent1"/>
+          </a:effectRef>
+          <a:fontRef idx="minor">
+            <a:schemeClr val="tx1"/>
+          </a:fontRef>
+        </p:style>
+      </p:cxnSp>
+      <p:cxnSp>
+        <p:nvCxnSpPr>
+          <p:cNvPr id="47" name="Straight Connector 46"/>
+          <p:cNvCxnSpPr/>
+          <p:nvPr/>
+        </p:nvCxnSpPr>
+        <p:spPr>
+          <a:xfrm flipV="1">
+            <a:off x="1158786" y="4142937"/>
+            <a:ext cx="1676400" cy="1219200"/>
+          </a:xfrm>
+          <a:prstGeom prst="line">
+            <a:avLst/>
+          </a:prstGeom>
+        </p:spPr>
+        <p:style>
+          <a:lnRef idx="1">
+            <a:schemeClr val="accent1"/>
+          </a:lnRef>
+          <a:fillRef idx="0">
+            <a:schemeClr val="accent1"/>
+          </a:fillRef>
+          <a:effectRef idx="0">
+            <a:schemeClr val="accent1"/>
+          </a:effectRef>
+          <a:fontRef idx="minor">
+            <a:schemeClr val="tx1"/>
+          </a:fontRef>
+        </p:style>
+      </p:cxnSp>
+      <p:cxnSp>
+        <p:nvCxnSpPr>
+          <p:cNvPr id="49" name="Straight Connector 48"/>
+          <p:cNvCxnSpPr/>
+          <p:nvPr/>
+        </p:nvCxnSpPr>
+        <p:spPr>
+          <a:xfrm flipV="1">
+            <a:off x="1158786" y="2853397"/>
+            <a:ext cx="4419600" cy="2514600"/>
+          </a:xfrm>
+          <a:prstGeom prst="line">
+            <a:avLst/>
+          </a:prstGeom>
+        </p:spPr>
+        <p:style>
+          <a:lnRef idx="1">
+            <a:schemeClr val="accent1"/>
+          </a:lnRef>
+          <a:fillRef idx="0">
+            <a:schemeClr val="accent1"/>
+          </a:fillRef>
+          <a:effectRef idx="0">
+            <a:schemeClr val="accent1"/>
+          </a:effectRef>
+          <a:fontRef idx="minor">
+            <a:schemeClr val="tx1"/>
+          </a:fontRef>
+        </p:style>
+      </p:cxnSp>
+      <p:cxnSp>
+        <p:nvCxnSpPr>
+          <p:cNvPr id="51" name="Straight Connector 50"/>
+          <p:cNvCxnSpPr/>
+          <p:nvPr/>
+        </p:nvCxnSpPr>
+        <p:spPr>
+          <a:xfrm flipV="1">
+            <a:off x="1144718" y="4953001"/>
+            <a:ext cx="4114800" cy="457200"/>
+          </a:xfrm>
+          <a:prstGeom prst="line">
+            <a:avLst/>
+          </a:prstGeom>
+        </p:spPr>
+        <p:style>
+          <a:lnRef idx="1">
+            <a:schemeClr val="accent1"/>
+          </a:lnRef>
+          <a:fillRef idx="0">
+            <a:schemeClr val="accent1"/>
+          </a:fillRef>
+          <a:effectRef idx="0">
+            <a:schemeClr val="accent1"/>
+          </a:effectRef>
+          <a:fontRef idx="minor">
+            <a:schemeClr val="tx1"/>
+          </a:fontRef>
+        </p:style>
+      </p:cxnSp>
+      <p:sp>
+        <p:nvSpPr>
+          <p:cNvPr id="54" name="TextBox 53"/>
+          <p:cNvSpPr txBox="1"/>
+          <p:nvPr/>
+        </p:nvSpPr>
+        <p:spPr>
+          <a:xfrm>
+            <a:off x="8001000" y="3124200"/>
+            <a:ext cx="520207" cy="369332"/>
+          </a:xfrm>
+          <a:prstGeom prst="rect">
+            <a:avLst/>
+          </a:prstGeom>
+          <a:noFill/>
+        </p:spPr>
+        <p:txBody>
+          <a:bodyPr wrap="none" rtlCol="0">
+            <a:spAutoFit/>
+          </a:bodyPr>
+          <a:lstStyle/>
+          <a:p>
+            <a:r>
+              <a:rPr lang="en-US" smtClean="0"/>
+              <a:t>Ray</a:t>
+            </a:r>
+            <a:endParaRPr lang="en-US"/>
+          </a:p>
+        </p:txBody>
+      </p:sp>
+      <p:sp>
+        <p:nvSpPr>
+          <p:cNvPr id="66" name="TextBox 65"/>
+          <p:cNvSpPr txBox="1"/>
+          <p:nvPr/>
+        </p:nvSpPr>
+        <p:spPr>
+          <a:xfrm>
+            <a:off x="4497518" y="4267201"/>
+            <a:ext cx="2119683" cy="369332"/>
+          </a:xfrm>
+          <a:prstGeom prst="rect">
+            <a:avLst/>
+          </a:prstGeom>
+          <a:noFill/>
+        </p:spPr>
+        <p:txBody>
+          <a:bodyPr wrap="none" rtlCol="0">
+            <a:spAutoFit/>
+          </a:bodyPr>
+          <a:lstStyle/>
+          <a:p>
+            <a:r>
+              <a:rPr lang="en-US" smtClean="0"/>
+              <a:t>Mouse Click Position</a:t>
+            </a:r>
+            <a:endParaRPr lang="en-US"/>
+          </a:p>
+        </p:txBody>
+      </p:sp>
+      <p:sp>
+        <p:nvSpPr>
+          <p:cNvPr id="68" name="Cube 67"/>
+          <p:cNvSpPr/>
+          <p:nvPr/>
+        </p:nvSpPr>
+        <p:spPr>
+          <a:xfrm>
+            <a:off x="5638800" y="3048000"/>
+            <a:ext cx="1143000" cy="1143000"/>
+          </a:xfrm>
+          <a:prstGeom prst="cube">
+            <a:avLst/>
+          </a:prstGeom>
+          <a:effectLst>
+            <a:glow rad="139700">
+              <a:schemeClr val="accent2">
+                <a:satMod val="175000"/>
+                <a:alpha val="40000"/>
+              </a:schemeClr>
+            </a:glow>
+          </a:effectLst>
+        </p:spPr>
+        <p:style>
+          <a:lnRef idx="2">
+            <a:schemeClr val="accent2"/>
+          </a:lnRef>
+          <a:fillRef idx="1">
+            <a:schemeClr val="lt1"/>
+          </a:fillRef>
+          <a:effectRef idx="0">
+            <a:schemeClr val="accent2"/>
+          </a:effectRef>
+          <a:fontRef idx="minor">
+            <a:schemeClr val="dk1"/>
+          </a:fontRef>
+        </p:style>
+        <p:txBody>
+          <a:bodyPr rtlCol="0" anchor="ctr"/>
+          <a:lstStyle/>
+          <a:p>
+            <a:pPr algn="ctr"/>
+            <a:endParaRPr lang="en-US"/>
+          </a:p>
+        </p:txBody>
+      </p:sp>
+      <p:sp>
+        <p:nvSpPr>
+          <p:cNvPr id="67" name="TextBox 66"/>
+          <p:cNvSpPr txBox="1"/>
+          <p:nvPr/>
+        </p:nvSpPr>
+        <p:spPr>
+          <a:xfrm>
+            <a:off x="4040318" y="2057401"/>
+            <a:ext cx="1335302" cy="369332"/>
+          </a:xfrm>
+          <a:prstGeom prst="rect">
+            <a:avLst/>
+          </a:prstGeom>
+          <a:noFill/>
+        </p:spPr>
+        <p:txBody>
+          <a:bodyPr wrap="none" rtlCol="0">
+            <a:spAutoFit/>
+          </a:bodyPr>
+          <a:lstStyle/>
+          <a:p>
+            <a:r>
+              <a:rPr lang="en-US" smtClean="0"/>
+              <a:t>Image plane</a:t>
+            </a:r>
+            <a:endParaRPr lang="en-US"/>
+          </a:p>
+        </p:txBody>
+      </p:sp>
+      <p:cxnSp>
+        <p:nvCxnSpPr>
+          <p:cNvPr id="71" name="Straight Connector 70"/>
+          <p:cNvCxnSpPr/>
+          <p:nvPr/>
+        </p:nvCxnSpPr>
+        <p:spPr>
+          <a:xfrm flipV="1">
+            <a:off x="1205132" y="3733800"/>
+            <a:ext cx="4967068" cy="1648264"/>
+          </a:xfrm>
+          <a:prstGeom prst="line">
+            <a:avLst/>
+          </a:prstGeom>
+          <a:ln>
+            <a:headEnd type="none" w="med" len="med"/>
+            <a:tailEnd type="none" w="med" len="med"/>
+          </a:ln>
+        </p:spPr>
+        <p:style>
+          <a:lnRef idx="2">
+            <a:schemeClr val="dk1"/>
+          </a:lnRef>
+          <a:fillRef idx="0">
+            <a:schemeClr val="dk1"/>
+          </a:fillRef>
+          <a:effectRef idx="1">
+            <a:schemeClr val="dk1"/>
+          </a:effectRef>
+          <a:fontRef idx="minor">
+            <a:schemeClr val="tx1"/>
+          </a:fontRef>
+        </p:style>
+      </p:cxnSp>
+      <p:sp>
+        <p:nvSpPr>
+          <p:cNvPr id="92" name="Cube 91"/>
+          <p:cNvSpPr/>
+          <p:nvPr/>
+        </p:nvSpPr>
+        <p:spPr>
+          <a:xfrm rot="20379979">
+            <a:off x="7186760" y="2827746"/>
+            <a:ext cx="609600" cy="685800"/>
+          </a:xfrm>
+          <a:prstGeom prst="cube">
+            <a:avLst/>
+          </a:prstGeom>
+        </p:spPr>
+        <p:style>
+          <a:lnRef idx="2">
+            <a:schemeClr val="accent1"/>
+          </a:lnRef>
+          <a:fillRef idx="1">
+            <a:schemeClr val="lt1"/>
+          </a:fillRef>
+          <a:effectRef idx="0">
+            <a:schemeClr val="accent1"/>
+          </a:effectRef>
+          <a:fontRef idx="minor">
+            <a:schemeClr val="dk1"/>
+          </a:fontRef>
+        </p:style>
+        <p:txBody>
+          <a:bodyPr rtlCol="0" anchor="ctr"/>
+          <a:lstStyle/>
+          <a:p>
+            <a:pPr algn="ctr"/>
+            <a:endParaRPr lang="en-US"/>
+          </a:p>
+        </p:txBody>
+      </p:sp>
+      <p:cxnSp>
+        <p:nvCxnSpPr>
+          <p:cNvPr id="93" name="Straight Connector 92"/>
+          <p:cNvCxnSpPr>
+            <a:stCxn id="68" idx="5"/>
+          </p:cNvCxnSpPr>
+          <p:nvPr/>
+        </p:nvCxnSpPr>
+        <p:spPr>
+          <a:xfrm flipV="1">
+            <a:off x="6781800" y="3276600"/>
+            <a:ext cx="685800" cy="200025"/>
+          </a:xfrm>
+          <a:prstGeom prst="line">
+            <a:avLst/>
+          </a:prstGeom>
+          <a:ln>
+            <a:headEnd type="none" w="med" len="med"/>
+            <a:tailEnd type="none" w="med" len="med"/>
+          </a:ln>
+        </p:spPr>
+        <p:style>
+          <a:lnRef idx="2">
+            <a:schemeClr val="dk1"/>
+          </a:lnRef>
+          <a:fillRef idx="0">
+            <a:schemeClr val="dk1"/>
+          </a:fillRef>
+          <a:effectRef idx="1">
+            <a:schemeClr val="dk1"/>
+          </a:effectRef>
+          <a:fontRef idx="minor">
+            <a:schemeClr val="tx1"/>
+          </a:fontRef>
+        </p:style>
+      </p:cxnSp>
     </p:spTree>
   </p:cSld>
   <p:clrMapOvr>

--- a/trunk/Report/slide report.pptx
+++ b/trunk/Report/slide report.pptx
@@ -13,6 +13,14 @@
     <p:sldId id="261" r:id="rId7"/>
     <p:sldId id="262" r:id="rId8"/>
     <p:sldId id="263" r:id="rId9"/>
+    <p:sldId id="264" r:id="rId10"/>
+    <p:sldId id="265" r:id="rId11"/>
+    <p:sldId id="267" r:id="rId12"/>
+    <p:sldId id="266" r:id="rId13"/>
+    <p:sldId id="268" r:id="rId14"/>
+    <p:sldId id="269" r:id="rId15"/>
+    <p:sldId id="270" r:id="rId16"/>
+    <p:sldId id="271" r:id="rId17"/>
   </p:sldIdLst>
   <p:sldSz cx="9144000" cy="6858000" type="screen4x3"/>
   <p:notesSz cx="6858000" cy="9144000"/>
@@ -2850,7 +2858,7 @@
             <a:fld id="{1C5BA8D0-04A9-4324-80C8-68D45A5D7C85}" type="datetimeFigureOut">
               <a:rPr lang="en-US" smtClean="0"/>
               <a:pPr/>
-              <a:t>7/14/2011</a:t>
+              <a:t>7/16/2011</a:t>
             </a:fld>
             <a:endParaRPr lang="en-US"/>
           </a:p>
@@ -3017,7 +3025,7 @@
             <a:fld id="{1C5BA8D0-04A9-4324-80C8-68D45A5D7C85}" type="datetimeFigureOut">
               <a:rPr lang="en-US" smtClean="0"/>
               <a:pPr/>
-              <a:t>7/14/2011</a:t>
+              <a:t>7/16/2011</a:t>
             </a:fld>
             <a:endParaRPr lang="en-US"/>
           </a:p>
@@ -3194,7 +3202,7 @@
             <a:fld id="{1C5BA8D0-04A9-4324-80C8-68D45A5D7C85}" type="datetimeFigureOut">
               <a:rPr lang="en-US" smtClean="0"/>
               <a:pPr/>
-              <a:t>7/14/2011</a:t>
+              <a:t>7/16/2011</a:t>
             </a:fld>
             <a:endParaRPr lang="en-US"/>
           </a:p>
@@ -3361,7 +3369,7 @@
             <a:fld id="{1C5BA8D0-04A9-4324-80C8-68D45A5D7C85}" type="datetimeFigureOut">
               <a:rPr lang="en-US" smtClean="0"/>
               <a:pPr/>
-              <a:t>7/14/2011</a:t>
+              <a:t>7/16/2011</a:t>
             </a:fld>
             <a:endParaRPr lang="en-US"/>
           </a:p>
@@ -3604,7 +3612,7 @@
             <a:fld id="{1C5BA8D0-04A9-4324-80C8-68D45A5D7C85}" type="datetimeFigureOut">
               <a:rPr lang="en-US" smtClean="0"/>
               <a:pPr/>
-              <a:t>7/14/2011</a:t>
+              <a:t>7/16/2011</a:t>
             </a:fld>
             <a:endParaRPr lang="en-US"/>
           </a:p>
@@ -3889,7 +3897,7 @@
             <a:fld id="{1C5BA8D0-04A9-4324-80C8-68D45A5D7C85}" type="datetimeFigureOut">
               <a:rPr lang="en-US" smtClean="0"/>
               <a:pPr/>
-              <a:t>7/14/2011</a:t>
+              <a:t>7/16/2011</a:t>
             </a:fld>
             <a:endParaRPr lang="en-US"/>
           </a:p>
@@ -4308,7 +4316,7 @@
             <a:fld id="{1C5BA8D0-04A9-4324-80C8-68D45A5D7C85}" type="datetimeFigureOut">
               <a:rPr lang="en-US" smtClean="0"/>
               <a:pPr/>
-              <a:t>7/14/2011</a:t>
+              <a:t>7/16/2011</a:t>
             </a:fld>
             <a:endParaRPr lang="en-US"/>
           </a:p>
@@ -4423,7 +4431,7 @@
             <a:fld id="{1C5BA8D0-04A9-4324-80C8-68D45A5D7C85}" type="datetimeFigureOut">
               <a:rPr lang="en-US" smtClean="0"/>
               <a:pPr/>
-              <a:t>7/14/2011</a:t>
+              <a:t>7/16/2011</a:t>
             </a:fld>
             <a:endParaRPr lang="en-US"/>
           </a:p>
@@ -4515,7 +4523,7 @@
             <a:fld id="{1C5BA8D0-04A9-4324-80C8-68D45A5D7C85}" type="datetimeFigureOut">
               <a:rPr lang="en-US" smtClean="0"/>
               <a:pPr/>
-              <a:t>7/14/2011</a:t>
+              <a:t>7/16/2011</a:t>
             </a:fld>
             <a:endParaRPr lang="en-US"/>
           </a:p>
@@ -4789,7 +4797,7 @@
             <a:fld id="{1C5BA8D0-04A9-4324-80C8-68D45A5D7C85}" type="datetimeFigureOut">
               <a:rPr lang="en-US" smtClean="0"/>
               <a:pPr/>
-              <a:t>7/14/2011</a:t>
+              <a:t>7/16/2011</a:t>
             </a:fld>
             <a:endParaRPr lang="en-US"/>
           </a:p>
@@ -5039,7 +5047,7 @@
             <a:fld id="{1C5BA8D0-04A9-4324-80C8-68D45A5D7C85}" type="datetimeFigureOut">
               <a:rPr lang="en-US" smtClean="0"/>
               <a:pPr/>
-              <a:t>7/14/2011</a:t>
+              <a:t>7/16/2011</a:t>
             </a:fld>
             <a:endParaRPr lang="en-US"/>
           </a:p>
@@ -5249,7 +5257,7 @@
             <a:fld id="{1C5BA8D0-04A9-4324-80C8-68D45A5D7C85}" type="datetimeFigureOut">
               <a:rPr lang="en-US" smtClean="0"/>
               <a:pPr/>
-              <a:t>7/14/2011</a:t>
+              <a:t>7/16/2011</a:t>
             </a:fld>
             <a:endParaRPr lang="en-US"/>
           </a:p>
@@ -6284,6 +6292,4607 @@
 </p:sld>
 </file>
 
+<file path=ppt/slides/slide10.xml><?xml version="1.0" encoding="utf-8"?>
+<p:sld xmlns:a="http://schemas.openxmlformats.org/drawingml/2006/main" xmlns:r="http://schemas.openxmlformats.org/officeDocument/2006/relationships" xmlns:p="http://schemas.openxmlformats.org/presentationml/2006/main">
+  <p:cSld>
+    <p:spTree>
+      <p:nvGrpSpPr>
+        <p:cNvPr id="1" name=""/>
+        <p:cNvGrpSpPr/>
+        <p:nvPr/>
+      </p:nvGrpSpPr>
+      <p:grpSpPr>
+        <a:xfrm>
+          <a:off x="0" y="0"/>
+          <a:ext cx="0" cy="0"/>
+          <a:chOff x="0" y="0"/>
+          <a:chExt cx="0" cy="0"/>
+        </a:xfrm>
+      </p:grpSpPr>
+      <p:sp>
+        <p:nvSpPr>
+          <p:cNvPr id="9" name="Rounded Rectangle 8"/>
+          <p:cNvSpPr/>
+          <p:nvPr/>
+        </p:nvSpPr>
+        <p:spPr>
+          <a:xfrm>
+            <a:off x="1143000" y="2133600"/>
+            <a:ext cx="7467600" cy="3505200"/>
+          </a:xfrm>
+          <a:prstGeom prst="roundRect">
+            <a:avLst>
+              <a:gd name="adj" fmla="val 3886"/>
+            </a:avLst>
+          </a:prstGeom>
+          <a:solidFill>
+            <a:schemeClr val="accent1">
+              <a:lumMod val="20000"/>
+              <a:lumOff val="80000"/>
+            </a:schemeClr>
+          </a:solidFill>
+          <a:ln>
+            <a:solidFill>
+              <a:schemeClr val="accent1">
+                <a:lumMod val="50000"/>
+              </a:schemeClr>
+            </a:solidFill>
+          </a:ln>
+        </p:spPr>
+        <p:style>
+          <a:lnRef idx="1">
+            <a:schemeClr val="accent6"/>
+          </a:lnRef>
+          <a:fillRef idx="2">
+            <a:schemeClr val="accent6"/>
+          </a:fillRef>
+          <a:effectRef idx="1">
+            <a:schemeClr val="accent6"/>
+          </a:effectRef>
+          <a:fontRef idx="minor">
+            <a:schemeClr val="dk1"/>
+          </a:fontRef>
+        </p:style>
+        <p:txBody>
+          <a:bodyPr rtlCol="0" anchor="ctr"/>
+          <a:lstStyle/>
+          <a:p>
+            <a:pPr algn="ctr"/>
+            <a:endParaRPr lang="en-US" sz="2000" b="1"/>
+          </a:p>
+        </p:txBody>
+      </p:sp>
+      <p:sp>
+        <p:nvSpPr>
+          <p:cNvPr id="2" name="Title 1"/>
+          <p:cNvSpPr>
+            <a:spLocks noGrp="1"/>
+          </p:cNvSpPr>
+          <p:nvPr>
+            <p:ph type="title"/>
+          </p:nvPr>
+        </p:nvSpPr>
+        <p:spPr/>
+        <p:txBody>
+          <a:bodyPr/>
+          <a:lstStyle/>
+          <a:p>
+            <a:endParaRPr lang="en-US"/>
+          </a:p>
+        </p:txBody>
+      </p:sp>
+      <p:sp>
+        <p:nvSpPr>
+          <p:cNvPr id="5" name="Rounded Rectangle 4"/>
+          <p:cNvSpPr/>
+          <p:nvPr/>
+        </p:nvSpPr>
+        <p:spPr>
+          <a:xfrm>
+            <a:off x="1371600" y="2819400"/>
+            <a:ext cx="1828800" cy="2590800"/>
+          </a:xfrm>
+          <a:prstGeom prst="roundRect">
+            <a:avLst>
+              <a:gd name="adj" fmla="val 3886"/>
+            </a:avLst>
+          </a:prstGeom>
+        </p:spPr>
+        <p:style>
+          <a:lnRef idx="1">
+            <a:schemeClr val="accent4"/>
+          </a:lnRef>
+          <a:fillRef idx="2">
+            <a:schemeClr val="accent4"/>
+          </a:fillRef>
+          <a:effectRef idx="1">
+            <a:schemeClr val="accent4"/>
+          </a:effectRef>
+          <a:fontRef idx="minor">
+            <a:schemeClr val="dk1"/>
+          </a:fontRef>
+        </p:style>
+        <p:txBody>
+          <a:bodyPr rtlCol="0" anchor="ctr"/>
+          <a:lstStyle/>
+          <a:p>
+            <a:pPr algn="ctr"/>
+            <a:endParaRPr lang="en-US" sz="2000" b="1"/>
+          </a:p>
+        </p:txBody>
+      </p:sp>
+      <p:sp>
+        <p:nvSpPr>
+          <p:cNvPr id="16" name="TextBox 15"/>
+          <p:cNvSpPr txBox="1"/>
+          <p:nvPr/>
+        </p:nvSpPr>
+        <p:spPr>
+          <a:xfrm>
+            <a:off x="1371600" y="3886200"/>
+            <a:ext cx="1905000" cy="400110"/>
+          </a:xfrm>
+          <a:prstGeom prst="rect">
+            <a:avLst/>
+          </a:prstGeom>
+          <a:noFill/>
+        </p:spPr>
+        <p:txBody>
+          <a:bodyPr wrap="square" rtlCol="0">
+            <a:spAutoFit/>
+          </a:bodyPr>
+          <a:lstStyle/>
+          <a:p>
+            <a:pPr algn="ctr"/>
+            <a:r>
+              <a:rPr lang="en-US" sz="2000" b="1" smtClean="0"/>
+              <a:t>Scene</a:t>
+            </a:r>
+            <a:endParaRPr lang="en-US" sz="2000" b="1"/>
+          </a:p>
+        </p:txBody>
+      </p:sp>
+      <p:sp>
+        <p:nvSpPr>
+          <p:cNvPr id="24" name="Rounded Rectangle 23"/>
+          <p:cNvSpPr/>
+          <p:nvPr/>
+        </p:nvSpPr>
+        <p:spPr>
+          <a:xfrm>
+            <a:off x="6477000" y="2819400"/>
+            <a:ext cx="1905000" cy="1143000"/>
+          </a:xfrm>
+          <a:prstGeom prst="roundRect">
+            <a:avLst>
+              <a:gd name="adj" fmla="val 3886"/>
+            </a:avLst>
+          </a:prstGeom>
+        </p:spPr>
+        <p:style>
+          <a:lnRef idx="1">
+            <a:schemeClr val="accent2"/>
+          </a:lnRef>
+          <a:fillRef idx="2">
+            <a:schemeClr val="accent2"/>
+          </a:fillRef>
+          <a:effectRef idx="1">
+            <a:schemeClr val="accent2"/>
+          </a:effectRef>
+          <a:fontRef idx="minor">
+            <a:schemeClr val="dk1"/>
+          </a:fontRef>
+        </p:style>
+        <p:txBody>
+          <a:bodyPr rtlCol="0" anchor="ctr"/>
+          <a:lstStyle/>
+          <a:p>
+            <a:pPr algn="ctr"/>
+            <a:r>
+              <a:rPr lang="en-US" sz="2000" b="1" smtClean="0"/>
+              <a:t>Material</a:t>
+            </a:r>
+            <a:endParaRPr lang="en-US" sz="2000" b="1"/>
+          </a:p>
+        </p:txBody>
+      </p:sp>
+      <p:sp>
+        <p:nvSpPr>
+          <p:cNvPr id="27" name="TextBox 26"/>
+          <p:cNvSpPr txBox="1"/>
+          <p:nvPr/>
+        </p:nvSpPr>
+        <p:spPr>
+          <a:xfrm>
+            <a:off x="4572000" y="2209800"/>
+            <a:ext cx="607154" cy="369332"/>
+          </a:xfrm>
+          <a:prstGeom prst="rect">
+            <a:avLst/>
+          </a:prstGeom>
+          <a:noFill/>
+        </p:spPr>
+        <p:txBody>
+          <a:bodyPr wrap="none" rtlCol="0">
+            <a:spAutoFit/>
+          </a:bodyPr>
+          <a:lstStyle/>
+          <a:p>
+            <a:pPr algn="ctr"/>
+            <a:r>
+              <a:rPr lang="en-US" b="1" smtClean="0"/>
+              <a:t>Tour</a:t>
+            </a:r>
+            <a:endParaRPr lang="en-US" b="1"/>
+          </a:p>
+        </p:txBody>
+      </p:sp>
+      <p:sp>
+        <p:nvSpPr>
+          <p:cNvPr id="28" name="Rounded Rectangle 27"/>
+          <p:cNvSpPr/>
+          <p:nvPr/>
+        </p:nvSpPr>
+        <p:spPr>
+          <a:xfrm>
+            <a:off x="3429000" y="2819400"/>
+            <a:ext cx="2819400" cy="2590800"/>
+          </a:xfrm>
+          <a:prstGeom prst="roundRect">
+            <a:avLst>
+              <a:gd name="adj" fmla="val 3886"/>
+            </a:avLst>
+          </a:prstGeom>
+        </p:spPr>
+        <p:style>
+          <a:lnRef idx="1">
+            <a:schemeClr val="accent5"/>
+          </a:lnRef>
+          <a:fillRef idx="2">
+            <a:schemeClr val="accent5"/>
+          </a:fillRef>
+          <a:effectRef idx="1">
+            <a:schemeClr val="accent5"/>
+          </a:effectRef>
+          <a:fontRef idx="minor">
+            <a:schemeClr val="dk1"/>
+          </a:fontRef>
+        </p:style>
+        <p:txBody>
+          <a:bodyPr rtlCol="0" anchor="ctr"/>
+          <a:lstStyle/>
+          <a:p>
+            <a:pPr algn="ctr"/>
+            <a:endParaRPr lang="en-US" sz="2000" b="1"/>
+          </a:p>
+        </p:txBody>
+      </p:sp>
+      <p:sp>
+        <p:nvSpPr>
+          <p:cNvPr id="29" name="TextBox 28"/>
+          <p:cNvSpPr txBox="1"/>
+          <p:nvPr/>
+        </p:nvSpPr>
+        <p:spPr>
+          <a:xfrm>
+            <a:off x="3962400" y="3028890"/>
+            <a:ext cx="1905000" cy="400110"/>
+          </a:xfrm>
+          <a:prstGeom prst="rect">
+            <a:avLst/>
+          </a:prstGeom>
+          <a:noFill/>
+        </p:spPr>
+        <p:txBody>
+          <a:bodyPr wrap="square" rtlCol="0">
+            <a:spAutoFit/>
+          </a:bodyPr>
+          <a:lstStyle/>
+          <a:p>
+            <a:pPr algn="ctr"/>
+            <a:r>
+              <a:rPr lang="en-US" sz="2000" b="1" smtClean="0"/>
+              <a:t>Model</a:t>
+            </a:r>
+            <a:endParaRPr lang="en-US" sz="2000" b="1"/>
+          </a:p>
+        </p:txBody>
+      </p:sp>
+      <p:sp>
+        <p:nvSpPr>
+          <p:cNvPr id="31" name="Rounded Rectangle 30"/>
+          <p:cNvSpPr/>
+          <p:nvPr/>
+        </p:nvSpPr>
+        <p:spPr>
+          <a:xfrm>
+            <a:off x="3657600" y="3429000"/>
+            <a:ext cx="2362200" cy="1752600"/>
+          </a:xfrm>
+          <a:prstGeom prst="roundRect">
+            <a:avLst>
+              <a:gd name="adj" fmla="val 3886"/>
+            </a:avLst>
+          </a:prstGeom>
+        </p:spPr>
+        <p:style>
+          <a:lnRef idx="1">
+            <a:schemeClr val="accent5"/>
+          </a:lnRef>
+          <a:fillRef idx="2">
+            <a:schemeClr val="accent5"/>
+          </a:fillRef>
+          <a:effectRef idx="1">
+            <a:schemeClr val="accent5"/>
+          </a:effectRef>
+          <a:fontRef idx="minor">
+            <a:schemeClr val="dk1"/>
+          </a:fontRef>
+        </p:style>
+        <p:txBody>
+          <a:bodyPr rtlCol="0" anchor="ctr"/>
+          <a:lstStyle/>
+          <a:p>
+            <a:pPr algn="ctr"/>
+            <a:endParaRPr lang="en-US" sz="2000" b="1"/>
+          </a:p>
+        </p:txBody>
+      </p:sp>
+      <p:sp>
+        <p:nvSpPr>
+          <p:cNvPr id="32" name="TextBox 31"/>
+          <p:cNvSpPr txBox="1"/>
+          <p:nvPr/>
+        </p:nvSpPr>
+        <p:spPr>
+          <a:xfrm>
+            <a:off x="3886200" y="3581400"/>
+            <a:ext cx="1905000" cy="400110"/>
+          </a:xfrm>
+          <a:prstGeom prst="rect">
+            <a:avLst/>
+          </a:prstGeom>
+          <a:noFill/>
+        </p:spPr>
+        <p:txBody>
+          <a:bodyPr wrap="square" rtlCol="0">
+            <a:spAutoFit/>
+          </a:bodyPr>
+          <a:lstStyle/>
+          <a:p>
+            <a:pPr algn="ctr"/>
+            <a:r>
+              <a:rPr lang="en-US" sz="2000" b="1" smtClean="0"/>
+              <a:t>ModelManager</a:t>
+            </a:r>
+            <a:endParaRPr lang="en-US" sz="2000" b="1"/>
+          </a:p>
+        </p:txBody>
+      </p:sp>
+      <p:sp>
+        <p:nvSpPr>
+          <p:cNvPr id="26" name="Rounded Rectangle 25"/>
+          <p:cNvSpPr/>
+          <p:nvPr/>
+        </p:nvSpPr>
+        <p:spPr>
+          <a:xfrm>
+            <a:off x="3886200" y="4038600"/>
+            <a:ext cx="1905000" cy="914400"/>
+          </a:xfrm>
+          <a:prstGeom prst="roundRect">
+            <a:avLst>
+              <a:gd name="adj" fmla="val 3886"/>
+            </a:avLst>
+          </a:prstGeom>
+        </p:spPr>
+        <p:style>
+          <a:lnRef idx="1">
+            <a:schemeClr val="accent5"/>
+          </a:lnRef>
+          <a:fillRef idx="2">
+            <a:schemeClr val="accent5"/>
+          </a:fillRef>
+          <a:effectRef idx="1">
+            <a:schemeClr val="accent5"/>
+          </a:effectRef>
+          <a:fontRef idx="minor">
+            <a:schemeClr val="dk1"/>
+          </a:fontRef>
+        </p:style>
+        <p:txBody>
+          <a:bodyPr rtlCol="0" anchor="ctr"/>
+          <a:lstStyle/>
+          <a:p>
+            <a:pPr algn="ctr"/>
+            <a:r>
+              <a:rPr lang="en-US" sz="2000" b="1" smtClean="0"/>
+              <a:t>ModelPartition</a:t>
+            </a:r>
+            <a:endParaRPr lang="en-US" sz="2000" b="1"/>
+          </a:p>
+        </p:txBody>
+      </p:sp>
+      <p:sp>
+        <p:nvSpPr>
+          <p:cNvPr id="33" name="Rounded Rectangle 32"/>
+          <p:cNvSpPr/>
+          <p:nvPr/>
+        </p:nvSpPr>
+        <p:spPr>
+          <a:xfrm>
+            <a:off x="6477000" y="4191000"/>
+            <a:ext cx="1905000" cy="1219200"/>
+          </a:xfrm>
+          <a:prstGeom prst="roundRect">
+            <a:avLst>
+              <a:gd name="adj" fmla="val 3886"/>
+            </a:avLst>
+          </a:prstGeom>
+        </p:spPr>
+        <p:style>
+          <a:lnRef idx="1">
+            <a:schemeClr val="accent1"/>
+          </a:lnRef>
+          <a:fillRef idx="2">
+            <a:schemeClr val="accent1"/>
+          </a:fillRef>
+          <a:effectRef idx="1">
+            <a:schemeClr val="accent1"/>
+          </a:effectRef>
+          <a:fontRef idx="minor">
+            <a:schemeClr val="dk1"/>
+          </a:fontRef>
+        </p:style>
+        <p:txBody>
+          <a:bodyPr rtlCol="0" anchor="ctr"/>
+          <a:lstStyle/>
+          <a:p>
+            <a:pPr algn="ctr"/>
+            <a:r>
+              <a:rPr lang="en-US" sz="2000" b="1" smtClean="0"/>
+              <a:t>Effect</a:t>
+            </a:r>
+            <a:endParaRPr lang="en-US" sz="2000" b="1"/>
+          </a:p>
+        </p:txBody>
+      </p:sp>
+    </p:spTree>
+  </p:cSld>
+  <p:clrMapOvr>
+    <a:masterClrMapping/>
+  </p:clrMapOvr>
+</p:sld>
+</file>
+
+<file path=ppt/slides/slide11.xml><?xml version="1.0" encoding="utf-8"?>
+<p:sld xmlns:a="http://schemas.openxmlformats.org/drawingml/2006/main" xmlns:r="http://schemas.openxmlformats.org/officeDocument/2006/relationships" xmlns:p="http://schemas.openxmlformats.org/presentationml/2006/main">
+  <p:cSld>
+    <p:spTree>
+      <p:nvGrpSpPr>
+        <p:cNvPr id="1" name=""/>
+        <p:cNvGrpSpPr/>
+        <p:nvPr/>
+      </p:nvGrpSpPr>
+      <p:grpSpPr>
+        <a:xfrm>
+          <a:off x="0" y="0"/>
+          <a:ext cx="0" cy="0"/>
+          <a:chOff x="0" y="0"/>
+          <a:chExt cx="0" cy="0"/>
+        </a:xfrm>
+      </p:grpSpPr>
+      <p:sp>
+        <p:nvSpPr>
+          <p:cNvPr id="2" name="Title 1"/>
+          <p:cNvSpPr>
+            <a:spLocks noGrp="1"/>
+          </p:cNvSpPr>
+          <p:nvPr>
+            <p:ph type="title"/>
+          </p:nvPr>
+        </p:nvSpPr>
+        <p:spPr/>
+        <p:txBody>
+          <a:bodyPr/>
+          <a:lstStyle/>
+          <a:p>
+            <a:endParaRPr lang="en-US"/>
+          </a:p>
+        </p:txBody>
+      </p:sp>
+      <p:sp>
+        <p:nvSpPr>
+          <p:cNvPr id="3" name="Content Placeholder 2"/>
+          <p:cNvSpPr>
+            <a:spLocks noGrp="1"/>
+          </p:cNvSpPr>
+          <p:nvPr>
+            <p:ph idx="1"/>
+          </p:nvPr>
+        </p:nvSpPr>
+        <p:spPr/>
+        <p:txBody>
+          <a:bodyPr/>
+          <a:lstStyle/>
+          <a:p>
+            <a:endParaRPr lang="en-US"/>
+          </a:p>
+        </p:txBody>
+      </p:sp>
+      <p:sp>
+        <p:nvSpPr>
+          <p:cNvPr id="4" name="Rounded Rectangle 3"/>
+          <p:cNvSpPr/>
+          <p:nvPr/>
+        </p:nvSpPr>
+        <p:spPr>
+          <a:xfrm>
+            <a:off x="228600" y="1752600"/>
+            <a:ext cx="2514600" cy="1447800"/>
+          </a:xfrm>
+          <a:prstGeom prst="roundRect">
+            <a:avLst>
+              <a:gd name="adj" fmla="val 3886"/>
+            </a:avLst>
+          </a:prstGeom>
+        </p:spPr>
+        <p:style>
+          <a:lnRef idx="1">
+            <a:schemeClr val="accent6"/>
+          </a:lnRef>
+          <a:fillRef idx="2">
+            <a:schemeClr val="accent6"/>
+          </a:fillRef>
+          <a:effectRef idx="1">
+            <a:schemeClr val="accent6"/>
+          </a:effectRef>
+          <a:fontRef idx="minor">
+            <a:schemeClr val="dk1"/>
+          </a:fontRef>
+        </p:style>
+        <p:txBody>
+          <a:bodyPr rtlCol="0" anchor="ctr"/>
+          <a:lstStyle/>
+          <a:p>
+            <a:pPr algn="ctr"/>
+            <a:r>
+              <a:rPr lang="en-US" sz="2000" b="1" smtClean="0"/>
+              <a:t>Module tương tác </a:t>
+            </a:r>
+            <a:r>
+              <a:rPr lang="en-US" sz="2000" b="1" smtClean="0"/>
+              <a:t>với </a:t>
+            </a:r>
+            <a:r>
+              <a:rPr lang="en-US" sz="2000" b="1" smtClean="0"/>
+              <a:t>kinect</a:t>
+            </a:r>
+            <a:endParaRPr lang="en-US" sz="2000" b="1" smtClean="0"/>
+          </a:p>
+        </p:txBody>
+      </p:sp>
+      <p:sp>
+        <p:nvSpPr>
+          <p:cNvPr id="5" name="Oval 4"/>
+          <p:cNvSpPr/>
+          <p:nvPr/>
+        </p:nvSpPr>
+        <p:spPr>
+          <a:xfrm>
+            <a:off x="76200" y="1524000"/>
+            <a:ext cx="533400" cy="533400"/>
+          </a:xfrm>
+          <a:prstGeom prst="ellipse">
+            <a:avLst/>
+          </a:prstGeom>
+        </p:spPr>
+        <p:style>
+          <a:lnRef idx="1">
+            <a:schemeClr val="accent6"/>
+          </a:lnRef>
+          <a:fillRef idx="3">
+            <a:schemeClr val="accent6"/>
+          </a:fillRef>
+          <a:effectRef idx="2">
+            <a:schemeClr val="accent6"/>
+          </a:effectRef>
+          <a:fontRef idx="minor">
+            <a:schemeClr val="lt1"/>
+          </a:fontRef>
+        </p:style>
+        <p:txBody>
+          <a:bodyPr rtlCol="0" anchor="ctr"/>
+          <a:lstStyle/>
+          <a:p>
+            <a:pPr algn="ctr"/>
+            <a:r>
+              <a:rPr lang="en-US" sz="2800" b="1" smtClean="0"/>
+              <a:t>1</a:t>
+            </a:r>
+            <a:endParaRPr lang="en-US" sz="2800" b="1"/>
+          </a:p>
+        </p:txBody>
+      </p:sp>
+      <p:sp>
+        <p:nvSpPr>
+          <p:cNvPr id="7" name="Rounded Rectangle 6"/>
+          <p:cNvSpPr/>
+          <p:nvPr/>
+        </p:nvSpPr>
+        <p:spPr>
+          <a:xfrm>
+            <a:off x="3276600" y="1752600"/>
+            <a:ext cx="2514600" cy="1447800"/>
+          </a:xfrm>
+          <a:prstGeom prst="roundRect">
+            <a:avLst>
+              <a:gd name="adj" fmla="val 3886"/>
+            </a:avLst>
+          </a:prstGeom>
+        </p:spPr>
+        <p:style>
+          <a:lnRef idx="1">
+            <a:schemeClr val="accent6"/>
+          </a:lnRef>
+          <a:fillRef idx="2">
+            <a:schemeClr val="accent6"/>
+          </a:fillRef>
+          <a:effectRef idx="1">
+            <a:schemeClr val="accent6"/>
+          </a:effectRef>
+          <a:fontRef idx="minor">
+            <a:schemeClr val="dk1"/>
+          </a:fontRef>
+        </p:style>
+        <p:txBody>
+          <a:bodyPr rtlCol="0" anchor="ctr"/>
+          <a:lstStyle/>
+          <a:p>
+            <a:pPr algn="ctr"/>
+            <a:r>
+              <a:rPr lang="en-US" sz="2000" b="1" smtClean="0"/>
+              <a:t>Module xử </a:t>
+            </a:r>
+            <a:r>
+              <a:rPr lang="en-US" sz="2000" b="1" smtClean="0"/>
+              <a:t>lý dữ liệu đám mây</a:t>
+            </a:r>
+            <a:endParaRPr lang="en-US" sz="2000" b="1"/>
+          </a:p>
+        </p:txBody>
+      </p:sp>
+      <p:sp>
+        <p:nvSpPr>
+          <p:cNvPr id="8" name="Oval 7"/>
+          <p:cNvSpPr/>
+          <p:nvPr/>
+        </p:nvSpPr>
+        <p:spPr>
+          <a:xfrm>
+            <a:off x="3124200" y="1524000"/>
+            <a:ext cx="533400" cy="533400"/>
+          </a:xfrm>
+          <a:prstGeom prst="ellipse">
+            <a:avLst/>
+          </a:prstGeom>
+        </p:spPr>
+        <p:style>
+          <a:lnRef idx="1">
+            <a:schemeClr val="accent6"/>
+          </a:lnRef>
+          <a:fillRef idx="3">
+            <a:schemeClr val="accent6"/>
+          </a:fillRef>
+          <a:effectRef idx="2">
+            <a:schemeClr val="accent6"/>
+          </a:effectRef>
+          <a:fontRef idx="minor">
+            <a:schemeClr val="lt1"/>
+          </a:fontRef>
+        </p:style>
+        <p:txBody>
+          <a:bodyPr rtlCol="0" anchor="ctr"/>
+          <a:lstStyle/>
+          <a:p>
+            <a:pPr algn="ctr"/>
+            <a:r>
+              <a:rPr lang="en-US" sz="2800" b="1" smtClean="0"/>
+              <a:t>2</a:t>
+            </a:r>
+            <a:endParaRPr lang="en-US" sz="2800" b="1"/>
+          </a:p>
+        </p:txBody>
+      </p:sp>
+      <p:sp>
+        <p:nvSpPr>
+          <p:cNvPr id="9" name="Rounded Rectangle 8"/>
+          <p:cNvSpPr/>
+          <p:nvPr/>
+        </p:nvSpPr>
+        <p:spPr>
+          <a:xfrm>
+            <a:off x="6248400" y="1752600"/>
+            <a:ext cx="2514600" cy="1447800"/>
+          </a:xfrm>
+          <a:prstGeom prst="roundRect">
+            <a:avLst>
+              <a:gd name="adj" fmla="val 3886"/>
+            </a:avLst>
+          </a:prstGeom>
+        </p:spPr>
+        <p:style>
+          <a:lnRef idx="1">
+            <a:schemeClr val="accent6"/>
+          </a:lnRef>
+          <a:fillRef idx="2">
+            <a:schemeClr val="accent6"/>
+          </a:fillRef>
+          <a:effectRef idx="1">
+            <a:schemeClr val="accent6"/>
+          </a:effectRef>
+          <a:fontRef idx="minor">
+            <a:schemeClr val="dk1"/>
+          </a:fontRef>
+        </p:style>
+        <p:txBody>
+          <a:bodyPr rtlCol="0" anchor="ctr"/>
+          <a:lstStyle/>
+          <a:p>
+            <a:r>
+              <a:rPr lang="en-US" sz="2000" b="1" smtClean="0"/>
+              <a:t>Module ghép </a:t>
+            </a:r>
+            <a:r>
+              <a:rPr lang="en-US" sz="2000" b="1" smtClean="0"/>
+              <a:t>mây</a:t>
+            </a:r>
+            <a:endParaRPr lang="en-US" sz="2000" b="1"/>
+          </a:p>
+        </p:txBody>
+      </p:sp>
+      <p:sp>
+        <p:nvSpPr>
+          <p:cNvPr id="10" name="Oval 9"/>
+          <p:cNvSpPr/>
+          <p:nvPr/>
+        </p:nvSpPr>
+        <p:spPr>
+          <a:xfrm>
+            <a:off x="6096000" y="1524000"/>
+            <a:ext cx="533400" cy="533400"/>
+          </a:xfrm>
+          <a:prstGeom prst="ellipse">
+            <a:avLst/>
+          </a:prstGeom>
+        </p:spPr>
+        <p:style>
+          <a:lnRef idx="1">
+            <a:schemeClr val="accent6"/>
+          </a:lnRef>
+          <a:fillRef idx="3">
+            <a:schemeClr val="accent6"/>
+          </a:fillRef>
+          <a:effectRef idx="2">
+            <a:schemeClr val="accent6"/>
+          </a:effectRef>
+          <a:fontRef idx="minor">
+            <a:schemeClr val="lt1"/>
+          </a:fontRef>
+        </p:style>
+        <p:txBody>
+          <a:bodyPr rtlCol="0" anchor="ctr"/>
+          <a:lstStyle/>
+          <a:p>
+            <a:pPr algn="ctr"/>
+            <a:r>
+              <a:rPr lang="en-US" sz="2800" b="1" smtClean="0"/>
+              <a:t>3</a:t>
+            </a:r>
+            <a:endParaRPr lang="en-US" sz="2800" b="1"/>
+          </a:p>
+        </p:txBody>
+      </p:sp>
+      <p:pic>
+        <p:nvPicPr>
+          <p:cNvPr id="1026" name="Picture 2"/>
+          <p:cNvPicPr>
+            <a:picLocks noChangeAspect="1" noChangeArrowheads="1"/>
+          </p:cNvPicPr>
+          <p:nvPr/>
+        </p:nvPicPr>
+        <p:blipFill>
+          <a:blip r:embed="rId2" cstate="print">
+            <a:clrChange>
+              <a:clrFrom>
+                <a:srgbClr val="000000"/>
+              </a:clrFrom>
+              <a:clrTo>
+                <a:srgbClr val="000000">
+                  <a:alpha val="0"/>
+                </a:srgbClr>
+              </a:clrTo>
+            </a:clrChange>
+          </a:blip>
+          <a:srcRect/>
+          <a:stretch>
+            <a:fillRect/>
+          </a:stretch>
+        </p:blipFill>
+        <p:spPr bwMode="auto">
+          <a:xfrm>
+            <a:off x="3581400" y="3886200"/>
+            <a:ext cx="1676400" cy="1676400"/>
+          </a:xfrm>
+          <a:prstGeom prst="rect">
+            <a:avLst/>
+          </a:prstGeom>
+          <a:noFill/>
+          <a:ln w="9525">
+            <a:noFill/>
+            <a:miter lim="800000"/>
+            <a:headEnd/>
+            <a:tailEnd/>
+          </a:ln>
+        </p:spPr>
+      </p:pic>
+      <p:sp>
+        <p:nvSpPr>
+          <p:cNvPr id="12" name="Left-Right Arrow 11"/>
+          <p:cNvSpPr/>
+          <p:nvPr/>
+        </p:nvSpPr>
+        <p:spPr>
+          <a:xfrm>
+            <a:off x="2438400" y="2590800"/>
+            <a:ext cx="1066800" cy="304800"/>
+          </a:xfrm>
+          <a:prstGeom prst="leftRightArrow">
+            <a:avLst/>
+          </a:prstGeom>
+        </p:spPr>
+        <p:style>
+          <a:lnRef idx="0">
+            <a:schemeClr val="accent1"/>
+          </a:lnRef>
+          <a:fillRef idx="3">
+            <a:schemeClr val="accent1"/>
+          </a:fillRef>
+          <a:effectRef idx="3">
+            <a:schemeClr val="accent1"/>
+          </a:effectRef>
+          <a:fontRef idx="minor">
+            <a:schemeClr val="lt1"/>
+          </a:fontRef>
+        </p:style>
+        <p:txBody>
+          <a:bodyPr rtlCol="0" anchor="ctr"/>
+          <a:lstStyle/>
+          <a:p>
+            <a:pPr algn="ctr"/>
+            <a:endParaRPr lang="en-US"/>
+          </a:p>
+        </p:txBody>
+      </p:sp>
+      <p:sp>
+        <p:nvSpPr>
+          <p:cNvPr id="13" name="Left-Right Arrow 12"/>
+          <p:cNvSpPr/>
+          <p:nvPr/>
+        </p:nvSpPr>
+        <p:spPr>
+          <a:xfrm>
+            <a:off x="5562600" y="2590800"/>
+            <a:ext cx="1066800" cy="304800"/>
+          </a:xfrm>
+          <a:prstGeom prst="leftRightArrow">
+            <a:avLst/>
+          </a:prstGeom>
+        </p:spPr>
+        <p:style>
+          <a:lnRef idx="0">
+            <a:schemeClr val="accent1"/>
+          </a:lnRef>
+          <a:fillRef idx="3">
+            <a:schemeClr val="accent1"/>
+          </a:fillRef>
+          <a:effectRef idx="3">
+            <a:schemeClr val="accent1"/>
+          </a:effectRef>
+          <a:fontRef idx="minor">
+            <a:schemeClr val="lt1"/>
+          </a:fontRef>
+        </p:style>
+        <p:txBody>
+          <a:bodyPr rtlCol="0" anchor="ctr"/>
+          <a:lstStyle/>
+          <a:p>
+            <a:pPr algn="ctr"/>
+            <a:endParaRPr lang="en-US"/>
+          </a:p>
+        </p:txBody>
+      </p:sp>
+      <p:sp>
+        <p:nvSpPr>
+          <p:cNvPr id="14" name="Left-Right Arrow 13"/>
+          <p:cNvSpPr/>
+          <p:nvPr/>
+        </p:nvSpPr>
+        <p:spPr>
+          <a:xfrm rot="5400000">
+            <a:off x="3886200" y="3429000"/>
+            <a:ext cx="1066800" cy="304800"/>
+          </a:xfrm>
+          <a:prstGeom prst="leftRightArrow">
+            <a:avLst/>
+          </a:prstGeom>
+        </p:spPr>
+        <p:style>
+          <a:lnRef idx="0">
+            <a:schemeClr val="accent1"/>
+          </a:lnRef>
+          <a:fillRef idx="3">
+            <a:schemeClr val="accent1"/>
+          </a:fillRef>
+          <a:effectRef idx="3">
+            <a:schemeClr val="accent1"/>
+          </a:effectRef>
+          <a:fontRef idx="minor">
+            <a:schemeClr val="lt1"/>
+          </a:fontRef>
+        </p:style>
+        <p:txBody>
+          <a:bodyPr rtlCol="0" anchor="ctr"/>
+          <a:lstStyle/>
+          <a:p>
+            <a:pPr algn="ctr"/>
+            <a:endParaRPr lang="en-US"/>
+          </a:p>
+        </p:txBody>
+      </p:sp>
+    </p:spTree>
+  </p:cSld>
+  <p:clrMapOvr>
+    <a:masterClrMapping/>
+  </p:clrMapOvr>
+</p:sld>
+</file>
+
+<file path=ppt/slides/slide12.xml><?xml version="1.0" encoding="utf-8"?>
+<p:sld xmlns:a="http://schemas.openxmlformats.org/drawingml/2006/main" xmlns:r="http://schemas.openxmlformats.org/officeDocument/2006/relationships" xmlns:p="http://schemas.openxmlformats.org/presentationml/2006/main">
+  <p:cSld>
+    <p:spTree>
+      <p:nvGrpSpPr>
+        <p:cNvPr id="1" name=""/>
+        <p:cNvGrpSpPr/>
+        <p:nvPr/>
+      </p:nvGrpSpPr>
+      <p:grpSpPr>
+        <a:xfrm>
+          <a:off x="0" y="0"/>
+          <a:ext cx="0" cy="0"/>
+          <a:chOff x="0" y="0"/>
+          <a:chExt cx="0" cy="0"/>
+        </a:xfrm>
+      </p:grpSpPr>
+      <p:sp>
+        <p:nvSpPr>
+          <p:cNvPr id="9" name="Rounded Rectangle 8"/>
+          <p:cNvSpPr/>
+          <p:nvPr/>
+        </p:nvSpPr>
+        <p:spPr>
+          <a:xfrm>
+            <a:off x="228600" y="1752600"/>
+            <a:ext cx="6400800" cy="3733800"/>
+          </a:xfrm>
+          <a:prstGeom prst="roundRect">
+            <a:avLst>
+              <a:gd name="adj" fmla="val 3886"/>
+            </a:avLst>
+          </a:prstGeom>
+        </p:spPr>
+        <p:style>
+          <a:lnRef idx="1">
+            <a:schemeClr val="accent6"/>
+          </a:lnRef>
+          <a:fillRef idx="2">
+            <a:schemeClr val="accent6"/>
+          </a:fillRef>
+          <a:effectRef idx="1">
+            <a:schemeClr val="accent6"/>
+          </a:effectRef>
+          <a:fontRef idx="minor">
+            <a:schemeClr val="dk1"/>
+          </a:fontRef>
+        </p:style>
+        <p:txBody>
+          <a:bodyPr rtlCol="0" anchor="ctr"/>
+          <a:lstStyle/>
+          <a:p>
+            <a:pPr algn="ctr"/>
+            <a:endParaRPr lang="en-US" sz="2000" b="1"/>
+          </a:p>
+        </p:txBody>
+      </p:sp>
+      <p:sp>
+        <p:nvSpPr>
+          <p:cNvPr id="24" name="Rounded Rectangle 23"/>
+          <p:cNvSpPr/>
+          <p:nvPr/>
+        </p:nvSpPr>
+        <p:spPr>
+          <a:xfrm>
+            <a:off x="3886200" y="2438400"/>
+            <a:ext cx="2514600" cy="2819400"/>
+          </a:xfrm>
+          <a:prstGeom prst="roundRect">
+            <a:avLst>
+              <a:gd name="adj" fmla="val 3886"/>
+            </a:avLst>
+          </a:prstGeom>
+        </p:spPr>
+        <p:style>
+          <a:lnRef idx="1">
+            <a:schemeClr val="accent5"/>
+          </a:lnRef>
+          <a:fillRef idx="2">
+            <a:schemeClr val="accent5"/>
+          </a:fillRef>
+          <a:effectRef idx="1">
+            <a:schemeClr val="accent5"/>
+          </a:effectRef>
+          <a:fontRef idx="minor">
+            <a:schemeClr val="dk1"/>
+          </a:fontRef>
+        </p:style>
+        <p:txBody>
+          <a:bodyPr rtlCol="0" anchor="ctr"/>
+          <a:lstStyle/>
+          <a:p>
+            <a:pPr algn="ctr"/>
+            <a:endParaRPr lang="en-US" sz="2000" b="1"/>
+          </a:p>
+        </p:txBody>
+      </p:sp>
+      <p:sp>
+        <p:nvSpPr>
+          <p:cNvPr id="25" name="TextBox 24"/>
+          <p:cNvSpPr txBox="1"/>
+          <p:nvPr/>
+        </p:nvSpPr>
+        <p:spPr>
+          <a:xfrm>
+            <a:off x="4114800" y="2667000"/>
+            <a:ext cx="2057400" cy="400110"/>
+          </a:xfrm>
+          <a:prstGeom prst="rect">
+            <a:avLst/>
+          </a:prstGeom>
+          <a:noFill/>
+        </p:spPr>
+        <p:txBody>
+          <a:bodyPr wrap="square" rtlCol="0">
+            <a:spAutoFit/>
+          </a:bodyPr>
+          <a:lstStyle/>
+          <a:p>
+            <a:pPr algn="ctr"/>
+            <a:r>
+              <a:rPr lang="en-US" sz="2000" b="1" smtClean="0"/>
+              <a:t>Frame</a:t>
+            </a:r>
+            <a:r>
+              <a:rPr lang="en-US" sz="2000" b="1" smtClean="0"/>
+              <a:t>Consumer</a:t>
+            </a:r>
+            <a:endParaRPr lang="en-US" sz="2000" b="1"/>
+          </a:p>
+        </p:txBody>
+      </p:sp>
+      <p:sp>
+        <p:nvSpPr>
+          <p:cNvPr id="2" name="Title 1"/>
+          <p:cNvSpPr>
+            <a:spLocks noGrp="1"/>
+          </p:cNvSpPr>
+          <p:nvPr>
+            <p:ph type="title"/>
+          </p:nvPr>
+        </p:nvSpPr>
+        <p:spPr/>
+        <p:txBody>
+          <a:bodyPr/>
+          <a:lstStyle/>
+          <a:p>
+            <a:endParaRPr lang="en-US"/>
+          </a:p>
+        </p:txBody>
+      </p:sp>
+      <p:sp>
+        <p:nvSpPr>
+          <p:cNvPr id="5" name="Rounded Rectangle 4"/>
+          <p:cNvSpPr/>
+          <p:nvPr/>
+        </p:nvSpPr>
+        <p:spPr>
+          <a:xfrm>
+            <a:off x="457200" y="2438400"/>
+            <a:ext cx="2514600" cy="2819400"/>
+          </a:xfrm>
+          <a:prstGeom prst="roundRect">
+            <a:avLst>
+              <a:gd name="adj" fmla="val 3886"/>
+            </a:avLst>
+          </a:prstGeom>
+        </p:spPr>
+        <p:style>
+          <a:lnRef idx="1">
+            <a:schemeClr val="accent5"/>
+          </a:lnRef>
+          <a:fillRef idx="2">
+            <a:schemeClr val="accent5"/>
+          </a:fillRef>
+          <a:effectRef idx="1">
+            <a:schemeClr val="accent5"/>
+          </a:effectRef>
+          <a:fontRef idx="minor">
+            <a:schemeClr val="dk1"/>
+          </a:fontRef>
+        </p:style>
+        <p:txBody>
+          <a:bodyPr rtlCol="0" anchor="ctr"/>
+          <a:lstStyle/>
+          <a:p>
+            <a:pPr algn="ctr"/>
+            <a:endParaRPr lang="en-US" sz="2000" b="1"/>
+          </a:p>
+        </p:txBody>
+      </p:sp>
+      <p:sp>
+        <p:nvSpPr>
+          <p:cNvPr id="6" name="Rounded Rectangle 5"/>
+          <p:cNvSpPr/>
+          <p:nvPr/>
+        </p:nvSpPr>
+        <p:spPr>
+          <a:xfrm>
+            <a:off x="1143000" y="3124200"/>
+            <a:ext cx="4572000" cy="1219200"/>
+          </a:xfrm>
+          <a:prstGeom prst="roundRect">
+            <a:avLst>
+              <a:gd name="adj" fmla="val 3886"/>
+            </a:avLst>
+          </a:prstGeom>
+        </p:spPr>
+        <p:style>
+          <a:lnRef idx="1">
+            <a:schemeClr val="accent1"/>
+          </a:lnRef>
+          <a:fillRef idx="2">
+            <a:schemeClr val="accent1"/>
+          </a:fillRef>
+          <a:effectRef idx="1">
+            <a:schemeClr val="accent1"/>
+          </a:effectRef>
+          <a:fontRef idx="minor">
+            <a:schemeClr val="dk1"/>
+          </a:fontRef>
+        </p:style>
+        <p:txBody>
+          <a:bodyPr rtlCol="0" anchor="ctr"/>
+          <a:lstStyle/>
+          <a:p>
+            <a:pPr algn="ctr"/>
+            <a:endParaRPr lang="en-US" sz="2000" b="1"/>
+          </a:p>
+        </p:txBody>
+      </p:sp>
+      <p:sp>
+        <p:nvSpPr>
+          <p:cNvPr id="16" name="TextBox 15"/>
+          <p:cNvSpPr txBox="1"/>
+          <p:nvPr/>
+        </p:nvSpPr>
+        <p:spPr>
+          <a:xfrm>
+            <a:off x="762000" y="2667000"/>
+            <a:ext cx="1905000" cy="400110"/>
+          </a:xfrm>
+          <a:prstGeom prst="rect">
+            <a:avLst/>
+          </a:prstGeom>
+          <a:noFill/>
+        </p:spPr>
+        <p:txBody>
+          <a:bodyPr wrap="square" rtlCol="0">
+            <a:spAutoFit/>
+          </a:bodyPr>
+          <a:lstStyle/>
+          <a:p>
+            <a:pPr algn="ctr"/>
+            <a:r>
+              <a:rPr lang="en-US" sz="2000" b="1" smtClean="0"/>
+              <a:t>Frame</a:t>
+            </a:r>
+            <a:r>
+              <a:rPr lang="en-US" sz="2000" b="1" smtClean="0"/>
+              <a:t>Producer</a:t>
+            </a:r>
+            <a:endParaRPr lang="en-US" sz="2000" b="1"/>
+          </a:p>
+        </p:txBody>
+      </p:sp>
+      <p:sp>
+        <p:nvSpPr>
+          <p:cNvPr id="26" name="TextBox 25"/>
+          <p:cNvSpPr txBox="1"/>
+          <p:nvPr/>
+        </p:nvSpPr>
+        <p:spPr>
+          <a:xfrm>
+            <a:off x="2362200" y="3200400"/>
+            <a:ext cx="2438400" cy="400110"/>
+          </a:xfrm>
+          <a:prstGeom prst="rect">
+            <a:avLst/>
+          </a:prstGeom>
+          <a:noFill/>
+        </p:spPr>
+        <p:txBody>
+          <a:bodyPr wrap="square" rtlCol="0">
+            <a:spAutoFit/>
+          </a:bodyPr>
+          <a:lstStyle/>
+          <a:p>
+            <a:pPr algn="ctr"/>
+            <a:r>
+              <a:rPr lang="en-US" sz="2000" b="1" smtClean="0"/>
+              <a:t>SynchronisedQueue</a:t>
+            </a:r>
+            <a:endParaRPr lang="en-US" sz="2000" b="1"/>
+          </a:p>
+        </p:txBody>
+      </p:sp>
+      <p:sp>
+        <p:nvSpPr>
+          <p:cNvPr id="27" name="Rounded Rectangle 26"/>
+          <p:cNvSpPr/>
+          <p:nvPr/>
+        </p:nvSpPr>
+        <p:spPr>
+          <a:xfrm>
+            <a:off x="1295400" y="3657600"/>
+            <a:ext cx="533400" cy="533400"/>
+          </a:xfrm>
+          <a:prstGeom prst="roundRect">
+            <a:avLst/>
+          </a:prstGeom>
+        </p:spPr>
+        <p:style>
+          <a:lnRef idx="1">
+            <a:schemeClr val="accent3"/>
+          </a:lnRef>
+          <a:fillRef idx="2">
+            <a:schemeClr val="accent3"/>
+          </a:fillRef>
+          <a:effectRef idx="1">
+            <a:schemeClr val="accent3"/>
+          </a:effectRef>
+          <a:fontRef idx="minor">
+            <a:schemeClr val="dk1"/>
+          </a:fontRef>
+        </p:style>
+        <p:txBody>
+          <a:bodyPr rtlCol="0" anchor="ctr"/>
+          <a:lstStyle/>
+          <a:p>
+            <a:pPr algn="ctr"/>
+            <a:endParaRPr lang="en-US"/>
+          </a:p>
+        </p:txBody>
+      </p:sp>
+      <p:sp>
+        <p:nvSpPr>
+          <p:cNvPr id="29" name="Rounded Rectangle 28"/>
+          <p:cNvSpPr/>
+          <p:nvPr/>
+        </p:nvSpPr>
+        <p:spPr>
+          <a:xfrm>
+            <a:off x="1828800" y="3657600"/>
+            <a:ext cx="533400" cy="533400"/>
+          </a:xfrm>
+          <a:prstGeom prst="roundRect">
+            <a:avLst/>
+          </a:prstGeom>
+        </p:spPr>
+        <p:style>
+          <a:lnRef idx="1">
+            <a:schemeClr val="accent3"/>
+          </a:lnRef>
+          <a:fillRef idx="2">
+            <a:schemeClr val="accent3"/>
+          </a:fillRef>
+          <a:effectRef idx="1">
+            <a:schemeClr val="accent3"/>
+          </a:effectRef>
+          <a:fontRef idx="minor">
+            <a:schemeClr val="dk1"/>
+          </a:fontRef>
+        </p:style>
+        <p:txBody>
+          <a:bodyPr rtlCol="0" anchor="ctr"/>
+          <a:lstStyle/>
+          <a:p>
+            <a:pPr algn="ctr"/>
+            <a:endParaRPr lang="en-US"/>
+          </a:p>
+        </p:txBody>
+      </p:sp>
+      <p:sp>
+        <p:nvSpPr>
+          <p:cNvPr id="30" name="Rounded Rectangle 29"/>
+          <p:cNvSpPr/>
+          <p:nvPr/>
+        </p:nvSpPr>
+        <p:spPr>
+          <a:xfrm>
+            <a:off x="2362200" y="3657600"/>
+            <a:ext cx="533400" cy="533400"/>
+          </a:xfrm>
+          <a:prstGeom prst="roundRect">
+            <a:avLst/>
+          </a:prstGeom>
+        </p:spPr>
+        <p:style>
+          <a:lnRef idx="1">
+            <a:schemeClr val="accent3"/>
+          </a:lnRef>
+          <a:fillRef idx="2">
+            <a:schemeClr val="accent3"/>
+          </a:fillRef>
+          <a:effectRef idx="1">
+            <a:schemeClr val="accent3"/>
+          </a:effectRef>
+          <a:fontRef idx="minor">
+            <a:schemeClr val="dk1"/>
+          </a:fontRef>
+        </p:style>
+        <p:txBody>
+          <a:bodyPr rtlCol="0" anchor="ctr"/>
+          <a:lstStyle/>
+          <a:p>
+            <a:pPr algn="ctr"/>
+            <a:endParaRPr lang="en-US"/>
+          </a:p>
+        </p:txBody>
+      </p:sp>
+      <p:sp>
+        <p:nvSpPr>
+          <p:cNvPr id="31" name="Rounded Rectangle 30"/>
+          <p:cNvSpPr/>
+          <p:nvPr/>
+        </p:nvSpPr>
+        <p:spPr>
+          <a:xfrm>
+            <a:off x="2895600" y="3657600"/>
+            <a:ext cx="533400" cy="533400"/>
+          </a:xfrm>
+          <a:prstGeom prst="roundRect">
+            <a:avLst/>
+          </a:prstGeom>
+        </p:spPr>
+        <p:style>
+          <a:lnRef idx="1">
+            <a:schemeClr val="accent3"/>
+          </a:lnRef>
+          <a:fillRef idx="2">
+            <a:schemeClr val="accent3"/>
+          </a:fillRef>
+          <a:effectRef idx="1">
+            <a:schemeClr val="accent3"/>
+          </a:effectRef>
+          <a:fontRef idx="minor">
+            <a:schemeClr val="dk1"/>
+          </a:fontRef>
+        </p:style>
+        <p:txBody>
+          <a:bodyPr rtlCol="0" anchor="ctr"/>
+          <a:lstStyle/>
+          <a:p>
+            <a:pPr algn="ctr"/>
+            <a:endParaRPr lang="en-US"/>
+          </a:p>
+        </p:txBody>
+      </p:sp>
+      <p:sp>
+        <p:nvSpPr>
+          <p:cNvPr id="34" name="Rounded Rectangle 33"/>
+          <p:cNvSpPr/>
+          <p:nvPr/>
+        </p:nvSpPr>
+        <p:spPr>
+          <a:xfrm>
+            <a:off x="3429000" y="3657600"/>
+            <a:ext cx="533400" cy="533400"/>
+          </a:xfrm>
+          <a:prstGeom prst="roundRect">
+            <a:avLst/>
+          </a:prstGeom>
+        </p:spPr>
+        <p:style>
+          <a:lnRef idx="1">
+            <a:schemeClr val="accent3"/>
+          </a:lnRef>
+          <a:fillRef idx="2">
+            <a:schemeClr val="accent3"/>
+          </a:fillRef>
+          <a:effectRef idx="1">
+            <a:schemeClr val="accent3"/>
+          </a:effectRef>
+          <a:fontRef idx="minor">
+            <a:schemeClr val="dk1"/>
+          </a:fontRef>
+        </p:style>
+        <p:txBody>
+          <a:bodyPr rtlCol="0" anchor="ctr"/>
+          <a:lstStyle/>
+          <a:p>
+            <a:pPr algn="ctr"/>
+            <a:endParaRPr lang="en-US"/>
+          </a:p>
+        </p:txBody>
+      </p:sp>
+      <p:sp>
+        <p:nvSpPr>
+          <p:cNvPr id="35" name="Rounded Rectangle 34"/>
+          <p:cNvSpPr/>
+          <p:nvPr/>
+        </p:nvSpPr>
+        <p:spPr>
+          <a:xfrm>
+            <a:off x="3962400" y="3657600"/>
+            <a:ext cx="533400" cy="533400"/>
+          </a:xfrm>
+          <a:prstGeom prst="roundRect">
+            <a:avLst/>
+          </a:prstGeom>
+        </p:spPr>
+        <p:style>
+          <a:lnRef idx="1">
+            <a:schemeClr val="accent3"/>
+          </a:lnRef>
+          <a:fillRef idx="2">
+            <a:schemeClr val="accent3"/>
+          </a:fillRef>
+          <a:effectRef idx="1">
+            <a:schemeClr val="accent3"/>
+          </a:effectRef>
+          <a:fontRef idx="minor">
+            <a:schemeClr val="dk1"/>
+          </a:fontRef>
+        </p:style>
+        <p:txBody>
+          <a:bodyPr rtlCol="0" anchor="ctr"/>
+          <a:lstStyle/>
+          <a:p>
+            <a:pPr algn="ctr"/>
+            <a:endParaRPr lang="en-US"/>
+          </a:p>
+        </p:txBody>
+      </p:sp>
+      <p:sp>
+        <p:nvSpPr>
+          <p:cNvPr id="36" name="Rounded Rectangle 35"/>
+          <p:cNvSpPr/>
+          <p:nvPr/>
+        </p:nvSpPr>
+        <p:spPr>
+          <a:xfrm>
+            <a:off x="4495800" y="3657600"/>
+            <a:ext cx="533400" cy="533400"/>
+          </a:xfrm>
+          <a:prstGeom prst="roundRect">
+            <a:avLst/>
+          </a:prstGeom>
+        </p:spPr>
+        <p:style>
+          <a:lnRef idx="1">
+            <a:schemeClr val="accent3"/>
+          </a:lnRef>
+          <a:fillRef idx="2">
+            <a:schemeClr val="accent3"/>
+          </a:fillRef>
+          <a:effectRef idx="1">
+            <a:schemeClr val="accent3"/>
+          </a:effectRef>
+          <a:fontRef idx="minor">
+            <a:schemeClr val="dk1"/>
+          </a:fontRef>
+        </p:style>
+        <p:txBody>
+          <a:bodyPr rtlCol="0" anchor="ctr"/>
+          <a:lstStyle/>
+          <a:p>
+            <a:pPr algn="ctr"/>
+            <a:endParaRPr lang="en-US"/>
+          </a:p>
+        </p:txBody>
+      </p:sp>
+      <p:sp>
+        <p:nvSpPr>
+          <p:cNvPr id="37" name="Rounded Rectangle 36"/>
+          <p:cNvSpPr/>
+          <p:nvPr/>
+        </p:nvSpPr>
+        <p:spPr>
+          <a:xfrm>
+            <a:off x="5029200" y="3657600"/>
+            <a:ext cx="533400" cy="533400"/>
+          </a:xfrm>
+          <a:prstGeom prst="roundRect">
+            <a:avLst/>
+          </a:prstGeom>
+        </p:spPr>
+        <p:style>
+          <a:lnRef idx="1">
+            <a:schemeClr val="accent3"/>
+          </a:lnRef>
+          <a:fillRef idx="2">
+            <a:schemeClr val="accent3"/>
+          </a:fillRef>
+          <a:effectRef idx="1">
+            <a:schemeClr val="accent3"/>
+          </a:effectRef>
+          <a:fontRef idx="minor">
+            <a:schemeClr val="dk1"/>
+          </a:fontRef>
+        </p:style>
+        <p:txBody>
+          <a:bodyPr rtlCol="0" anchor="ctr"/>
+          <a:lstStyle/>
+          <a:p>
+            <a:pPr algn="ctr"/>
+            <a:endParaRPr lang="en-US"/>
+          </a:p>
+        </p:txBody>
+      </p:sp>
+      <p:sp>
+        <p:nvSpPr>
+          <p:cNvPr id="38" name="Rounded Rectangle 37"/>
+          <p:cNvSpPr/>
+          <p:nvPr/>
+        </p:nvSpPr>
+        <p:spPr>
+          <a:xfrm>
+            <a:off x="1143000" y="4343400"/>
+            <a:ext cx="4572000" cy="685800"/>
+          </a:xfrm>
+          <a:prstGeom prst="roundRect">
+            <a:avLst>
+              <a:gd name="adj" fmla="val 3886"/>
+            </a:avLst>
+          </a:prstGeom>
+        </p:spPr>
+        <p:style>
+          <a:lnRef idx="1">
+            <a:schemeClr val="accent1"/>
+          </a:lnRef>
+          <a:fillRef idx="2">
+            <a:schemeClr val="accent1"/>
+          </a:fillRef>
+          <a:effectRef idx="1">
+            <a:schemeClr val="accent1"/>
+          </a:effectRef>
+          <a:fontRef idx="minor">
+            <a:schemeClr val="dk1"/>
+          </a:fontRef>
+        </p:style>
+        <p:txBody>
+          <a:bodyPr rtlCol="0" anchor="ctr"/>
+          <a:lstStyle/>
+          <a:p>
+            <a:pPr algn="ctr"/>
+            <a:r>
+              <a:rPr lang="en-US" sz="2000" b="1" smtClean="0"/>
+              <a:t>Boost::thread</a:t>
+            </a:r>
+            <a:endParaRPr lang="en-US" sz="2000" b="1"/>
+          </a:p>
+        </p:txBody>
+      </p:sp>
+      <p:sp>
+        <p:nvSpPr>
+          <p:cNvPr id="39" name="TextBox 38"/>
+          <p:cNvSpPr txBox="1"/>
+          <p:nvPr/>
+        </p:nvSpPr>
+        <p:spPr>
+          <a:xfrm>
+            <a:off x="1524000" y="1905000"/>
+            <a:ext cx="3810000" cy="400110"/>
+          </a:xfrm>
+          <a:prstGeom prst="rect">
+            <a:avLst/>
+          </a:prstGeom>
+          <a:noFill/>
+        </p:spPr>
+        <p:txBody>
+          <a:bodyPr wrap="square" rtlCol="0">
+            <a:spAutoFit/>
+          </a:bodyPr>
+          <a:lstStyle/>
+          <a:p>
+            <a:pPr algn="ctr"/>
+            <a:r>
+              <a:rPr lang="en-US" sz="2000" b="1" smtClean="0"/>
+              <a:t>RecontructorController</a:t>
+            </a:r>
+            <a:endParaRPr lang="en-US" sz="2000" b="1"/>
+          </a:p>
+        </p:txBody>
+      </p:sp>
+      <p:sp>
+        <p:nvSpPr>
+          <p:cNvPr id="41" name="Oval 40"/>
+          <p:cNvSpPr/>
+          <p:nvPr/>
+        </p:nvSpPr>
+        <p:spPr>
+          <a:xfrm>
+            <a:off x="0" y="1371600"/>
+            <a:ext cx="914400" cy="914400"/>
+          </a:xfrm>
+          <a:prstGeom prst="ellipse">
+            <a:avLst/>
+          </a:prstGeom>
+        </p:spPr>
+        <p:style>
+          <a:lnRef idx="1">
+            <a:schemeClr val="accent6"/>
+          </a:lnRef>
+          <a:fillRef idx="3">
+            <a:schemeClr val="accent6"/>
+          </a:fillRef>
+          <a:effectRef idx="2">
+            <a:schemeClr val="accent6"/>
+          </a:effectRef>
+          <a:fontRef idx="minor">
+            <a:schemeClr val="lt1"/>
+          </a:fontRef>
+        </p:style>
+        <p:txBody>
+          <a:bodyPr rtlCol="0" anchor="ctr"/>
+          <a:lstStyle/>
+          <a:p>
+            <a:pPr algn="ctr"/>
+            <a:r>
+              <a:rPr lang="en-US" sz="2800" b="1" smtClean="0"/>
+              <a:t>1</a:t>
+            </a:r>
+            <a:endParaRPr lang="en-US" sz="2800" b="1"/>
+          </a:p>
+        </p:txBody>
+      </p:sp>
+    </p:spTree>
+  </p:cSld>
+  <p:clrMapOvr>
+    <a:masterClrMapping/>
+  </p:clrMapOvr>
+</p:sld>
+</file>
+
+<file path=ppt/slides/slide13.xml><?xml version="1.0" encoding="utf-8"?>
+<p:sld xmlns:a="http://schemas.openxmlformats.org/drawingml/2006/main" xmlns:r="http://schemas.openxmlformats.org/officeDocument/2006/relationships" xmlns:p="http://schemas.openxmlformats.org/presentationml/2006/main">
+  <p:cSld>
+    <p:spTree>
+      <p:nvGrpSpPr>
+        <p:cNvPr id="1" name=""/>
+        <p:cNvGrpSpPr/>
+        <p:nvPr/>
+      </p:nvGrpSpPr>
+      <p:grpSpPr>
+        <a:xfrm>
+          <a:off x="0" y="0"/>
+          <a:ext cx="0" cy="0"/>
+          <a:chOff x="0" y="0"/>
+          <a:chExt cx="0" cy="0"/>
+        </a:xfrm>
+      </p:grpSpPr>
+      <p:sp>
+        <p:nvSpPr>
+          <p:cNvPr id="9" name="Rounded Rectangle 8"/>
+          <p:cNvSpPr/>
+          <p:nvPr/>
+        </p:nvSpPr>
+        <p:spPr>
+          <a:xfrm>
+            <a:off x="228600" y="1752600"/>
+            <a:ext cx="6172200" cy="3733800"/>
+          </a:xfrm>
+          <a:prstGeom prst="roundRect">
+            <a:avLst>
+              <a:gd name="adj" fmla="val 3886"/>
+            </a:avLst>
+          </a:prstGeom>
+        </p:spPr>
+        <p:style>
+          <a:lnRef idx="1">
+            <a:schemeClr val="accent6"/>
+          </a:lnRef>
+          <a:fillRef idx="2">
+            <a:schemeClr val="accent6"/>
+          </a:fillRef>
+          <a:effectRef idx="1">
+            <a:schemeClr val="accent6"/>
+          </a:effectRef>
+          <a:fontRef idx="minor">
+            <a:schemeClr val="dk1"/>
+          </a:fontRef>
+        </p:style>
+        <p:txBody>
+          <a:bodyPr rtlCol="0" anchor="ctr"/>
+          <a:lstStyle/>
+          <a:p>
+            <a:pPr algn="ctr"/>
+            <a:endParaRPr lang="en-US" sz="2000" b="1"/>
+          </a:p>
+        </p:txBody>
+      </p:sp>
+      <p:sp>
+        <p:nvSpPr>
+          <p:cNvPr id="2" name="Title 1"/>
+          <p:cNvSpPr>
+            <a:spLocks noGrp="1"/>
+          </p:cNvSpPr>
+          <p:nvPr>
+            <p:ph type="title"/>
+          </p:nvPr>
+        </p:nvSpPr>
+        <p:spPr/>
+        <p:txBody>
+          <a:bodyPr/>
+          <a:lstStyle/>
+          <a:p>
+            <a:endParaRPr lang="en-US"/>
+          </a:p>
+        </p:txBody>
+      </p:sp>
+      <p:sp>
+        <p:nvSpPr>
+          <p:cNvPr id="5" name="Rounded Rectangle 4"/>
+          <p:cNvSpPr/>
+          <p:nvPr/>
+        </p:nvSpPr>
+        <p:spPr>
+          <a:xfrm>
+            <a:off x="457200" y="2438400"/>
+            <a:ext cx="1905000" cy="2819400"/>
+          </a:xfrm>
+          <a:prstGeom prst="roundRect">
+            <a:avLst>
+              <a:gd name="adj" fmla="val 3886"/>
+            </a:avLst>
+          </a:prstGeom>
+        </p:spPr>
+        <p:style>
+          <a:lnRef idx="1">
+            <a:schemeClr val="accent5"/>
+          </a:lnRef>
+          <a:fillRef idx="2">
+            <a:schemeClr val="accent5"/>
+          </a:fillRef>
+          <a:effectRef idx="1">
+            <a:schemeClr val="accent5"/>
+          </a:effectRef>
+          <a:fontRef idx="minor">
+            <a:schemeClr val="dk1"/>
+          </a:fontRef>
+        </p:style>
+        <p:txBody>
+          <a:bodyPr rtlCol="0" anchor="ctr"/>
+          <a:lstStyle/>
+          <a:p>
+            <a:pPr algn="ctr"/>
+            <a:r>
+              <a:rPr lang="en-US" sz="2000" b="1" smtClean="0"/>
+              <a:t>COM component</a:t>
+            </a:r>
+            <a:endParaRPr lang="en-US" sz="2000" b="1"/>
+          </a:p>
+        </p:txBody>
+      </p:sp>
+      <p:sp>
+        <p:nvSpPr>
+          <p:cNvPr id="39" name="TextBox 38"/>
+          <p:cNvSpPr txBox="1"/>
+          <p:nvPr/>
+        </p:nvSpPr>
+        <p:spPr>
+          <a:xfrm>
+            <a:off x="1524000" y="1905000"/>
+            <a:ext cx="3810000" cy="400110"/>
+          </a:xfrm>
+          <a:prstGeom prst="rect">
+            <a:avLst/>
+          </a:prstGeom>
+          <a:noFill/>
+        </p:spPr>
+        <p:txBody>
+          <a:bodyPr wrap="square" rtlCol="0">
+            <a:spAutoFit/>
+          </a:bodyPr>
+          <a:lstStyle/>
+          <a:p>
+            <a:pPr algn="ctr"/>
+            <a:r>
+              <a:rPr lang="en-US" sz="2000" b="1" smtClean="0"/>
+              <a:t>3DScannerView</a:t>
+            </a:r>
+            <a:endParaRPr lang="en-US" sz="2000" b="1"/>
+          </a:p>
+        </p:txBody>
+      </p:sp>
+      <p:sp>
+        <p:nvSpPr>
+          <p:cNvPr id="41" name="Oval 40"/>
+          <p:cNvSpPr/>
+          <p:nvPr/>
+        </p:nvSpPr>
+        <p:spPr>
+          <a:xfrm>
+            <a:off x="0" y="1371600"/>
+            <a:ext cx="914400" cy="914400"/>
+          </a:xfrm>
+          <a:prstGeom prst="ellipse">
+            <a:avLst/>
+          </a:prstGeom>
+        </p:spPr>
+        <p:style>
+          <a:lnRef idx="1">
+            <a:schemeClr val="accent6"/>
+          </a:lnRef>
+          <a:fillRef idx="3">
+            <a:schemeClr val="accent6"/>
+          </a:fillRef>
+          <a:effectRef idx="2">
+            <a:schemeClr val="accent6"/>
+          </a:effectRef>
+          <a:fontRef idx="minor">
+            <a:schemeClr val="lt1"/>
+          </a:fontRef>
+        </p:style>
+        <p:txBody>
+          <a:bodyPr rtlCol="0" anchor="ctr"/>
+          <a:lstStyle/>
+          <a:p>
+            <a:pPr algn="ctr"/>
+            <a:r>
+              <a:rPr lang="en-US" sz="2800" b="1" smtClean="0"/>
+              <a:t>2</a:t>
+            </a:r>
+            <a:endParaRPr lang="en-US" sz="2800" b="1"/>
+          </a:p>
+        </p:txBody>
+      </p:sp>
+      <p:sp>
+        <p:nvSpPr>
+          <p:cNvPr id="21" name="Rounded Rectangle 20"/>
+          <p:cNvSpPr/>
+          <p:nvPr/>
+        </p:nvSpPr>
+        <p:spPr>
+          <a:xfrm>
+            <a:off x="2514600" y="4343400"/>
+            <a:ext cx="3657600" cy="914400"/>
+          </a:xfrm>
+          <a:prstGeom prst="roundRect">
+            <a:avLst>
+              <a:gd name="adj" fmla="val 3886"/>
+            </a:avLst>
+          </a:prstGeom>
+        </p:spPr>
+        <p:style>
+          <a:lnRef idx="1">
+            <a:schemeClr val="accent5"/>
+          </a:lnRef>
+          <a:fillRef idx="2">
+            <a:schemeClr val="accent5"/>
+          </a:fillRef>
+          <a:effectRef idx="1">
+            <a:schemeClr val="accent5"/>
+          </a:effectRef>
+          <a:fontRef idx="minor">
+            <a:schemeClr val="dk1"/>
+          </a:fontRef>
+        </p:style>
+        <p:txBody>
+          <a:bodyPr rtlCol="0" anchor="ctr"/>
+          <a:lstStyle/>
+          <a:p>
+            <a:pPr algn="ctr"/>
+            <a:r>
+              <a:rPr lang="en-US" sz="2000" b="1" smtClean="0"/>
+              <a:t>Frame component</a:t>
+            </a:r>
+            <a:endParaRPr lang="en-US" sz="2000" b="1"/>
+          </a:p>
+        </p:txBody>
+      </p:sp>
+      <p:grpSp>
+        <p:nvGrpSpPr>
+          <p:cNvPr id="42" name="Group 41"/>
+          <p:cNvGrpSpPr/>
+          <p:nvPr/>
+        </p:nvGrpSpPr>
+        <p:grpSpPr>
+          <a:xfrm>
+            <a:off x="2514600" y="2438400"/>
+            <a:ext cx="3429000" cy="1828800"/>
+            <a:chOff x="2514600" y="2438400"/>
+            <a:chExt cx="3429000" cy="1828800"/>
+          </a:xfrm>
+        </p:grpSpPr>
+        <p:grpSp>
+          <p:nvGrpSpPr>
+            <p:cNvPr id="32" name="Group 31"/>
+            <p:cNvGrpSpPr/>
+            <p:nvPr/>
+          </p:nvGrpSpPr>
+          <p:grpSpPr>
+            <a:xfrm>
+              <a:off x="2514600" y="2438400"/>
+              <a:ext cx="3429000" cy="1828800"/>
+              <a:chOff x="2743200" y="2438400"/>
+              <a:chExt cx="3429000" cy="1295400"/>
+            </a:xfrm>
+          </p:grpSpPr>
+          <p:sp>
+            <p:nvSpPr>
+              <p:cNvPr id="24" name="Rounded Rectangle 23"/>
+              <p:cNvSpPr/>
+              <p:nvPr/>
+            </p:nvSpPr>
+            <p:spPr>
+              <a:xfrm>
+                <a:off x="2743200" y="2438400"/>
+                <a:ext cx="2895600" cy="1295400"/>
+              </a:xfrm>
+              <a:prstGeom prst="roundRect">
+                <a:avLst>
+                  <a:gd name="adj" fmla="val 3886"/>
+                </a:avLst>
+              </a:prstGeom>
+            </p:spPr>
+            <p:style>
+              <a:lnRef idx="1">
+                <a:schemeClr val="accent5"/>
+              </a:lnRef>
+              <a:fillRef idx="2">
+                <a:schemeClr val="accent5"/>
+              </a:fillRef>
+              <a:effectRef idx="1">
+                <a:schemeClr val="accent5"/>
+              </a:effectRef>
+              <a:fontRef idx="minor">
+                <a:schemeClr val="dk1"/>
+              </a:fontRef>
+            </p:style>
+            <p:txBody>
+              <a:bodyPr rtlCol="0" anchor="ctr"/>
+              <a:lstStyle/>
+              <a:p>
+                <a:pPr algn="ctr"/>
+                <a:endParaRPr lang="en-US" sz="2000" b="1"/>
+              </a:p>
+            </p:txBody>
+          </p:sp>
+          <p:cxnSp>
+            <p:nvCxnSpPr>
+              <p:cNvPr id="23" name="Straight Connector 22"/>
+              <p:cNvCxnSpPr/>
+              <p:nvPr/>
+            </p:nvCxnSpPr>
+            <p:spPr>
+              <a:xfrm>
+                <a:off x="5562600" y="2819400"/>
+                <a:ext cx="609600" cy="0"/>
+              </a:xfrm>
+              <a:prstGeom prst="line">
+                <a:avLst/>
+              </a:prstGeom>
+              <a:ln w="57150">
+                <a:headEnd type="oval" w="med" len="med"/>
+                <a:tailEnd type="oval" w="med" len="med"/>
+              </a:ln>
+            </p:spPr>
+            <p:style>
+              <a:lnRef idx="3">
+                <a:schemeClr val="accent1"/>
+              </a:lnRef>
+              <a:fillRef idx="0">
+                <a:schemeClr val="accent1"/>
+              </a:fillRef>
+              <a:effectRef idx="2">
+                <a:schemeClr val="accent1"/>
+              </a:effectRef>
+              <a:fontRef idx="minor">
+                <a:schemeClr val="tx1"/>
+              </a:fontRef>
+            </p:style>
+          </p:cxnSp>
+          <p:cxnSp>
+            <p:nvCxnSpPr>
+              <p:cNvPr id="28" name="Straight Connector 27"/>
+              <p:cNvCxnSpPr/>
+              <p:nvPr/>
+            </p:nvCxnSpPr>
+            <p:spPr>
+              <a:xfrm>
+                <a:off x="5562600" y="3352800"/>
+                <a:ext cx="609600" cy="0"/>
+              </a:xfrm>
+              <a:prstGeom prst="line">
+                <a:avLst/>
+              </a:prstGeom>
+              <a:ln w="57150">
+                <a:headEnd type="oval" w="med" len="med"/>
+                <a:tailEnd type="oval" w="med" len="med"/>
+              </a:ln>
+            </p:spPr>
+            <p:style>
+              <a:lnRef idx="3">
+                <a:schemeClr val="accent1"/>
+              </a:lnRef>
+              <a:fillRef idx="0">
+                <a:schemeClr val="accent1"/>
+              </a:fillRef>
+              <a:effectRef idx="2">
+                <a:schemeClr val="accent1"/>
+              </a:effectRef>
+              <a:fontRef idx="minor">
+                <a:schemeClr val="tx1"/>
+              </a:fontRef>
+            </p:style>
+          </p:cxnSp>
+        </p:grpSp>
+        <p:sp>
+          <p:nvSpPr>
+            <p:cNvPr id="33" name="Rounded Rectangle 32"/>
+            <p:cNvSpPr/>
+            <p:nvPr/>
+          </p:nvSpPr>
+          <p:spPr>
+            <a:xfrm>
+              <a:off x="2667000" y="3505200"/>
+              <a:ext cx="2438400" cy="609600"/>
+            </a:xfrm>
+            <a:prstGeom prst="roundRect">
+              <a:avLst>
+                <a:gd name="adj" fmla="val 3886"/>
+              </a:avLst>
+            </a:prstGeom>
+          </p:spPr>
+          <p:style>
+            <a:lnRef idx="2">
+              <a:schemeClr val="accent5">
+                <a:shade val="50000"/>
+              </a:schemeClr>
+            </a:lnRef>
+            <a:fillRef idx="1">
+              <a:schemeClr val="accent5"/>
+            </a:fillRef>
+            <a:effectRef idx="0">
+              <a:schemeClr val="accent5"/>
+            </a:effectRef>
+            <a:fontRef idx="minor">
+              <a:schemeClr val="lt1"/>
+            </a:fontRef>
+          </p:style>
+          <p:txBody>
+            <a:bodyPr rtlCol="0" anchor="ctr"/>
+            <a:lstStyle/>
+            <a:p>
+              <a:pPr algn="ctr"/>
+              <a:r>
+                <a:rPr lang="en-US" sz="2000" b="1" smtClean="0"/>
+                <a:t>Models</a:t>
+              </a:r>
+              <a:endParaRPr lang="en-US" sz="2000" b="1"/>
+            </a:p>
+          </p:txBody>
+        </p:sp>
+        <p:sp>
+          <p:nvSpPr>
+            <p:cNvPr id="40" name="TextBox 39"/>
+            <p:cNvSpPr txBox="1"/>
+            <p:nvPr/>
+          </p:nvSpPr>
+          <p:spPr>
+            <a:xfrm>
+              <a:off x="2971800" y="2895600"/>
+              <a:ext cx="1905000" cy="400110"/>
+            </a:xfrm>
+            <a:prstGeom prst="rect">
+              <a:avLst/>
+            </a:prstGeom>
+            <a:noFill/>
+          </p:spPr>
+          <p:txBody>
+            <a:bodyPr wrap="square" rtlCol="0">
+              <a:spAutoFit/>
+            </a:bodyPr>
+            <a:lstStyle/>
+            <a:p>
+              <a:pPr algn="ctr"/>
+              <a:r>
+                <a:rPr lang="en-US" sz="2000" b="1" smtClean="0"/>
+                <a:t>ObjectView</a:t>
+              </a:r>
+              <a:endParaRPr lang="en-US" sz="2000" b="1"/>
+            </a:p>
+          </p:txBody>
+        </p:sp>
+      </p:grpSp>
+    </p:spTree>
+  </p:cSld>
+  <p:clrMapOvr>
+    <a:masterClrMapping/>
+  </p:clrMapOvr>
+</p:sld>
+</file>
+
+<file path=ppt/slides/slide14.xml><?xml version="1.0" encoding="utf-8"?>
+<p:sld xmlns:a="http://schemas.openxmlformats.org/drawingml/2006/main" xmlns:r="http://schemas.openxmlformats.org/officeDocument/2006/relationships" xmlns:p="http://schemas.openxmlformats.org/presentationml/2006/main">
+  <p:cSld>
+    <p:spTree>
+      <p:nvGrpSpPr>
+        <p:cNvPr id="1" name=""/>
+        <p:cNvGrpSpPr/>
+        <p:nvPr/>
+      </p:nvGrpSpPr>
+      <p:grpSpPr>
+        <a:xfrm>
+          <a:off x="0" y="0"/>
+          <a:ext cx="0" cy="0"/>
+          <a:chOff x="0" y="0"/>
+          <a:chExt cx="0" cy="0"/>
+        </a:xfrm>
+      </p:grpSpPr>
+      <p:sp>
+        <p:nvSpPr>
+          <p:cNvPr id="9" name="Rounded Rectangle 8"/>
+          <p:cNvSpPr/>
+          <p:nvPr/>
+        </p:nvSpPr>
+        <p:spPr>
+          <a:xfrm>
+            <a:off x="228600" y="1752600"/>
+            <a:ext cx="5562600" cy="2209800"/>
+          </a:xfrm>
+          <a:prstGeom prst="roundRect">
+            <a:avLst>
+              <a:gd name="adj" fmla="val 3886"/>
+            </a:avLst>
+          </a:prstGeom>
+        </p:spPr>
+        <p:style>
+          <a:lnRef idx="1">
+            <a:schemeClr val="accent6"/>
+          </a:lnRef>
+          <a:fillRef idx="2">
+            <a:schemeClr val="accent6"/>
+          </a:fillRef>
+          <a:effectRef idx="1">
+            <a:schemeClr val="accent6"/>
+          </a:effectRef>
+          <a:fontRef idx="minor">
+            <a:schemeClr val="dk1"/>
+          </a:fontRef>
+        </p:style>
+        <p:txBody>
+          <a:bodyPr rtlCol="0" anchor="ctr"/>
+          <a:lstStyle/>
+          <a:p>
+            <a:pPr algn="ctr"/>
+            <a:endParaRPr lang="en-US" sz="2000" b="1"/>
+          </a:p>
+        </p:txBody>
+      </p:sp>
+      <p:sp>
+        <p:nvSpPr>
+          <p:cNvPr id="2" name="Title 1"/>
+          <p:cNvSpPr>
+            <a:spLocks noGrp="1"/>
+          </p:cNvSpPr>
+          <p:nvPr>
+            <p:ph type="title"/>
+          </p:nvPr>
+        </p:nvSpPr>
+        <p:spPr/>
+        <p:txBody>
+          <a:bodyPr/>
+          <a:lstStyle/>
+          <a:p>
+            <a:endParaRPr lang="en-US"/>
+          </a:p>
+        </p:txBody>
+      </p:sp>
+      <p:sp>
+        <p:nvSpPr>
+          <p:cNvPr id="39" name="TextBox 38"/>
+          <p:cNvSpPr txBox="1"/>
+          <p:nvPr/>
+        </p:nvSpPr>
+        <p:spPr>
+          <a:xfrm>
+            <a:off x="1524000" y="1905000"/>
+            <a:ext cx="3810000" cy="400110"/>
+          </a:xfrm>
+          <a:prstGeom prst="rect">
+            <a:avLst/>
+          </a:prstGeom>
+          <a:noFill/>
+        </p:spPr>
+        <p:txBody>
+          <a:bodyPr wrap="square" rtlCol="0">
+            <a:spAutoFit/>
+          </a:bodyPr>
+          <a:lstStyle/>
+          <a:p>
+            <a:pPr algn="ctr"/>
+            <a:r>
+              <a:rPr lang="en-US" sz="2000" b="1" smtClean="0"/>
+              <a:t>3DScannerView</a:t>
+            </a:r>
+            <a:endParaRPr lang="en-US" sz="2000" b="1"/>
+          </a:p>
+        </p:txBody>
+      </p:sp>
+      <p:sp>
+        <p:nvSpPr>
+          <p:cNvPr id="41" name="Oval 40"/>
+          <p:cNvSpPr/>
+          <p:nvPr/>
+        </p:nvSpPr>
+        <p:spPr>
+          <a:xfrm>
+            <a:off x="0" y="1371600"/>
+            <a:ext cx="914400" cy="914400"/>
+          </a:xfrm>
+          <a:prstGeom prst="ellipse">
+            <a:avLst/>
+          </a:prstGeom>
+        </p:spPr>
+        <p:style>
+          <a:lnRef idx="1">
+            <a:schemeClr val="accent6"/>
+          </a:lnRef>
+          <a:fillRef idx="3">
+            <a:schemeClr val="accent6"/>
+          </a:fillRef>
+          <a:effectRef idx="2">
+            <a:schemeClr val="accent6"/>
+          </a:effectRef>
+          <a:fontRef idx="minor">
+            <a:schemeClr val="lt1"/>
+          </a:fontRef>
+        </p:style>
+        <p:txBody>
+          <a:bodyPr rtlCol="0" anchor="ctr"/>
+          <a:lstStyle/>
+          <a:p>
+            <a:pPr algn="ctr"/>
+            <a:r>
+              <a:rPr lang="en-US" sz="2800" b="1" smtClean="0"/>
+              <a:t>3</a:t>
+            </a:r>
+            <a:endParaRPr lang="en-US" sz="2800" b="1"/>
+          </a:p>
+        </p:txBody>
+      </p:sp>
+      <p:grpSp>
+        <p:nvGrpSpPr>
+          <p:cNvPr id="22" name="Group 21"/>
+          <p:cNvGrpSpPr/>
+          <p:nvPr/>
+        </p:nvGrpSpPr>
+        <p:grpSpPr>
+          <a:xfrm>
+            <a:off x="3810000" y="2618936"/>
+            <a:ext cx="2514600" cy="457200"/>
+            <a:chOff x="3581400" y="4953000"/>
+            <a:chExt cx="2209800" cy="457200"/>
+          </a:xfrm>
+        </p:grpSpPr>
+        <p:sp>
+          <p:nvSpPr>
+            <p:cNvPr id="17" name="Rounded Rectangle 16"/>
+            <p:cNvSpPr/>
+            <p:nvPr/>
+          </p:nvSpPr>
+          <p:spPr>
+            <a:xfrm>
+              <a:off x="3886200" y="4953000"/>
+              <a:ext cx="1905000" cy="457200"/>
+            </a:xfrm>
+            <a:prstGeom prst="roundRect">
+              <a:avLst>
+                <a:gd name="adj" fmla="val 36194"/>
+              </a:avLst>
+            </a:prstGeom>
+          </p:spPr>
+          <p:style>
+            <a:lnRef idx="1">
+              <a:schemeClr val="accent2"/>
+            </a:lnRef>
+            <a:fillRef idx="3">
+              <a:schemeClr val="accent2"/>
+            </a:fillRef>
+            <a:effectRef idx="2">
+              <a:schemeClr val="accent2"/>
+            </a:effectRef>
+            <a:fontRef idx="minor">
+              <a:schemeClr val="lt1"/>
+            </a:fontRef>
+          </p:style>
+          <p:txBody>
+            <a:bodyPr rtlCol="0" anchor="ctr"/>
+            <a:lstStyle/>
+            <a:p>
+              <a:pPr algn="ctr"/>
+              <a:r>
+                <a:rPr lang="en-US" sz="2000" b="1" smtClean="0"/>
+                <a:t>RotatedEvent</a:t>
+              </a:r>
+              <a:endParaRPr lang="en-US" sz="2000" b="1"/>
+            </a:p>
+          </p:txBody>
+        </p:sp>
+        <p:cxnSp>
+          <p:nvCxnSpPr>
+            <p:cNvPr id="18" name="Straight Connector 17"/>
+            <p:cNvCxnSpPr>
+              <a:endCxn id="17" idx="1"/>
+            </p:cNvCxnSpPr>
+            <p:nvPr/>
+          </p:nvCxnSpPr>
+          <p:spPr>
+            <a:xfrm>
+              <a:off x="3581400" y="5181600"/>
+              <a:ext cx="304800" cy="0"/>
+            </a:xfrm>
+            <a:prstGeom prst="line">
+              <a:avLst/>
+            </a:prstGeom>
+            <a:ln>
+              <a:headEnd type="oval" w="med" len="med"/>
+              <a:tailEnd type="oval" w="med" len="med"/>
+            </a:ln>
+          </p:spPr>
+          <p:style>
+            <a:lnRef idx="3">
+              <a:schemeClr val="accent2"/>
+            </a:lnRef>
+            <a:fillRef idx="0">
+              <a:schemeClr val="accent2"/>
+            </a:fillRef>
+            <a:effectRef idx="2">
+              <a:schemeClr val="accent2"/>
+            </a:effectRef>
+            <a:fontRef idx="minor">
+              <a:schemeClr val="tx1"/>
+            </a:fontRef>
+          </p:style>
+        </p:cxnSp>
+      </p:grpSp>
+      <p:grpSp>
+        <p:nvGrpSpPr>
+          <p:cNvPr id="25" name="Group 24"/>
+          <p:cNvGrpSpPr/>
+          <p:nvPr/>
+        </p:nvGrpSpPr>
+        <p:grpSpPr>
+          <a:xfrm>
+            <a:off x="3815860" y="3180472"/>
+            <a:ext cx="2514600" cy="457200"/>
+            <a:chOff x="3581400" y="4953000"/>
+            <a:chExt cx="2209800" cy="457200"/>
+          </a:xfrm>
+        </p:grpSpPr>
+        <p:sp>
+          <p:nvSpPr>
+            <p:cNvPr id="26" name="Rounded Rectangle 25"/>
+            <p:cNvSpPr/>
+            <p:nvPr/>
+          </p:nvSpPr>
+          <p:spPr>
+            <a:xfrm>
+              <a:off x="3886200" y="4953000"/>
+              <a:ext cx="1905000" cy="457200"/>
+            </a:xfrm>
+            <a:prstGeom prst="roundRect">
+              <a:avLst>
+                <a:gd name="adj" fmla="val 36194"/>
+              </a:avLst>
+            </a:prstGeom>
+          </p:spPr>
+          <p:style>
+            <a:lnRef idx="1">
+              <a:schemeClr val="accent2"/>
+            </a:lnRef>
+            <a:fillRef idx="3">
+              <a:schemeClr val="accent2"/>
+            </a:fillRef>
+            <a:effectRef idx="2">
+              <a:schemeClr val="accent2"/>
+            </a:effectRef>
+            <a:fontRef idx="minor">
+              <a:schemeClr val="lt1"/>
+            </a:fontRef>
+          </p:style>
+          <p:txBody>
+            <a:bodyPr rtlCol="0" anchor="ctr"/>
+            <a:lstStyle/>
+            <a:p>
+              <a:pPr algn="ctr"/>
+              <a:r>
+                <a:rPr lang="en-US" sz="2000" b="1" smtClean="0"/>
+                <a:t>Transition</a:t>
+              </a:r>
+              <a:r>
+                <a:rPr lang="en-US" sz="2000" b="1" smtClean="0"/>
+                <a:t>Event</a:t>
+              </a:r>
+              <a:endParaRPr lang="en-US" sz="2000" b="1"/>
+            </a:p>
+          </p:txBody>
+        </p:sp>
+        <p:cxnSp>
+          <p:nvCxnSpPr>
+            <p:cNvPr id="27" name="Straight Connector 26"/>
+            <p:cNvCxnSpPr>
+              <a:endCxn id="26" idx="1"/>
+            </p:cNvCxnSpPr>
+            <p:nvPr/>
+          </p:nvCxnSpPr>
+          <p:spPr>
+            <a:xfrm>
+              <a:off x="3581400" y="5181600"/>
+              <a:ext cx="304800" cy="0"/>
+            </a:xfrm>
+            <a:prstGeom prst="line">
+              <a:avLst/>
+            </a:prstGeom>
+            <a:ln>
+              <a:headEnd type="oval" w="med" len="med"/>
+              <a:tailEnd type="oval" w="med" len="med"/>
+            </a:ln>
+          </p:spPr>
+          <p:style>
+            <a:lnRef idx="3">
+              <a:schemeClr val="accent2"/>
+            </a:lnRef>
+            <a:fillRef idx="0">
+              <a:schemeClr val="accent2"/>
+            </a:fillRef>
+            <a:effectRef idx="2">
+              <a:schemeClr val="accent2"/>
+            </a:effectRef>
+            <a:fontRef idx="minor">
+              <a:schemeClr val="tx1"/>
+            </a:fontRef>
+          </p:style>
+        </p:cxnSp>
+      </p:grpSp>
+      <p:cxnSp>
+        <p:nvCxnSpPr>
+          <p:cNvPr id="29" name="Straight Connector 28"/>
+          <p:cNvCxnSpPr/>
+          <p:nvPr/>
+        </p:nvCxnSpPr>
+        <p:spPr>
+          <a:xfrm>
+            <a:off x="5743136" y="2223868"/>
+            <a:ext cx="419947" cy="0"/>
+          </a:xfrm>
+          <a:prstGeom prst="line">
+            <a:avLst/>
+          </a:prstGeom>
+          <a:ln w="57150">
+            <a:headEnd type="oval" w="med" len="med"/>
+            <a:tailEnd type="oval" w="med" len="med"/>
+          </a:ln>
+        </p:spPr>
+        <p:style>
+          <a:lnRef idx="3">
+            <a:schemeClr val="accent1"/>
+          </a:lnRef>
+          <a:fillRef idx="0">
+            <a:schemeClr val="accent1"/>
+          </a:fillRef>
+          <a:effectRef idx="2">
+            <a:schemeClr val="accent1"/>
+          </a:effectRef>
+          <a:fontRef idx="minor">
+            <a:schemeClr val="tx1"/>
+          </a:fontRef>
+        </p:style>
+      </p:cxnSp>
+      <p:grpSp>
+        <p:nvGrpSpPr>
+          <p:cNvPr id="30" name="Group 29"/>
+          <p:cNvGrpSpPr/>
+          <p:nvPr/>
+        </p:nvGrpSpPr>
+        <p:grpSpPr>
+          <a:xfrm>
+            <a:off x="6172200" y="1981200"/>
+            <a:ext cx="2514600" cy="457200"/>
+            <a:chOff x="3581400" y="4953000"/>
+            <a:chExt cx="2209800" cy="457200"/>
+          </a:xfrm>
+        </p:grpSpPr>
+        <p:sp>
+          <p:nvSpPr>
+            <p:cNvPr id="31" name="Rounded Rectangle 30"/>
+            <p:cNvSpPr/>
+            <p:nvPr/>
+          </p:nvSpPr>
+          <p:spPr>
+            <a:xfrm>
+              <a:off x="3886200" y="4953000"/>
+              <a:ext cx="1905000" cy="457200"/>
+            </a:xfrm>
+            <a:prstGeom prst="roundRect">
+              <a:avLst>
+                <a:gd name="adj" fmla="val 36194"/>
+              </a:avLst>
+            </a:prstGeom>
+          </p:spPr>
+          <p:style>
+            <a:lnRef idx="1">
+              <a:schemeClr val="accent2"/>
+            </a:lnRef>
+            <a:fillRef idx="3">
+              <a:schemeClr val="accent2"/>
+            </a:fillRef>
+            <a:effectRef idx="2">
+              <a:schemeClr val="accent2"/>
+            </a:effectRef>
+            <a:fontRef idx="minor">
+              <a:schemeClr val="lt1"/>
+            </a:fontRef>
+          </p:style>
+          <p:txBody>
+            <a:bodyPr rtlCol="0" anchor="ctr"/>
+            <a:lstStyle/>
+            <a:p>
+              <a:pPr algn="ctr"/>
+              <a:r>
+                <a:rPr lang="en-US" sz="2000" b="1" smtClean="0"/>
+                <a:t>FinishedEvent</a:t>
+              </a:r>
+              <a:endParaRPr lang="en-US" sz="2000" b="1"/>
+            </a:p>
+          </p:txBody>
+        </p:sp>
+        <p:cxnSp>
+          <p:nvCxnSpPr>
+            <p:cNvPr id="32" name="Straight Connector 31"/>
+            <p:cNvCxnSpPr>
+              <a:endCxn id="31" idx="1"/>
+            </p:cNvCxnSpPr>
+            <p:nvPr/>
+          </p:nvCxnSpPr>
+          <p:spPr>
+            <a:xfrm>
+              <a:off x="3581400" y="5181600"/>
+              <a:ext cx="304800" cy="0"/>
+            </a:xfrm>
+            <a:prstGeom prst="line">
+              <a:avLst/>
+            </a:prstGeom>
+            <a:ln>
+              <a:headEnd type="oval" w="med" len="med"/>
+              <a:tailEnd type="oval" w="med" len="med"/>
+            </a:ln>
+          </p:spPr>
+          <p:style>
+            <a:lnRef idx="3">
+              <a:schemeClr val="accent2"/>
+            </a:lnRef>
+            <a:fillRef idx="0">
+              <a:schemeClr val="accent2"/>
+            </a:fillRef>
+            <a:effectRef idx="2">
+              <a:schemeClr val="accent2"/>
+            </a:effectRef>
+            <a:fontRef idx="minor">
+              <a:schemeClr val="tx1"/>
+            </a:fontRef>
+          </p:style>
+        </p:cxnSp>
+      </p:grpSp>
+      <p:grpSp>
+        <p:nvGrpSpPr>
+          <p:cNvPr id="33" name="Group 32"/>
+          <p:cNvGrpSpPr/>
+          <p:nvPr/>
+        </p:nvGrpSpPr>
+        <p:grpSpPr>
+          <a:xfrm>
+            <a:off x="381000" y="2438400"/>
+            <a:ext cx="3429000" cy="1371600"/>
+            <a:chOff x="2514600" y="2438400"/>
+            <a:chExt cx="3429000" cy="1828800"/>
+          </a:xfrm>
+        </p:grpSpPr>
+        <p:grpSp>
+          <p:nvGrpSpPr>
+            <p:cNvPr id="34" name="Group 31"/>
+            <p:cNvGrpSpPr/>
+            <p:nvPr/>
+          </p:nvGrpSpPr>
+          <p:grpSpPr>
+            <a:xfrm>
+              <a:off x="2514600" y="2438400"/>
+              <a:ext cx="3429000" cy="1828800"/>
+              <a:chOff x="2743200" y="2438400"/>
+              <a:chExt cx="3429000" cy="1295400"/>
+            </a:xfrm>
+          </p:grpSpPr>
+          <p:sp>
+            <p:nvSpPr>
+              <p:cNvPr id="37" name="Rounded Rectangle 36"/>
+              <p:cNvSpPr/>
+              <p:nvPr/>
+            </p:nvSpPr>
+            <p:spPr>
+              <a:xfrm>
+                <a:off x="2743200" y="2438400"/>
+                <a:ext cx="2895600" cy="1295400"/>
+              </a:xfrm>
+              <a:prstGeom prst="roundRect">
+                <a:avLst>
+                  <a:gd name="adj" fmla="val 3886"/>
+                </a:avLst>
+              </a:prstGeom>
+            </p:spPr>
+            <p:style>
+              <a:lnRef idx="1">
+                <a:schemeClr val="accent5"/>
+              </a:lnRef>
+              <a:fillRef idx="2">
+                <a:schemeClr val="accent5"/>
+              </a:fillRef>
+              <a:effectRef idx="1">
+                <a:schemeClr val="accent5"/>
+              </a:effectRef>
+              <a:fontRef idx="minor">
+                <a:schemeClr val="dk1"/>
+              </a:fontRef>
+            </p:style>
+            <p:txBody>
+              <a:bodyPr rtlCol="0" anchor="ctr"/>
+              <a:lstStyle/>
+              <a:p>
+                <a:pPr algn="ctr"/>
+                <a:endParaRPr lang="en-US" sz="2000" b="1"/>
+              </a:p>
+            </p:txBody>
+          </p:sp>
+          <p:cxnSp>
+            <p:nvCxnSpPr>
+              <p:cNvPr id="38" name="Straight Connector 37"/>
+              <p:cNvCxnSpPr/>
+              <p:nvPr/>
+            </p:nvCxnSpPr>
+            <p:spPr>
+              <a:xfrm>
+                <a:off x="5562600" y="2819400"/>
+                <a:ext cx="609600" cy="0"/>
+              </a:xfrm>
+              <a:prstGeom prst="line">
+                <a:avLst/>
+              </a:prstGeom>
+              <a:ln w="57150">
+                <a:headEnd type="oval" w="med" len="med"/>
+                <a:tailEnd type="oval" w="med" len="med"/>
+              </a:ln>
+            </p:spPr>
+            <p:style>
+              <a:lnRef idx="3">
+                <a:schemeClr val="accent1"/>
+              </a:lnRef>
+              <a:fillRef idx="0">
+                <a:schemeClr val="accent1"/>
+              </a:fillRef>
+              <a:effectRef idx="2">
+                <a:schemeClr val="accent1"/>
+              </a:effectRef>
+              <a:fontRef idx="minor">
+                <a:schemeClr val="tx1"/>
+              </a:fontRef>
+            </p:style>
+          </p:cxnSp>
+          <p:cxnSp>
+            <p:nvCxnSpPr>
+              <p:cNvPr id="40" name="Straight Connector 39"/>
+              <p:cNvCxnSpPr/>
+              <p:nvPr/>
+            </p:nvCxnSpPr>
+            <p:spPr>
+              <a:xfrm>
+                <a:off x="5562600" y="3352800"/>
+                <a:ext cx="609600" cy="0"/>
+              </a:xfrm>
+              <a:prstGeom prst="line">
+                <a:avLst/>
+              </a:prstGeom>
+              <a:ln w="57150">
+                <a:headEnd type="oval" w="med" len="med"/>
+                <a:tailEnd type="oval" w="med" len="med"/>
+              </a:ln>
+            </p:spPr>
+            <p:style>
+              <a:lnRef idx="3">
+                <a:schemeClr val="accent1"/>
+              </a:lnRef>
+              <a:fillRef idx="0">
+                <a:schemeClr val="accent1"/>
+              </a:fillRef>
+              <a:effectRef idx="2">
+                <a:schemeClr val="accent1"/>
+              </a:effectRef>
+              <a:fontRef idx="minor">
+                <a:schemeClr val="tx1"/>
+              </a:fontRef>
+            </p:style>
+          </p:cxnSp>
+        </p:grpSp>
+        <p:sp>
+          <p:nvSpPr>
+            <p:cNvPr id="35" name="Rounded Rectangle 34"/>
+            <p:cNvSpPr/>
+            <p:nvPr/>
+          </p:nvSpPr>
+          <p:spPr>
+            <a:xfrm>
+              <a:off x="2667000" y="3505200"/>
+              <a:ext cx="2438400" cy="609600"/>
+            </a:xfrm>
+            <a:prstGeom prst="roundRect">
+              <a:avLst>
+                <a:gd name="adj" fmla="val 3886"/>
+              </a:avLst>
+            </a:prstGeom>
+          </p:spPr>
+          <p:style>
+            <a:lnRef idx="2">
+              <a:schemeClr val="accent5">
+                <a:shade val="50000"/>
+              </a:schemeClr>
+            </a:lnRef>
+            <a:fillRef idx="1">
+              <a:schemeClr val="accent5"/>
+            </a:fillRef>
+            <a:effectRef idx="0">
+              <a:schemeClr val="accent5"/>
+            </a:effectRef>
+            <a:fontRef idx="minor">
+              <a:schemeClr val="lt1"/>
+            </a:fontRef>
+          </p:style>
+          <p:txBody>
+            <a:bodyPr rtlCol="0" anchor="ctr"/>
+            <a:lstStyle/>
+            <a:p>
+              <a:pPr algn="ctr"/>
+              <a:r>
+                <a:rPr lang="en-US" sz="2000" b="1" smtClean="0"/>
+                <a:t>Models</a:t>
+              </a:r>
+              <a:endParaRPr lang="en-US" sz="2000" b="1"/>
+            </a:p>
+          </p:txBody>
+        </p:sp>
+        <p:sp>
+          <p:nvSpPr>
+            <p:cNvPr id="36" name="TextBox 35"/>
+            <p:cNvSpPr txBox="1"/>
+            <p:nvPr/>
+          </p:nvSpPr>
+          <p:spPr>
+            <a:xfrm>
+              <a:off x="2971800" y="2895600"/>
+              <a:ext cx="1905000" cy="400110"/>
+            </a:xfrm>
+            <a:prstGeom prst="rect">
+              <a:avLst/>
+            </a:prstGeom>
+            <a:noFill/>
+          </p:spPr>
+          <p:txBody>
+            <a:bodyPr wrap="square" rtlCol="0">
+              <a:spAutoFit/>
+            </a:bodyPr>
+            <a:lstStyle/>
+            <a:p>
+              <a:pPr algn="ctr"/>
+              <a:r>
+                <a:rPr lang="en-US" sz="2000" b="1" smtClean="0"/>
+                <a:t>ObjectView</a:t>
+              </a:r>
+              <a:endParaRPr lang="en-US" sz="2000" b="1"/>
+            </a:p>
+          </p:txBody>
+        </p:sp>
+      </p:grpSp>
+    </p:spTree>
+  </p:cSld>
+  <p:clrMapOvr>
+    <a:masterClrMapping/>
+  </p:clrMapOvr>
+</p:sld>
+</file>
+
+<file path=ppt/slides/slide15.xml><?xml version="1.0" encoding="utf-8"?>
+<p:sld xmlns:a="http://schemas.openxmlformats.org/drawingml/2006/main" xmlns:r="http://schemas.openxmlformats.org/officeDocument/2006/relationships" xmlns:p="http://schemas.openxmlformats.org/presentationml/2006/main">
+  <p:cSld>
+    <p:spTree>
+      <p:nvGrpSpPr>
+        <p:cNvPr id="1" name=""/>
+        <p:cNvGrpSpPr/>
+        <p:nvPr/>
+      </p:nvGrpSpPr>
+      <p:grpSpPr>
+        <a:xfrm>
+          <a:off x="0" y="0"/>
+          <a:ext cx="0" cy="0"/>
+          <a:chOff x="0" y="0"/>
+          <a:chExt cx="0" cy="0"/>
+        </a:xfrm>
+      </p:grpSpPr>
+      <p:grpSp>
+        <p:nvGrpSpPr>
+          <p:cNvPr id="28" name="Group 27"/>
+          <p:cNvGrpSpPr/>
+          <p:nvPr/>
+        </p:nvGrpSpPr>
+        <p:grpSpPr>
+          <a:xfrm>
+            <a:off x="381000" y="1752600"/>
+            <a:ext cx="3200400" cy="3581400"/>
+            <a:chOff x="228600" y="1752600"/>
+            <a:chExt cx="3352800" cy="3581400"/>
+          </a:xfrm>
+        </p:grpSpPr>
+        <p:sp>
+          <p:nvSpPr>
+            <p:cNvPr id="9" name="Rounded Rectangle 8"/>
+            <p:cNvSpPr/>
+            <p:nvPr/>
+          </p:nvSpPr>
+          <p:spPr>
+            <a:xfrm>
+              <a:off x="228600" y="1752600"/>
+              <a:ext cx="3352800" cy="3581400"/>
+            </a:xfrm>
+            <a:prstGeom prst="roundRect">
+              <a:avLst>
+                <a:gd name="adj" fmla="val 3886"/>
+              </a:avLst>
+            </a:prstGeom>
+          </p:spPr>
+          <p:style>
+            <a:lnRef idx="1">
+              <a:schemeClr val="accent6"/>
+            </a:lnRef>
+            <a:fillRef idx="2">
+              <a:schemeClr val="accent6"/>
+            </a:fillRef>
+            <a:effectRef idx="1">
+              <a:schemeClr val="accent6"/>
+            </a:effectRef>
+            <a:fontRef idx="minor">
+              <a:schemeClr val="dk1"/>
+            </a:fontRef>
+          </p:style>
+          <p:txBody>
+            <a:bodyPr rtlCol="0" anchor="ctr"/>
+            <a:lstStyle/>
+            <a:p>
+              <a:pPr algn="ctr"/>
+              <a:endParaRPr lang="en-US" sz="2000" b="1"/>
+            </a:p>
+          </p:txBody>
+        </p:sp>
+        <p:sp>
+          <p:nvSpPr>
+            <p:cNvPr id="39" name="TextBox 38"/>
+            <p:cNvSpPr txBox="1"/>
+            <p:nvPr/>
+          </p:nvSpPr>
+          <p:spPr>
+            <a:xfrm>
+              <a:off x="685800" y="1905000"/>
+              <a:ext cx="2514600" cy="400110"/>
+            </a:xfrm>
+            <a:prstGeom prst="rect">
+              <a:avLst/>
+            </a:prstGeom>
+            <a:noFill/>
+          </p:spPr>
+          <p:txBody>
+            <a:bodyPr wrap="square" rtlCol="0">
+              <a:spAutoFit/>
+            </a:bodyPr>
+            <a:lstStyle/>
+            <a:p>
+              <a:pPr algn="ctr"/>
+              <a:r>
+                <a:rPr lang="en-US" sz="2000" b="1" smtClean="0"/>
+                <a:t>TourView</a:t>
+              </a:r>
+              <a:endParaRPr lang="en-US" sz="2000" b="1"/>
+            </a:p>
+          </p:txBody>
+        </p:sp>
+      </p:grpSp>
+      <p:grpSp>
+        <p:nvGrpSpPr>
+          <p:cNvPr id="32" name="Group 31"/>
+          <p:cNvGrpSpPr/>
+          <p:nvPr/>
+        </p:nvGrpSpPr>
+        <p:grpSpPr>
+          <a:xfrm>
+            <a:off x="3886200" y="1752600"/>
+            <a:ext cx="3352800" cy="3581400"/>
+            <a:chOff x="228600" y="1752600"/>
+            <a:chExt cx="3352800" cy="3581400"/>
+          </a:xfrm>
+        </p:grpSpPr>
+        <p:sp>
+          <p:nvSpPr>
+            <p:cNvPr id="33" name="Rounded Rectangle 32"/>
+            <p:cNvSpPr/>
+            <p:nvPr/>
+          </p:nvSpPr>
+          <p:spPr>
+            <a:xfrm>
+              <a:off x="228600" y="1752600"/>
+              <a:ext cx="3352800" cy="3581400"/>
+            </a:xfrm>
+            <a:prstGeom prst="roundRect">
+              <a:avLst>
+                <a:gd name="adj" fmla="val 3886"/>
+              </a:avLst>
+            </a:prstGeom>
+          </p:spPr>
+          <p:style>
+            <a:lnRef idx="1">
+              <a:schemeClr val="accent6"/>
+            </a:lnRef>
+            <a:fillRef idx="2">
+              <a:schemeClr val="accent6"/>
+            </a:fillRef>
+            <a:effectRef idx="1">
+              <a:schemeClr val="accent6"/>
+            </a:effectRef>
+            <a:fontRef idx="minor">
+              <a:schemeClr val="dk1"/>
+            </a:fontRef>
+          </p:style>
+          <p:txBody>
+            <a:bodyPr rtlCol="0" anchor="ctr"/>
+            <a:lstStyle/>
+            <a:p>
+              <a:pPr algn="ctr"/>
+              <a:endParaRPr lang="en-US" sz="2000" b="1"/>
+            </a:p>
+          </p:txBody>
+        </p:sp>
+        <p:sp>
+          <p:nvSpPr>
+            <p:cNvPr id="40" name="TextBox 39"/>
+            <p:cNvSpPr txBox="1"/>
+            <p:nvPr/>
+          </p:nvSpPr>
+          <p:spPr>
+            <a:xfrm>
+              <a:off x="685800" y="1905000"/>
+              <a:ext cx="2514600" cy="400110"/>
+            </a:xfrm>
+            <a:prstGeom prst="rect">
+              <a:avLst/>
+            </a:prstGeom>
+            <a:noFill/>
+          </p:spPr>
+          <p:txBody>
+            <a:bodyPr wrap="square" rtlCol="0">
+              <a:spAutoFit/>
+            </a:bodyPr>
+            <a:lstStyle/>
+            <a:p>
+              <a:pPr algn="ctr"/>
+              <a:r>
+                <a:rPr lang="en-US" sz="2000" b="1" smtClean="0"/>
+                <a:t>ObjectView</a:t>
+              </a:r>
+              <a:endParaRPr lang="en-US" sz="2000" b="1"/>
+            </a:p>
+          </p:txBody>
+        </p:sp>
+      </p:grpSp>
+      <p:sp>
+        <p:nvSpPr>
+          <p:cNvPr id="2" name="Title 1"/>
+          <p:cNvSpPr>
+            <a:spLocks noGrp="1"/>
+          </p:cNvSpPr>
+          <p:nvPr>
+            <p:ph type="title"/>
+          </p:nvPr>
+        </p:nvSpPr>
+        <p:spPr/>
+        <p:txBody>
+          <a:bodyPr/>
+          <a:lstStyle/>
+          <a:p>
+            <a:endParaRPr lang="en-US"/>
+          </a:p>
+        </p:txBody>
+      </p:sp>
+      <p:sp>
+        <p:nvSpPr>
+          <p:cNvPr id="5" name="Rounded Rectangle 4"/>
+          <p:cNvSpPr/>
+          <p:nvPr/>
+        </p:nvSpPr>
+        <p:spPr>
+          <a:xfrm>
+            <a:off x="609600" y="2438400"/>
+            <a:ext cx="1447800" cy="1143000"/>
+          </a:xfrm>
+          <a:prstGeom prst="roundRect">
+            <a:avLst>
+              <a:gd name="adj" fmla="val 3886"/>
+            </a:avLst>
+          </a:prstGeom>
+        </p:spPr>
+        <p:style>
+          <a:lnRef idx="1">
+            <a:schemeClr val="accent5"/>
+          </a:lnRef>
+          <a:fillRef idx="2">
+            <a:schemeClr val="accent5"/>
+          </a:fillRef>
+          <a:effectRef idx="1">
+            <a:schemeClr val="accent5"/>
+          </a:effectRef>
+          <a:fontRef idx="minor">
+            <a:schemeClr val="dk1"/>
+          </a:fontRef>
+        </p:style>
+        <p:txBody>
+          <a:bodyPr rtlCol="0" anchor="ctr"/>
+          <a:lstStyle/>
+          <a:p>
+            <a:pPr algn="ctr"/>
+            <a:endParaRPr lang="en-US" sz="2000" b="1"/>
+          </a:p>
+        </p:txBody>
+      </p:sp>
+      <p:sp>
+        <p:nvSpPr>
+          <p:cNvPr id="16" name="TextBox 15"/>
+          <p:cNvSpPr txBox="1"/>
+          <p:nvPr/>
+        </p:nvSpPr>
+        <p:spPr>
+          <a:xfrm>
+            <a:off x="762000" y="2667000"/>
+            <a:ext cx="1096819" cy="400110"/>
+          </a:xfrm>
+          <a:prstGeom prst="rect">
+            <a:avLst/>
+          </a:prstGeom>
+          <a:noFill/>
+        </p:spPr>
+        <p:txBody>
+          <a:bodyPr wrap="square" rtlCol="0">
+            <a:spAutoFit/>
+          </a:bodyPr>
+          <a:lstStyle/>
+          <a:p>
+            <a:pPr algn="ctr"/>
+            <a:r>
+              <a:rPr lang="en-US" sz="2000" b="1" smtClean="0"/>
+              <a:t>Scene</a:t>
+            </a:r>
+            <a:endParaRPr lang="en-US" sz="2000" b="1"/>
+          </a:p>
+        </p:txBody>
+      </p:sp>
+      <p:sp>
+        <p:nvSpPr>
+          <p:cNvPr id="21" name="Rounded Rectangle 20"/>
+          <p:cNvSpPr/>
+          <p:nvPr/>
+        </p:nvSpPr>
+        <p:spPr>
+          <a:xfrm>
+            <a:off x="609600" y="4038600"/>
+            <a:ext cx="1447800" cy="1066800"/>
+          </a:xfrm>
+          <a:prstGeom prst="roundRect">
+            <a:avLst>
+              <a:gd name="adj" fmla="val 3886"/>
+            </a:avLst>
+          </a:prstGeom>
+        </p:spPr>
+        <p:style>
+          <a:lnRef idx="1">
+            <a:schemeClr val="accent5"/>
+          </a:lnRef>
+          <a:fillRef idx="2">
+            <a:schemeClr val="accent5"/>
+          </a:fillRef>
+          <a:effectRef idx="1">
+            <a:schemeClr val="accent5"/>
+          </a:effectRef>
+          <a:fontRef idx="minor">
+            <a:schemeClr val="dk1"/>
+          </a:fontRef>
+        </p:style>
+        <p:txBody>
+          <a:bodyPr rtlCol="0" anchor="ctr"/>
+          <a:lstStyle/>
+          <a:p>
+            <a:pPr algn="ctr"/>
+            <a:r>
+              <a:rPr lang="en-US" sz="2000" b="1" smtClean="0"/>
+              <a:t>Babylon Engine</a:t>
+            </a:r>
+            <a:endParaRPr lang="en-US" sz="2000" b="1"/>
+          </a:p>
+        </p:txBody>
+      </p:sp>
+      <p:sp>
+        <p:nvSpPr>
+          <p:cNvPr id="22" name="Striped Right Arrow 21"/>
+          <p:cNvSpPr/>
+          <p:nvPr/>
+        </p:nvSpPr>
+        <p:spPr>
+          <a:xfrm rot="16200000" flipH="1">
+            <a:off x="952500" y="3467100"/>
+            <a:ext cx="762000" cy="685800"/>
+          </a:xfrm>
+          <a:prstGeom prst="stripedRightArrow">
+            <a:avLst/>
+          </a:prstGeom>
+        </p:spPr>
+        <p:style>
+          <a:lnRef idx="1">
+            <a:schemeClr val="accent4"/>
+          </a:lnRef>
+          <a:fillRef idx="2">
+            <a:schemeClr val="accent4"/>
+          </a:fillRef>
+          <a:effectRef idx="1">
+            <a:schemeClr val="accent4"/>
+          </a:effectRef>
+          <a:fontRef idx="minor">
+            <a:schemeClr val="dk1"/>
+          </a:fontRef>
+        </p:style>
+        <p:txBody>
+          <a:bodyPr rtlCol="0" anchor="ctr"/>
+          <a:lstStyle/>
+          <a:p>
+            <a:pPr algn="ctr"/>
+            <a:endParaRPr lang="en-US">
+              <a:solidFill>
+                <a:schemeClr val="tx1"/>
+              </a:solidFill>
+            </a:endParaRPr>
+          </a:p>
+        </p:txBody>
+      </p:sp>
+      <p:grpSp>
+        <p:nvGrpSpPr>
+          <p:cNvPr id="42" name="Group 41"/>
+          <p:cNvGrpSpPr/>
+          <p:nvPr/>
+        </p:nvGrpSpPr>
+        <p:grpSpPr>
+          <a:xfrm>
+            <a:off x="4114800" y="2514600"/>
+            <a:ext cx="2590800" cy="1828800"/>
+            <a:chOff x="2514600" y="2438400"/>
+            <a:chExt cx="3429000" cy="1828800"/>
+          </a:xfrm>
+        </p:grpSpPr>
+        <p:grpSp>
+          <p:nvGrpSpPr>
+            <p:cNvPr id="43" name="Group 31"/>
+            <p:cNvGrpSpPr/>
+            <p:nvPr/>
+          </p:nvGrpSpPr>
+          <p:grpSpPr>
+            <a:xfrm>
+              <a:off x="2514600" y="2438400"/>
+              <a:ext cx="3429000" cy="1828800"/>
+              <a:chOff x="2743200" y="2438400"/>
+              <a:chExt cx="3429000" cy="1295400"/>
+            </a:xfrm>
+          </p:grpSpPr>
+          <p:sp>
+            <p:nvSpPr>
+              <p:cNvPr id="46" name="Rounded Rectangle 45"/>
+              <p:cNvSpPr/>
+              <p:nvPr/>
+            </p:nvSpPr>
+            <p:spPr>
+              <a:xfrm>
+                <a:off x="2743200" y="2438400"/>
+                <a:ext cx="2895600" cy="1295400"/>
+              </a:xfrm>
+              <a:prstGeom prst="roundRect">
+                <a:avLst>
+                  <a:gd name="adj" fmla="val 3886"/>
+                </a:avLst>
+              </a:prstGeom>
+            </p:spPr>
+            <p:style>
+              <a:lnRef idx="1">
+                <a:schemeClr val="accent5"/>
+              </a:lnRef>
+              <a:fillRef idx="2">
+                <a:schemeClr val="accent5"/>
+              </a:fillRef>
+              <a:effectRef idx="1">
+                <a:schemeClr val="accent5"/>
+              </a:effectRef>
+              <a:fontRef idx="minor">
+                <a:schemeClr val="dk1"/>
+              </a:fontRef>
+            </p:style>
+            <p:txBody>
+              <a:bodyPr rtlCol="0" anchor="ctr"/>
+              <a:lstStyle/>
+              <a:p>
+                <a:pPr algn="ctr"/>
+                <a:endParaRPr lang="en-US" sz="2000" b="1"/>
+              </a:p>
+            </p:txBody>
+          </p:sp>
+          <p:cxnSp>
+            <p:nvCxnSpPr>
+              <p:cNvPr id="47" name="Straight Connector 46"/>
+              <p:cNvCxnSpPr/>
+              <p:nvPr/>
+            </p:nvCxnSpPr>
+            <p:spPr>
+              <a:xfrm>
+                <a:off x="5562600" y="2819400"/>
+                <a:ext cx="609600" cy="0"/>
+              </a:xfrm>
+              <a:prstGeom prst="line">
+                <a:avLst/>
+              </a:prstGeom>
+              <a:ln w="57150">
+                <a:headEnd type="oval" w="med" len="med"/>
+                <a:tailEnd type="oval" w="med" len="med"/>
+              </a:ln>
+            </p:spPr>
+            <p:style>
+              <a:lnRef idx="3">
+                <a:schemeClr val="accent1"/>
+              </a:lnRef>
+              <a:fillRef idx="0">
+                <a:schemeClr val="accent1"/>
+              </a:fillRef>
+              <a:effectRef idx="2">
+                <a:schemeClr val="accent1"/>
+              </a:effectRef>
+              <a:fontRef idx="minor">
+                <a:schemeClr val="tx1"/>
+              </a:fontRef>
+            </p:style>
+          </p:cxnSp>
+          <p:cxnSp>
+            <p:nvCxnSpPr>
+              <p:cNvPr id="48" name="Straight Connector 47"/>
+              <p:cNvCxnSpPr/>
+              <p:nvPr/>
+            </p:nvCxnSpPr>
+            <p:spPr>
+              <a:xfrm>
+                <a:off x="5562600" y="3352800"/>
+                <a:ext cx="609600" cy="0"/>
+              </a:xfrm>
+              <a:prstGeom prst="line">
+                <a:avLst/>
+              </a:prstGeom>
+              <a:ln w="57150">
+                <a:headEnd type="oval" w="med" len="med"/>
+                <a:tailEnd type="oval" w="med" len="med"/>
+              </a:ln>
+            </p:spPr>
+            <p:style>
+              <a:lnRef idx="3">
+                <a:schemeClr val="accent1"/>
+              </a:lnRef>
+              <a:fillRef idx="0">
+                <a:schemeClr val="accent1"/>
+              </a:fillRef>
+              <a:effectRef idx="2">
+                <a:schemeClr val="accent1"/>
+              </a:effectRef>
+              <a:fontRef idx="minor">
+                <a:schemeClr val="tx1"/>
+              </a:fontRef>
+            </p:style>
+          </p:cxnSp>
+        </p:grpSp>
+        <p:sp>
+          <p:nvSpPr>
+            <p:cNvPr id="45" name="TextBox 44"/>
+            <p:cNvSpPr txBox="1"/>
+            <p:nvPr/>
+          </p:nvSpPr>
+          <p:spPr>
+            <a:xfrm>
+              <a:off x="3523129" y="3124200"/>
+              <a:ext cx="1905000" cy="400110"/>
+            </a:xfrm>
+            <a:prstGeom prst="rect">
+              <a:avLst/>
+            </a:prstGeom>
+            <a:noFill/>
+          </p:spPr>
+          <p:txBody>
+            <a:bodyPr wrap="square" rtlCol="0">
+              <a:spAutoFit/>
+            </a:bodyPr>
+            <a:lstStyle/>
+            <a:p>
+              <a:pPr algn="ctr"/>
+              <a:r>
+                <a:rPr lang="en-US" sz="2000" b="1" smtClean="0"/>
+                <a:t>ObjectView</a:t>
+              </a:r>
+              <a:endParaRPr lang="en-US" sz="2000" b="1"/>
+            </a:p>
+          </p:txBody>
+        </p:sp>
+      </p:grpSp>
+      <p:grpSp>
+        <p:nvGrpSpPr>
+          <p:cNvPr id="23" name="Group 22"/>
+          <p:cNvGrpSpPr/>
+          <p:nvPr/>
+        </p:nvGrpSpPr>
+        <p:grpSpPr>
+          <a:xfrm>
+            <a:off x="2438400" y="2971800"/>
+            <a:ext cx="2438400" cy="1066800"/>
+            <a:chOff x="3886200" y="2438400"/>
+            <a:chExt cx="2514600" cy="1794164"/>
+          </a:xfrm>
+        </p:grpSpPr>
+        <p:sp>
+          <p:nvSpPr>
+            <p:cNvPr id="24" name="Rounded Rectangle 23"/>
+            <p:cNvSpPr/>
+            <p:nvPr/>
+          </p:nvSpPr>
+          <p:spPr>
+            <a:xfrm>
+              <a:off x="3886200" y="2438400"/>
+              <a:ext cx="2514600" cy="1794164"/>
+            </a:xfrm>
+            <a:prstGeom prst="roundRect">
+              <a:avLst>
+                <a:gd name="adj" fmla="val 3886"/>
+              </a:avLst>
+            </a:prstGeom>
+          </p:spPr>
+          <p:style>
+            <a:lnRef idx="2">
+              <a:schemeClr val="accent5">
+                <a:shade val="50000"/>
+              </a:schemeClr>
+            </a:lnRef>
+            <a:fillRef idx="1">
+              <a:schemeClr val="accent5"/>
+            </a:fillRef>
+            <a:effectRef idx="0">
+              <a:schemeClr val="accent5"/>
+            </a:effectRef>
+            <a:fontRef idx="minor">
+              <a:schemeClr val="lt1"/>
+            </a:fontRef>
+          </p:style>
+          <p:txBody>
+            <a:bodyPr rtlCol="0" anchor="ctr"/>
+            <a:lstStyle/>
+            <a:p>
+              <a:pPr algn="ctr"/>
+              <a:endParaRPr lang="en-US" sz="2000" b="1"/>
+            </a:p>
+          </p:txBody>
+        </p:sp>
+        <p:sp>
+          <p:nvSpPr>
+            <p:cNvPr id="25" name="TextBox 24"/>
+            <p:cNvSpPr txBox="1"/>
+            <p:nvPr/>
+          </p:nvSpPr>
+          <p:spPr>
+            <a:xfrm>
+              <a:off x="4114800" y="2667000"/>
+              <a:ext cx="2057400" cy="668482"/>
+            </a:xfrm>
+            <a:prstGeom prst="rect">
+              <a:avLst/>
+            </a:prstGeom>
+            <a:ln>
+              <a:noFill/>
+            </a:ln>
+          </p:spPr>
+          <p:style>
+            <a:lnRef idx="2">
+              <a:schemeClr val="accent5">
+                <a:shade val="50000"/>
+              </a:schemeClr>
+            </a:lnRef>
+            <a:fillRef idx="1">
+              <a:schemeClr val="accent5"/>
+            </a:fillRef>
+            <a:effectRef idx="0">
+              <a:schemeClr val="accent5"/>
+            </a:effectRef>
+            <a:fontRef idx="minor">
+              <a:schemeClr val="lt1"/>
+            </a:fontRef>
+          </p:style>
+          <p:txBody>
+            <a:bodyPr wrap="square" rtlCol="0">
+              <a:spAutoFit/>
+            </a:bodyPr>
+            <a:lstStyle/>
+            <a:p>
+              <a:pPr algn="ctr"/>
+              <a:r>
+                <a:rPr lang="en-US" sz="2000" b="1" smtClean="0"/>
+                <a:t>Model</a:t>
+              </a:r>
+              <a:endParaRPr lang="en-US" sz="2000" b="1"/>
+            </a:p>
+          </p:txBody>
+        </p:sp>
+      </p:grpSp>
+      <p:sp>
+        <p:nvSpPr>
+          <p:cNvPr id="49" name="Rounded Rectangle 48"/>
+          <p:cNvSpPr/>
+          <p:nvPr/>
+        </p:nvSpPr>
+        <p:spPr>
+          <a:xfrm>
+            <a:off x="2362200" y="4648200"/>
+            <a:ext cx="2514600" cy="838200"/>
+          </a:xfrm>
+          <a:prstGeom prst="roundRect">
+            <a:avLst>
+              <a:gd name="adj" fmla="val 3886"/>
+            </a:avLst>
+          </a:prstGeom>
+        </p:spPr>
+        <p:style>
+          <a:lnRef idx="1">
+            <a:schemeClr val="accent5"/>
+          </a:lnRef>
+          <a:fillRef idx="2">
+            <a:schemeClr val="accent5"/>
+          </a:fillRef>
+          <a:effectRef idx="1">
+            <a:schemeClr val="accent5"/>
+          </a:effectRef>
+          <a:fontRef idx="minor">
+            <a:schemeClr val="dk1"/>
+          </a:fontRef>
+        </p:style>
+        <p:txBody>
+          <a:bodyPr rtlCol="0" anchor="ctr"/>
+          <a:lstStyle/>
+          <a:p>
+            <a:pPr algn="ctr"/>
+            <a:r>
+              <a:rPr lang="en-US" sz="2000" b="1" smtClean="0"/>
+              <a:t>Shader effect</a:t>
+            </a:r>
+            <a:endParaRPr lang="en-US" sz="2000" b="1"/>
+          </a:p>
+        </p:txBody>
+      </p:sp>
+      <p:sp>
+        <p:nvSpPr>
+          <p:cNvPr id="50" name="Striped Right Arrow 49"/>
+          <p:cNvSpPr/>
+          <p:nvPr/>
+        </p:nvSpPr>
+        <p:spPr>
+          <a:xfrm rot="16200000" flipH="1">
+            <a:off x="3238500" y="4076700"/>
+            <a:ext cx="914400" cy="685800"/>
+          </a:xfrm>
+          <a:prstGeom prst="stripedRightArrow">
+            <a:avLst/>
+          </a:prstGeom>
+        </p:spPr>
+        <p:style>
+          <a:lnRef idx="1">
+            <a:schemeClr val="accent4"/>
+          </a:lnRef>
+          <a:fillRef idx="2">
+            <a:schemeClr val="accent4"/>
+          </a:fillRef>
+          <a:effectRef idx="1">
+            <a:schemeClr val="accent4"/>
+          </a:effectRef>
+          <a:fontRef idx="minor">
+            <a:schemeClr val="dk1"/>
+          </a:fontRef>
+        </p:style>
+        <p:txBody>
+          <a:bodyPr rtlCol="0" anchor="ctr"/>
+          <a:lstStyle/>
+          <a:p>
+            <a:pPr algn="ctr"/>
+            <a:endParaRPr lang="en-US">
+              <a:solidFill>
+                <a:schemeClr val="tx1"/>
+              </a:solidFill>
+            </a:endParaRPr>
+          </a:p>
+        </p:txBody>
+      </p:sp>
+    </p:spTree>
+  </p:cSld>
+  <p:clrMapOvr>
+    <a:masterClrMapping/>
+  </p:clrMapOvr>
+</p:sld>
+</file>
+
+<file path=ppt/slides/slide16.xml><?xml version="1.0" encoding="utf-8"?>
+<p:sld xmlns:a="http://schemas.openxmlformats.org/drawingml/2006/main" xmlns:r="http://schemas.openxmlformats.org/officeDocument/2006/relationships" xmlns:p="http://schemas.openxmlformats.org/presentationml/2006/main">
+  <p:cSld>
+    <p:spTree>
+      <p:nvGrpSpPr>
+        <p:cNvPr id="1" name=""/>
+        <p:cNvGrpSpPr/>
+        <p:nvPr/>
+      </p:nvGrpSpPr>
+      <p:grpSpPr>
+        <a:xfrm>
+          <a:off x="0" y="0"/>
+          <a:ext cx="0" cy="0"/>
+          <a:chOff x="0" y="0"/>
+          <a:chExt cx="0" cy="0"/>
+        </a:xfrm>
+      </p:grpSpPr>
+      <p:grpSp>
+        <p:nvGrpSpPr>
+          <p:cNvPr id="3" name="Group 27"/>
+          <p:cNvGrpSpPr/>
+          <p:nvPr/>
+        </p:nvGrpSpPr>
+        <p:grpSpPr>
+          <a:xfrm>
+            <a:off x="381000" y="1752600"/>
+            <a:ext cx="3200400" cy="4191000"/>
+            <a:chOff x="228600" y="1752600"/>
+            <a:chExt cx="3352800" cy="3581400"/>
+          </a:xfrm>
+        </p:grpSpPr>
+        <p:sp>
+          <p:nvSpPr>
+            <p:cNvPr id="9" name="Rounded Rectangle 8"/>
+            <p:cNvSpPr/>
+            <p:nvPr/>
+          </p:nvSpPr>
+          <p:spPr>
+            <a:xfrm>
+              <a:off x="228600" y="1752600"/>
+              <a:ext cx="3352800" cy="3581400"/>
+            </a:xfrm>
+            <a:prstGeom prst="roundRect">
+              <a:avLst>
+                <a:gd name="adj" fmla="val 3886"/>
+              </a:avLst>
+            </a:prstGeom>
+          </p:spPr>
+          <p:style>
+            <a:lnRef idx="1">
+              <a:schemeClr val="accent6"/>
+            </a:lnRef>
+            <a:fillRef idx="2">
+              <a:schemeClr val="accent6"/>
+            </a:fillRef>
+            <a:effectRef idx="1">
+              <a:schemeClr val="accent6"/>
+            </a:effectRef>
+            <a:fontRef idx="minor">
+              <a:schemeClr val="dk1"/>
+            </a:fontRef>
+          </p:style>
+          <p:txBody>
+            <a:bodyPr rtlCol="0" anchor="ctr"/>
+            <a:lstStyle/>
+            <a:p>
+              <a:pPr algn="ctr"/>
+              <a:endParaRPr lang="en-US" sz="2000" b="1"/>
+            </a:p>
+          </p:txBody>
+        </p:sp>
+        <p:sp>
+          <p:nvSpPr>
+            <p:cNvPr id="39" name="TextBox 38"/>
+            <p:cNvSpPr txBox="1"/>
+            <p:nvPr/>
+          </p:nvSpPr>
+          <p:spPr>
+            <a:xfrm>
+              <a:off x="685800" y="1905000"/>
+              <a:ext cx="2514600" cy="400110"/>
+            </a:xfrm>
+            <a:prstGeom prst="rect">
+              <a:avLst/>
+            </a:prstGeom>
+            <a:noFill/>
+          </p:spPr>
+          <p:txBody>
+            <a:bodyPr wrap="square" rtlCol="0">
+              <a:spAutoFit/>
+            </a:bodyPr>
+            <a:lstStyle/>
+            <a:p>
+              <a:pPr algn="ctr"/>
+              <a:r>
+                <a:rPr lang="en-US" sz="2000" b="1" smtClean="0"/>
+                <a:t>TourView</a:t>
+              </a:r>
+              <a:endParaRPr lang="en-US" sz="2000" b="1"/>
+            </a:p>
+          </p:txBody>
+        </p:sp>
+      </p:grpSp>
+      <p:grpSp>
+        <p:nvGrpSpPr>
+          <p:cNvPr id="4" name="Group 31"/>
+          <p:cNvGrpSpPr/>
+          <p:nvPr/>
+        </p:nvGrpSpPr>
+        <p:grpSpPr>
+          <a:xfrm>
+            <a:off x="3886200" y="1752600"/>
+            <a:ext cx="4953000" cy="4191000"/>
+            <a:chOff x="228600" y="1752600"/>
+            <a:chExt cx="3352800" cy="4191000"/>
+          </a:xfrm>
+        </p:grpSpPr>
+        <p:sp>
+          <p:nvSpPr>
+            <p:cNvPr id="33" name="Rounded Rectangle 32"/>
+            <p:cNvSpPr/>
+            <p:nvPr/>
+          </p:nvSpPr>
+          <p:spPr>
+            <a:xfrm>
+              <a:off x="228600" y="1752600"/>
+              <a:ext cx="3352800" cy="4191000"/>
+            </a:xfrm>
+            <a:prstGeom prst="roundRect">
+              <a:avLst>
+                <a:gd name="adj" fmla="val 3886"/>
+              </a:avLst>
+            </a:prstGeom>
+          </p:spPr>
+          <p:style>
+            <a:lnRef idx="1">
+              <a:schemeClr val="accent6"/>
+            </a:lnRef>
+            <a:fillRef idx="2">
+              <a:schemeClr val="accent6"/>
+            </a:fillRef>
+            <a:effectRef idx="1">
+              <a:schemeClr val="accent6"/>
+            </a:effectRef>
+            <a:fontRef idx="minor">
+              <a:schemeClr val="dk1"/>
+            </a:fontRef>
+          </p:style>
+          <p:txBody>
+            <a:bodyPr rtlCol="0" anchor="ctr"/>
+            <a:lstStyle/>
+            <a:p>
+              <a:pPr algn="ctr"/>
+              <a:endParaRPr lang="en-US" sz="2000" b="1"/>
+            </a:p>
+          </p:txBody>
+        </p:sp>
+        <p:sp>
+          <p:nvSpPr>
+            <p:cNvPr id="40" name="TextBox 39"/>
+            <p:cNvSpPr txBox="1"/>
+            <p:nvPr/>
+          </p:nvSpPr>
+          <p:spPr>
+            <a:xfrm>
+              <a:off x="685800" y="1905000"/>
+              <a:ext cx="2514600" cy="400110"/>
+            </a:xfrm>
+            <a:prstGeom prst="rect">
+              <a:avLst/>
+            </a:prstGeom>
+            <a:noFill/>
+          </p:spPr>
+          <p:txBody>
+            <a:bodyPr wrap="square" rtlCol="0">
+              <a:spAutoFit/>
+            </a:bodyPr>
+            <a:lstStyle/>
+            <a:p>
+              <a:pPr algn="ctr"/>
+              <a:r>
+                <a:rPr lang="en-US" sz="2000" b="1" smtClean="0"/>
+                <a:t>ObjectView</a:t>
+              </a:r>
+              <a:endParaRPr lang="en-US" sz="2000" b="1"/>
+            </a:p>
+          </p:txBody>
+        </p:sp>
+      </p:grpSp>
+      <p:sp>
+        <p:nvSpPr>
+          <p:cNvPr id="2" name="Title 1"/>
+          <p:cNvSpPr>
+            <a:spLocks noGrp="1"/>
+          </p:cNvSpPr>
+          <p:nvPr>
+            <p:ph type="title"/>
+          </p:nvPr>
+        </p:nvSpPr>
+        <p:spPr/>
+        <p:txBody>
+          <a:bodyPr/>
+          <a:lstStyle/>
+          <a:p>
+            <a:endParaRPr lang="en-US"/>
+          </a:p>
+        </p:txBody>
+      </p:sp>
+      <p:sp>
+        <p:nvSpPr>
+          <p:cNvPr id="5" name="Rounded Rectangle 4"/>
+          <p:cNvSpPr/>
+          <p:nvPr/>
+        </p:nvSpPr>
+        <p:spPr>
+          <a:xfrm>
+            <a:off x="609600" y="2514600"/>
+            <a:ext cx="1447800" cy="1905000"/>
+          </a:xfrm>
+          <a:prstGeom prst="roundRect">
+            <a:avLst>
+              <a:gd name="adj" fmla="val 3886"/>
+            </a:avLst>
+          </a:prstGeom>
+        </p:spPr>
+        <p:style>
+          <a:lnRef idx="1">
+            <a:schemeClr val="accent5"/>
+          </a:lnRef>
+          <a:fillRef idx="2">
+            <a:schemeClr val="accent5"/>
+          </a:fillRef>
+          <a:effectRef idx="1">
+            <a:schemeClr val="accent5"/>
+          </a:effectRef>
+          <a:fontRef idx="minor">
+            <a:schemeClr val="dk1"/>
+          </a:fontRef>
+        </p:style>
+        <p:txBody>
+          <a:bodyPr rtlCol="0" anchor="ctr"/>
+          <a:lstStyle/>
+          <a:p>
+            <a:pPr algn="ctr"/>
+            <a:endParaRPr lang="en-US" sz="2000" b="1"/>
+          </a:p>
+        </p:txBody>
+      </p:sp>
+      <p:sp>
+        <p:nvSpPr>
+          <p:cNvPr id="16" name="TextBox 15"/>
+          <p:cNvSpPr txBox="1"/>
+          <p:nvPr/>
+        </p:nvSpPr>
+        <p:spPr>
+          <a:xfrm>
+            <a:off x="762000" y="2667000"/>
+            <a:ext cx="1096819" cy="400110"/>
+          </a:xfrm>
+          <a:prstGeom prst="rect">
+            <a:avLst/>
+          </a:prstGeom>
+          <a:noFill/>
+        </p:spPr>
+        <p:txBody>
+          <a:bodyPr wrap="square" rtlCol="0">
+            <a:spAutoFit/>
+          </a:bodyPr>
+          <a:lstStyle/>
+          <a:p>
+            <a:pPr algn="ctr"/>
+            <a:r>
+              <a:rPr lang="en-US" sz="2000" b="1" smtClean="0"/>
+              <a:t>Scene</a:t>
+            </a:r>
+            <a:endParaRPr lang="en-US" sz="2000" b="1"/>
+          </a:p>
+        </p:txBody>
+      </p:sp>
+      <p:sp>
+        <p:nvSpPr>
+          <p:cNvPr id="21" name="Rounded Rectangle 20"/>
+          <p:cNvSpPr/>
+          <p:nvPr/>
+        </p:nvSpPr>
+        <p:spPr>
+          <a:xfrm>
+            <a:off x="609600" y="4648200"/>
+            <a:ext cx="1447800" cy="1066800"/>
+          </a:xfrm>
+          <a:prstGeom prst="roundRect">
+            <a:avLst>
+              <a:gd name="adj" fmla="val 3886"/>
+            </a:avLst>
+          </a:prstGeom>
+        </p:spPr>
+        <p:style>
+          <a:lnRef idx="1">
+            <a:schemeClr val="accent5"/>
+          </a:lnRef>
+          <a:fillRef idx="2">
+            <a:schemeClr val="accent5"/>
+          </a:fillRef>
+          <a:effectRef idx="1">
+            <a:schemeClr val="accent5"/>
+          </a:effectRef>
+          <a:fontRef idx="minor">
+            <a:schemeClr val="dk1"/>
+          </a:fontRef>
+        </p:style>
+        <p:txBody>
+          <a:bodyPr rtlCol="0" anchor="ctr"/>
+          <a:lstStyle/>
+          <a:p>
+            <a:pPr algn="ctr"/>
+            <a:r>
+              <a:rPr lang="en-US" sz="2000" b="1" smtClean="0"/>
+              <a:t>Babylon Engine</a:t>
+            </a:r>
+            <a:endParaRPr lang="en-US" sz="2000" b="1"/>
+          </a:p>
+        </p:txBody>
+      </p:sp>
+      <p:sp>
+        <p:nvSpPr>
+          <p:cNvPr id="22" name="Striped Right Arrow 21"/>
+          <p:cNvSpPr/>
+          <p:nvPr/>
+        </p:nvSpPr>
+        <p:spPr>
+          <a:xfrm rot="16200000" flipH="1">
+            <a:off x="952500" y="4152900"/>
+            <a:ext cx="762000" cy="685800"/>
+          </a:xfrm>
+          <a:prstGeom prst="stripedRightArrow">
+            <a:avLst/>
+          </a:prstGeom>
+        </p:spPr>
+        <p:style>
+          <a:lnRef idx="1">
+            <a:schemeClr val="accent4"/>
+          </a:lnRef>
+          <a:fillRef idx="2">
+            <a:schemeClr val="accent4"/>
+          </a:fillRef>
+          <a:effectRef idx="1">
+            <a:schemeClr val="accent4"/>
+          </a:effectRef>
+          <a:fontRef idx="minor">
+            <a:schemeClr val="dk1"/>
+          </a:fontRef>
+        </p:style>
+        <p:txBody>
+          <a:bodyPr rtlCol="0" anchor="ctr"/>
+          <a:lstStyle/>
+          <a:p>
+            <a:pPr algn="ctr"/>
+            <a:endParaRPr lang="en-US">
+              <a:solidFill>
+                <a:schemeClr val="tx1"/>
+              </a:solidFill>
+            </a:endParaRPr>
+          </a:p>
+        </p:txBody>
+      </p:sp>
+      <p:grpSp>
+        <p:nvGrpSpPr>
+          <p:cNvPr id="6" name="Group 41"/>
+          <p:cNvGrpSpPr/>
+          <p:nvPr/>
+        </p:nvGrpSpPr>
+        <p:grpSpPr>
+          <a:xfrm>
+            <a:off x="4191001" y="2514600"/>
+            <a:ext cx="1908387" cy="1828800"/>
+            <a:chOff x="2615453" y="2438400"/>
+            <a:chExt cx="2525807" cy="1828800"/>
+          </a:xfrm>
+        </p:grpSpPr>
+        <p:grpSp>
+          <p:nvGrpSpPr>
+            <p:cNvPr id="7" name="Group 31"/>
+            <p:cNvGrpSpPr/>
+            <p:nvPr/>
+          </p:nvGrpSpPr>
+          <p:grpSpPr>
+            <a:xfrm>
+              <a:off x="2716303" y="2438400"/>
+              <a:ext cx="2424957" cy="1828800"/>
+              <a:chOff x="2944903" y="2438400"/>
+              <a:chExt cx="2424957" cy="1295400"/>
+            </a:xfrm>
+          </p:grpSpPr>
+          <p:sp>
+            <p:nvSpPr>
+              <p:cNvPr id="46" name="Rounded Rectangle 45"/>
+              <p:cNvSpPr/>
+              <p:nvPr/>
+            </p:nvSpPr>
+            <p:spPr>
+              <a:xfrm>
+                <a:off x="2944903" y="2438400"/>
+                <a:ext cx="1916208" cy="1295400"/>
+              </a:xfrm>
+              <a:prstGeom prst="roundRect">
+                <a:avLst>
+                  <a:gd name="adj" fmla="val 3886"/>
+                </a:avLst>
+              </a:prstGeom>
+            </p:spPr>
+            <p:style>
+              <a:lnRef idx="1">
+                <a:schemeClr val="accent5"/>
+              </a:lnRef>
+              <a:fillRef idx="2">
+                <a:schemeClr val="accent5"/>
+              </a:fillRef>
+              <a:effectRef idx="1">
+                <a:schemeClr val="accent5"/>
+              </a:effectRef>
+              <a:fontRef idx="minor">
+                <a:schemeClr val="dk1"/>
+              </a:fontRef>
+            </p:style>
+            <p:txBody>
+              <a:bodyPr rtlCol="0" anchor="ctr"/>
+              <a:lstStyle/>
+              <a:p>
+                <a:pPr algn="ctr"/>
+                <a:endParaRPr lang="en-US" sz="2000" b="1"/>
+              </a:p>
+            </p:txBody>
+          </p:sp>
+          <p:cxnSp>
+            <p:nvCxnSpPr>
+              <p:cNvPr id="47" name="Straight Connector 46"/>
+              <p:cNvCxnSpPr/>
+              <p:nvPr/>
+            </p:nvCxnSpPr>
+            <p:spPr>
+              <a:xfrm>
+                <a:off x="4760259" y="2654300"/>
+                <a:ext cx="609600" cy="0"/>
+              </a:xfrm>
+              <a:prstGeom prst="line">
+                <a:avLst/>
+              </a:prstGeom>
+              <a:ln w="57150">
+                <a:headEnd type="oval" w="med" len="med"/>
+                <a:tailEnd type="oval" w="med" len="med"/>
+              </a:ln>
+            </p:spPr>
+            <p:style>
+              <a:lnRef idx="3">
+                <a:schemeClr val="accent1"/>
+              </a:lnRef>
+              <a:fillRef idx="0">
+                <a:schemeClr val="accent1"/>
+              </a:fillRef>
+              <a:effectRef idx="2">
+                <a:schemeClr val="accent1"/>
+              </a:effectRef>
+              <a:fontRef idx="minor">
+                <a:schemeClr val="tx1"/>
+              </a:fontRef>
+            </p:style>
+          </p:cxnSp>
+          <p:cxnSp>
+            <p:nvCxnSpPr>
+              <p:cNvPr id="48" name="Straight Connector 47"/>
+              <p:cNvCxnSpPr/>
+              <p:nvPr/>
+            </p:nvCxnSpPr>
+            <p:spPr>
+              <a:xfrm>
+                <a:off x="4760259" y="2870200"/>
+                <a:ext cx="609601" cy="0"/>
+              </a:xfrm>
+              <a:prstGeom prst="line">
+                <a:avLst/>
+              </a:prstGeom>
+              <a:ln w="57150">
+                <a:headEnd type="oval" w="med" len="med"/>
+                <a:tailEnd type="oval" w="med" len="med"/>
+              </a:ln>
+            </p:spPr>
+            <p:style>
+              <a:lnRef idx="3">
+                <a:schemeClr val="accent1"/>
+              </a:lnRef>
+              <a:fillRef idx="0">
+                <a:schemeClr val="accent1"/>
+              </a:fillRef>
+              <a:effectRef idx="2">
+                <a:schemeClr val="accent1"/>
+              </a:effectRef>
+              <a:fontRef idx="minor">
+                <a:schemeClr val="tx1"/>
+              </a:fontRef>
+            </p:style>
+          </p:cxnSp>
+        </p:grpSp>
+        <p:sp>
+          <p:nvSpPr>
+            <p:cNvPr id="45" name="TextBox 44"/>
+            <p:cNvSpPr txBox="1"/>
+            <p:nvPr/>
+          </p:nvSpPr>
+          <p:spPr>
+            <a:xfrm>
+              <a:off x="2615453" y="2438400"/>
+              <a:ext cx="1905000" cy="400110"/>
+            </a:xfrm>
+            <a:prstGeom prst="rect">
+              <a:avLst/>
+            </a:prstGeom>
+            <a:noFill/>
+          </p:spPr>
+          <p:txBody>
+            <a:bodyPr wrap="square" rtlCol="0">
+              <a:spAutoFit/>
+            </a:bodyPr>
+            <a:lstStyle/>
+            <a:p>
+              <a:pPr algn="ctr"/>
+              <a:r>
+                <a:rPr lang="en-US" sz="2000" b="1" smtClean="0"/>
+                <a:t>ObjectView</a:t>
+              </a:r>
+              <a:endParaRPr lang="en-US" sz="2000" b="1"/>
+            </a:p>
+          </p:txBody>
+        </p:sp>
+      </p:grpSp>
+      <p:grpSp>
+        <p:nvGrpSpPr>
+          <p:cNvPr id="8" name="Group 22"/>
+          <p:cNvGrpSpPr/>
+          <p:nvPr/>
+        </p:nvGrpSpPr>
+        <p:grpSpPr>
+          <a:xfrm>
+            <a:off x="3429000" y="2971800"/>
+            <a:ext cx="1219200" cy="1066800"/>
+            <a:chOff x="3886200" y="2438400"/>
+            <a:chExt cx="2514600" cy="1794164"/>
+          </a:xfrm>
+        </p:grpSpPr>
+        <p:sp>
+          <p:nvSpPr>
+            <p:cNvPr id="24" name="Rounded Rectangle 23"/>
+            <p:cNvSpPr/>
+            <p:nvPr/>
+          </p:nvSpPr>
+          <p:spPr>
+            <a:xfrm>
+              <a:off x="3886200" y="2438400"/>
+              <a:ext cx="2514600" cy="1794164"/>
+            </a:xfrm>
+            <a:prstGeom prst="roundRect">
+              <a:avLst>
+                <a:gd name="adj" fmla="val 3886"/>
+              </a:avLst>
+            </a:prstGeom>
+          </p:spPr>
+          <p:style>
+            <a:lnRef idx="2">
+              <a:schemeClr val="accent5">
+                <a:shade val="50000"/>
+              </a:schemeClr>
+            </a:lnRef>
+            <a:fillRef idx="1">
+              <a:schemeClr val="accent5"/>
+            </a:fillRef>
+            <a:effectRef idx="0">
+              <a:schemeClr val="accent5"/>
+            </a:effectRef>
+            <a:fontRef idx="minor">
+              <a:schemeClr val="lt1"/>
+            </a:fontRef>
+          </p:style>
+          <p:txBody>
+            <a:bodyPr rtlCol="0" anchor="ctr"/>
+            <a:lstStyle/>
+            <a:p>
+              <a:pPr algn="ctr"/>
+              <a:endParaRPr lang="en-US" sz="2000" b="1"/>
+            </a:p>
+          </p:txBody>
+        </p:sp>
+        <p:sp>
+          <p:nvSpPr>
+            <p:cNvPr id="25" name="TextBox 24"/>
+            <p:cNvSpPr txBox="1"/>
+            <p:nvPr/>
+          </p:nvSpPr>
+          <p:spPr>
+            <a:xfrm>
+              <a:off x="4114800" y="2667000"/>
+              <a:ext cx="2057400" cy="668482"/>
+            </a:xfrm>
+            <a:prstGeom prst="rect">
+              <a:avLst/>
+            </a:prstGeom>
+            <a:ln>
+              <a:noFill/>
+            </a:ln>
+          </p:spPr>
+          <p:style>
+            <a:lnRef idx="2">
+              <a:schemeClr val="accent5">
+                <a:shade val="50000"/>
+              </a:schemeClr>
+            </a:lnRef>
+            <a:fillRef idx="1">
+              <a:schemeClr val="accent5"/>
+            </a:fillRef>
+            <a:effectRef idx="0">
+              <a:schemeClr val="accent5"/>
+            </a:effectRef>
+            <a:fontRef idx="minor">
+              <a:schemeClr val="lt1"/>
+            </a:fontRef>
+          </p:style>
+          <p:txBody>
+            <a:bodyPr wrap="square" rtlCol="0">
+              <a:spAutoFit/>
+            </a:bodyPr>
+            <a:lstStyle/>
+            <a:p>
+              <a:pPr algn="ctr"/>
+              <a:r>
+                <a:rPr lang="en-US" sz="2000" b="1" smtClean="0"/>
+                <a:t>Model</a:t>
+              </a:r>
+              <a:endParaRPr lang="en-US" sz="2000" b="1"/>
+            </a:p>
+          </p:txBody>
+        </p:sp>
+      </p:grpSp>
+      <p:sp>
+        <p:nvSpPr>
+          <p:cNvPr id="49" name="Rounded Rectangle 48"/>
+          <p:cNvSpPr/>
+          <p:nvPr/>
+        </p:nvSpPr>
+        <p:spPr>
+          <a:xfrm>
+            <a:off x="2743200" y="5486400"/>
+            <a:ext cx="5943600" cy="838200"/>
+          </a:xfrm>
+          <a:prstGeom prst="roundRect">
+            <a:avLst>
+              <a:gd name="adj" fmla="val 3886"/>
+            </a:avLst>
+          </a:prstGeom>
+        </p:spPr>
+        <p:style>
+          <a:lnRef idx="1">
+            <a:schemeClr val="accent5"/>
+          </a:lnRef>
+          <a:fillRef idx="2">
+            <a:schemeClr val="accent5"/>
+          </a:fillRef>
+          <a:effectRef idx="1">
+            <a:schemeClr val="accent5"/>
+          </a:effectRef>
+          <a:fontRef idx="minor">
+            <a:schemeClr val="dk1"/>
+          </a:fontRef>
+        </p:style>
+        <p:txBody>
+          <a:bodyPr rtlCol="0" anchor="ctr"/>
+          <a:lstStyle/>
+          <a:p>
+            <a:pPr algn="ctr"/>
+            <a:r>
+              <a:rPr lang="en-US" sz="2000" b="1" smtClean="0"/>
+              <a:t>Shader effect</a:t>
+            </a:r>
+            <a:endParaRPr lang="en-US" sz="2000" b="1"/>
+          </a:p>
+        </p:txBody>
+      </p:sp>
+      <p:sp>
+        <p:nvSpPr>
+          <p:cNvPr id="50" name="Striped Right Arrow 49"/>
+          <p:cNvSpPr/>
+          <p:nvPr/>
+        </p:nvSpPr>
+        <p:spPr>
+          <a:xfrm rot="16200000" flipH="1">
+            <a:off x="3048000" y="4419600"/>
+            <a:ext cx="1752600" cy="685800"/>
+          </a:xfrm>
+          <a:prstGeom prst="stripedRightArrow">
+            <a:avLst/>
+          </a:prstGeom>
+        </p:spPr>
+        <p:style>
+          <a:lnRef idx="1">
+            <a:schemeClr val="accent4"/>
+          </a:lnRef>
+          <a:fillRef idx="2">
+            <a:schemeClr val="accent4"/>
+          </a:fillRef>
+          <a:effectRef idx="1">
+            <a:schemeClr val="accent4"/>
+          </a:effectRef>
+          <a:fontRef idx="minor">
+            <a:schemeClr val="dk1"/>
+          </a:fontRef>
+        </p:style>
+        <p:txBody>
+          <a:bodyPr rtlCol="0" anchor="ctr"/>
+          <a:lstStyle/>
+          <a:p>
+            <a:pPr algn="ctr"/>
+            <a:endParaRPr lang="en-US">
+              <a:solidFill>
+                <a:schemeClr val="tx1"/>
+              </a:solidFill>
+            </a:endParaRPr>
+          </a:p>
+        </p:txBody>
+      </p:sp>
+      <p:grpSp>
+        <p:nvGrpSpPr>
+          <p:cNvPr id="27" name="Group 22"/>
+          <p:cNvGrpSpPr/>
+          <p:nvPr/>
+        </p:nvGrpSpPr>
+        <p:grpSpPr>
+          <a:xfrm>
+            <a:off x="1828800" y="2729132"/>
+            <a:ext cx="1828800" cy="1524000"/>
+            <a:chOff x="3886200" y="2438400"/>
+            <a:chExt cx="2514600" cy="2563092"/>
+          </a:xfrm>
+        </p:grpSpPr>
+        <p:sp>
+          <p:nvSpPr>
+            <p:cNvPr id="28" name="Rounded Rectangle 27"/>
+            <p:cNvSpPr/>
+            <p:nvPr/>
+          </p:nvSpPr>
+          <p:spPr>
+            <a:xfrm>
+              <a:off x="3886200" y="2438400"/>
+              <a:ext cx="2514600" cy="2563092"/>
+            </a:xfrm>
+            <a:prstGeom prst="roundRect">
+              <a:avLst>
+                <a:gd name="adj" fmla="val 3886"/>
+              </a:avLst>
+            </a:prstGeom>
+          </p:spPr>
+          <p:style>
+            <a:lnRef idx="1">
+              <a:schemeClr val="accent2"/>
+            </a:lnRef>
+            <a:fillRef idx="3">
+              <a:schemeClr val="accent2"/>
+            </a:fillRef>
+            <a:effectRef idx="2">
+              <a:schemeClr val="accent2"/>
+            </a:effectRef>
+            <a:fontRef idx="minor">
+              <a:schemeClr val="lt1"/>
+            </a:fontRef>
+          </p:style>
+          <p:txBody>
+            <a:bodyPr rtlCol="0" anchor="ctr"/>
+            <a:lstStyle/>
+            <a:p>
+              <a:pPr algn="ctr"/>
+              <a:endParaRPr lang="en-US" sz="2000" b="1"/>
+            </a:p>
+          </p:txBody>
+        </p:sp>
+        <p:sp>
+          <p:nvSpPr>
+            <p:cNvPr id="29" name="TextBox 28"/>
+            <p:cNvSpPr txBox="1"/>
+            <p:nvPr/>
+          </p:nvSpPr>
+          <p:spPr>
+            <a:xfrm>
+              <a:off x="4114799" y="2667000"/>
+              <a:ext cx="2057399" cy="2225785"/>
+            </a:xfrm>
+            <a:prstGeom prst="rect">
+              <a:avLst/>
+            </a:prstGeom>
+            <a:noFill/>
+            <a:ln>
+              <a:noFill/>
+            </a:ln>
+          </p:spPr>
+          <p:style>
+            <a:lnRef idx="2">
+              <a:schemeClr val="accent5">
+                <a:shade val="50000"/>
+              </a:schemeClr>
+            </a:lnRef>
+            <a:fillRef idx="1">
+              <a:schemeClr val="accent5"/>
+            </a:fillRef>
+            <a:effectRef idx="0">
+              <a:schemeClr val="accent5"/>
+            </a:effectRef>
+            <a:fontRef idx="minor">
+              <a:schemeClr val="lt1"/>
+            </a:fontRef>
+          </p:style>
+          <p:txBody>
+            <a:bodyPr wrap="square" rtlCol="0">
+              <a:spAutoFit/>
+            </a:bodyPr>
+            <a:lstStyle/>
+            <a:p>
+              <a:pPr algn="ctr"/>
+              <a:r>
+                <a:rPr lang="en-US" sz="2000" b="1" smtClean="0"/>
+                <a:t>Scene – Model  Interaction</a:t>
+              </a:r>
+              <a:endParaRPr lang="en-US" sz="2000" b="1"/>
+            </a:p>
+          </p:txBody>
+        </p:sp>
+      </p:grpSp>
+      <p:grpSp>
+        <p:nvGrpSpPr>
+          <p:cNvPr id="30" name="Group 29"/>
+          <p:cNvGrpSpPr/>
+          <p:nvPr/>
+        </p:nvGrpSpPr>
+        <p:grpSpPr>
+          <a:xfrm>
+            <a:off x="6110068" y="2576732"/>
+            <a:ext cx="2514600" cy="457200"/>
+            <a:chOff x="3581400" y="4953000"/>
+            <a:chExt cx="2209800" cy="457200"/>
+          </a:xfrm>
+        </p:grpSpPr>
+        <p:sp>
+          <p:nvSpPr>
+            <p:cNvPr id="31" name="Rounded Rectangle 30"/>
+            <p:cNvSpPr/>
+            <p:nvPr/>
+          </p:nvSpPr>
+          <p:spPr>
+            <a:xfrm>
+              <a:off x="3886200" y="4953000"/>
+              <a:ext cx="1905000" cy="457200"/>
+            </a:xfrm>
+            <a:prstGeom prst="roundRect">
+              <a:avLst>
+                <a:gd name="adj" fmla="val 36194"/>
+              </a:avLst>
+            </a:prstGeom>
+          </p:spPr>
+          <p:style>
+            <a:lnRef idx="1">
+              <a:schemeClr val="accent2"/>
+            </a:lnRef>
+            <a:fillRef idx="3">
+              <a:schemeClr val="accent2"/>
+            </a:fillRef>
+            <a:effectRef idx="2">
+              <a:schemeClr val="accent2"/>
+            </a:effectRef>
+            <a:fontRef idx="minor">
+              <a:schemeClr val="lt1"/>
+            </a:fontRef>
+          </p:style>
+          <p:txBody>
+            <a:bodyPr rtlCol="0" anchor="ctr"/>
+            <a:lstStyle/>
+            <a:p>
+              <a:pPr algn="ctr"/>
+              <a:r>
+                <a:rPr lang="en-US" sz="2000" b="1" smtClean="0"/>
+                <a:t>RotatedEvent</a:t>
+              </a:r>
+              <a:endParaRPr lang="en-US" sz="2000" b="1"/>
+            </a:p>
+          </p:txBody>
+        </p:sp>
+        <p:cxnSp>
+          <p:nvCxnSpPr>
+            <p:cNvPr id="32" name="Straight Connector 31"/>
+            <p:cNvCxnSpPr>
+              <a:endCxn id="31" idx="1"/>
+            </p:cNvCxnSpPr>
+            <p:nvPr/>
+          </p:nvCxnSpPr>
+          <p:spPr>
+            <a:xfrm>
+              <a:off x="3581400" y="5181600"/>
+              <a:ext cx="304800" cy="0"/>
+            </a:xfrm>
+            <a:prstGeom prst="line">
+              <a:avLst/>
+            </a:prstGeom>
+            <a:ln>
+              <a:headEnd type="oval" w="med" len="med"/>
+              <a:tailEnd type="oval" w="med" len="med"/>
+            </a:ln>
+          </p:spPr>
+          <p:style>
+            <a:lnRef idx="3">
+              <a:schemeClr val="accent2"/>
+            </a:lnRef>
+            <a:fillRef idx="0">
+              <a:schemeClr val="accent2"/>
+            </a:fillRef>
+            <a:effectRef idx="2">
+              <a:schemeClr val="accent2"/>
+            </a:effectRef>
+            <a:fontRef idx="minor">
+              <a:schemeClr val="tx1"/>
+            </a:fontRef>
+          </p:style>
+        </p:cxnSp>
+      </p:grpSp>
+      <p:sp>
+        <p:nvSpPr>
+          <p:cNvPr id="34" name="Rounded Rectangle 33"/>
+          <p:cNvSpPr/>
+          <p:nvPr/>
+        </p:nvSpPr>
+        <p:spPr>
+          <a:xfrm>
+            <a:off x="6096000" y="3429000"/>
+            <a:ext cx="2514600" cy="1447800"/>
+          </a:xfrm>
+          <a:prstGeom prst="roundRect">
+            <a:avLst>
+              <a:gd name="adj" fmla="val 3886"/>
+            </a:avLst>
+          </a:prstGeom>
+        </p:spPr>
+        <p:style>
+          <a:lnRef idx="1">
+            <a:schemeClr val="accent2"/>
+          </a:lnRef>
+          <a:fillRef idx="3">
+            <a:schemeClr val="accent2"/>
+          </a:fillRef>
+          <a:effectRef idx="2">
+            <a:schemeClr val="accent2"/>
+          </a:effectRef>
+          <a:fontRef idx="minor">
+            <a:schemeClr val="lt1"/>
+          </a:fontRef>
+        </p:style>
+        <p:txBody>
+          <a:bodyPr rtlCol="0" anchor="ctr"/>
+          <a:lstStyle/>
+          <a:p>
+            <a:pPr algn="ctr"/>
+            <a:r>
+              <a:rPr lang="en-US" sz="2000" b="1" smtClean="0"/>
+              <a:t>Reflection Effect Component</a:t>
+            </a:r>
+            <a:endParaRPr lang="en-US" sz="2000" b="1"/>
+          </a:p>
+        </p:txBody>
+      </p:sp>
+      <p:sp>
+        <p:nvSpPr>
+          <p:cNvPr id="35" name="Striped Right Arrow 34"/>
+          <p:cNvSpPr/>
+          <p:nvPr/>
+        </p:nvSpPr>
+        <p:spPr>
+          <a:xfrm rot="5400000" flipH="1">
+            <a:off x="6819900" y="4914900"/>
+            <a:ext cx="914400" cy="685800"/>
+          </a:xfrm>
+          <a:prstGeom prst="stripedRightArrow">
+            <a:avLst/>
+          </a:prstGeom>
+        </p:spPr>
+        <p:style>
+          <a:lnRef idx="1">
+            <a:schemeClr val="accent4"/>
+          </a:lnRef>
+          <a:fillRef idx="2">
+            <a:schemeClr val="accent4"/>
+          </a:fillRef>
+          <a:effectRef idx="1">
+            <a:schemeClr val="accent4"/>
+          </a:effectRef>
+          <a:fontRef idx="minor">
+            <a:schemeClr val="dk1"/>
+          </a:fontRef>
+        </p:style>
+        <p:txBody>
+          <a:bodyPr rtlCol="0" anchor="ctr"/>
+          <a:lstStyle/>
+          <a:p>
+            <a:pPr algn="ctr"/>
+            <a:endParaRPr lang="en-US">
+              <a:solidFill>
+                <a:schemeClr val="tx1"/>
+              </a:solidFill>
+            </a:endParaRPr>
+          </a:p>
+        </p:txBody>
+      </p:sp>
+    </p:spTree>
+  </p:cSld>
+  <p:clrMapOvr>
+    <a:masterClrMapping/>
+  </p:clrMapOvr>
+</p:sld>
+</file>
+
 <file path=ppt/slides/slide2.xml><?xml version="1.0" encoding="utf-8"?>
 <p:sld xmlns:a="http://schemas.openxmlformats.org/drawingml/2006/main" xmlns:r="http://schemas.openxmlformats.org/officeDocument/2006/relationships" xmlns:p="http://schemas.openxmlformats.org/presentationml/2006/main">
   <p:cSld>
@@ -11298,6 +15907,384 @@
           </a:fontRef>
         </p:style>
       </p:cxnSp>
+    </p:spTree>
+  </p:cSld>
+  <p:clrMapOvr>
+    <a:masterClrMapping/>
+  </p:clrMapOvr>
+</p:sld>
+</file>
+
+<file path=ppt/slides/slide9.xml><?xml version="1.0" encoding="utf-8"?>
+<p:sld xmlns:a="http://schemas.openxmlformats.org/drawingml/2006/main" xmlns:r="http://schemas.openxmlformats.org/officeDocument/2006/relationships" xmlns:p="http://schemas.openxmlformats.org/presentationml/2006/main">
+  <p:cSld>
+    <p:spTree>
+      <p:nvGrpSpPr>
+        <p:cNvPr id="1" name=""/>
+        <p:cNvGrpSpPr/>
+        <p:nvPr/>
+      </p:nvGrpSpPr>
+      <p:grpSpPr>
+        <a:xfrm>
+          <a:off x="0" y="0"/>
+          <a:ext cx="0" cy="0"/>
+          <a:chOff x="0" y="0"/>
+          <a:chExt cx="0" cy="0"/>
+        </a:xfrm>
+      </p:grpSpPr>
+      <p:sp>
+        <p:nvSpPr>
+          <p:cNvPr id="2" name="Title 1"/>
+          <p:cNvSpPr>
+            <a:spLocks noGrp="1"/>
+          </p:cNvSpPr>
+          <p:nvPr>
+            <p:ph type="title"/>
+          </p:nvPr>
+        </p:nvSpPr>
+        <p:spPr/>
+        <p:txBody>
+          <a:bodyPr/>
+          <a:lstStyle/>
+          <a:p>
+            <a:endParaRPr lang="en-US"/>
+          </a:p>
+        </p:txBody>
+      </p:sp>
+      <p:sp>
+        <p:nvSpPr>
+          <p:cNvPr id="3" name="Content Placeholder 2"/>
+          <p:cNvSpPr>
+            <a:spLocks noGrp="1"/>
+          </p:cNvSpPr>
+          <p:nvPr>
+            <p:ph idx="1"/>
+          </p:nvPr>
+        </p:nvSpPr>
+        <p:spPr/>
+        <p:txBody>
+          <a:bodyPr/>
+          <a:lstStyle/>
+          <a:p>
+            <a:endParaRPr lang="en-US"/>
+          </a:p>
+        </p:txBody>
+      </p:sp>
+      <p:sp>
+        <p:nvSpPr>
+          <p:cNvPr id="6" name="Rounded Rectangle 5"/>
+          <p:cNvSpPr/>
+          <p:nvPr/>
+        </p:nvSpPr>
+        <p:spPr>
+          <a:xfrm>
+            <a:off x="3733800" y="3581400"/>
+            <a:ext cx="3733800" cy="838200"/>
+          </a:xfrm>
+          <a:prstGeom prst="roundRect">
+            <a:avLst>
+              <a:gd name="adj" fmla="val 3886"/>
+            </a:avLst>
+          </a:prstGeom>
+        </p:spPr>
+        <p:style>
+          <a:lnRef idx="1">
+            <a:schemeClr val="accent3"/>
+          </a:lnRef>
+          <a:fillRef idx="2">
+            <a:schemeClr val="accent3"/>
+          </a:fillRef>
+          <a:effectRef idx="1">
+            <a:schemeClr val="accent3"/>
+          </a:effectRef>
+          <a:fontRef idx="minor">
+            <a:schemeClr val="dk1"/>
+          </a:fontRef>
+        </p:style>
+        <p:txBody>
+          <a:bodyPr rtlCol="0" anchor="ctr"/>
+          <a:lstStyle/>
+          <a:p>
+            <a:pPr algn="ctr"/>
+            <a:r>
+              <a:rPr lang="en-US" sz="2000" b="1" smtClean="0"/>
+              <a:t>Trình diễn đối tượng </a:t>
+            </a:r>
+          </a:p>
+          <a:p>
+            <a:pPr algn="ctr"/>
+            <a:r>
+              <a:rPr lang="en-US" sz="2000" b="1" smtClean="0"/>
+              <a:t>trong không gian</a:t>
+            </a:r>
+            <a:endParaRPr lang="en-US" sz="2000" b="1"/>
+          </a:p>
+        </p:txBody>
+      </p:sp>
+      <p:sp>
+        <p:nvSpPr>
+          <p:cNvPr id="7" name="Rounded Rectangle 6"/>
+          <p:cNvSpPr/>
+          <p:nvPr/>
+        </p:nvSpPr>
+        <p:spPr>
+          <a:xfrm>
+            <a:off x="3733800" y="1981200"/>
+            <a:ext cx="3733800" cy="914400"/>
+          </a:xfrm>
+          <a:prstGeom prst="roundRect">
+            <a:avLst>
+              <a:gd name="adj" fmla="val 3886"/>
+            </a:avLst>
+          </a:prstGeom>
+        </p:spPr>
+        <p:style>
+          <a:lnRef idx="1">
+            <a:schemeClr val="accent5"/>
+          </a:lnRef>
+          <a:fillRef idx="2">
+            <a:schemeClr val="accent5"/>
+          </a:fillRef>
+          <a:effectRef idx="1">
+            <a:schemeClr val="accent5"/>
+          </a:effectRef>
+          <a:fontRef idx="minor">
+            <a:schemeClr val="dk1"/>
+          </a:fontRef>
+        </p:style>
+        <p:txBody>
+          <a:bodyPr rtlCol="0" anchor="ctr"/>
+          <a:lstStyle/>
+          <a:p>
+            <a:pPr algn="ctr"/>
+            <a:r>
+              <a:rPr lang="en-US" sz="2000" b="1" smtClean="0"/>
+              <a:t>Thiết kế đối tượng </a:t>
+            </a:r>
+          </a:p>
+          <a:p>
+            <a:pPr algn="ctr"/>
+            <a:r>
+              <a:rPr lang="en-US" sz="2000" b="1" smtClean="0"/>
+              <a:t>trong không gian</a:t>
+            </a:r>
+            <a:endParaRPr lang="en-US" sz="2000" b="1"/>
+          </a:p>
+        </p:txBody>
+      </p:sp>
+      <p:sp>
+        <p:nvSpPr>
+          <p:cNvPr id="9" name="Rounded Rectangle 8"/>
+          <p:cNvSpPr/>
+          <p:nvPr/>
+        </p:nvSpPr>
+        <p:spPr>
+          <a:xfrm>
+            <a:off x="3657600" y="381000"/>
+            <a:ext cx="3810000" cy="928468"/>
+          </a:xfrm>
+          <a:prstGeom prst="roundRect">
+            <a:avLst>
+              <a:gd name="adj" fmla="val 3886"/>
+            </a:avLst>
+          </a:prstGeom>
+        </p:spPr>
+        <p:style>
+          <a:lnRef idx="1">
+            <a:schemeClr val="accent6"/>
+          </a:lnRef>
+          <a:fillRef idx="2">
+            <a:schemeClr val="accent6"/>
+          </a:fillRef>
+          <a:effectRef idx="1">
+            <a:schemeClr val="accent6"/>
+          </a:effectRef>
+          <a:fontRef idx="minor">
+            <a:schemeClr val="dk1"/>
+          </a:fontRef>
+        </p:style>
+        <p:txBody>
+          <a:bodyPr rtlCol="0" anchor="ctr"/>
+          <a:lstStyle/>
+          <a:p>
+            <a:pPr algn="ctr"/>
+            <a:r>
+              <a:rPr lang="en-US" sz="2000" b="1" smtClean="0"/>
+              <a:t>Tạo mô hình 3D vật từ kinect</a:t>
+            </a:r>
+            <a:endParaRPr lang="en-US" sz="2000" b="1"/>
+          </a:p>
+        </p:txBody>
+      </p:sp>
+      <p:sp>
+        <p:nvSpPr>
+          <p:cNvPr id="15" name="Striped Right Arrow 14"/>
+          <p:cNvSpPr/>
+          <p:nvPr/>
+        </p:nvSpPr>
+        <p:spPr>
+          <a:xfrm rot="16200000" flipH="1">
+            <a:off x="5143500" y="2857500"/>
+            <a:ext cx="1066800" cy="990600"/>
+          </a:xfrm>
+          <a:prstGeom prst="stripedRightArrow">
+            <a:avLst/>
+          </a:prstGeom>
+        </p:spPr>
+        <p:style>
+          <a:lnRef idx="1">
+            <a:schemeClr val="accent4"/>
+          </a:lnRef>
+          <a:fillRef idx="2">
+            <a:schemeClr val="accent4"/>
+          </a:fillRef>
+          <a:effectRef idx="1">
+            <a:schemeClr val="accent4"/>
+          </a:effectRef>
+          <a:fontRef idx="minor">
+            <a:schemeClr val="dk1"/>
+          </a:fontRef>
+        </p:style>
+        <p:txBody>
+          <a:bodyPr rtlCol="0" anchor="ctr"/>
+          <a:lstStyle/>
+          <a:p>
+            <a:pPr algn="ctr"/>
+            <a:endParaRPr lang="en-US">
+              <a:solidFill>
+                <a:schemeClr val="tx1"/>
+              </a:solidFill>
+            </a:endParaRPr>
+          </a:p>
+        </p:txBody>
+      </p:sp>
+      <p:pic>
+        <p:nvPicPr>
+          <p:cNvPr id="24" name="Picture 2"/>
+          <p:cNvPicPr>
+            <a:picLocks noChangeAspect="1" noChangeArrowheads="1"/>
+          </p:cNvPicPr>
+          <p:nvPr/>
+        </p:nvPicPr>
+        <p:blipFill>
+          <a:blip r:embed="rId2" cstate="print">
+            <a:clrChange>
+              <a:clrFrom>
+                <a:srgbClr val="FFFFFF"/>
+              </a:clrFrom>
+              <a:clrTo>
+                <a:srgbClr val="FFFFFF">
+                  <a:alpha val="0"/>
+                </a:srgbClr>
+              </a:clrTo>
+            </a:clrChange>
+          </a:blip>
+          <a:srcRect t="26000" b="24000"/>
+          <a:stretch>
+            <a:fillRect/>
+          </a:stretch>
+        </p:blipFill>
+        <p:spPr bwMode="auto">
+          <a:xfrm>
+            <a:off x="381000" y="533400"/>
+            <a:ext cx="2819400" cy="881063"/>
+          </a:xfrm>
+          <a:prstGeom prst="rect">
+            <a:avLst/>
+          </a:prstGeom>
+          <a:noFill/>
+          <a:ln w="9525">
+            <a:noFill/>
+            <a:miter lim="800000"/>
+            <a:headEnd/>
+            <a:tailEnd/>
+          </a:ln>
+        </p:spPr>
+      </p:pic>
+      <p:sp>
+        <p:nvSpPr>
+          <p:cNvPr id="25" name="Striped Right Arrow 24"/>
+          <p:cNvSpPr/>
+          <p:nvPr/>
+        </p:nvSpPr>
+        <p:spPr>
+          <a:xfrm rot="16200000" flipH="1">
+            <a:off x="5067300" y="1181100"/>
+            <a:ext cx="1066800" cy="990600"/>
+          </a:xfrm>
+          <a:prstGeom prst="stripedRightArrow">
+            <a:avLst/>
+          </a:prstGeom>
+        </p:spPr>
+        <p:style>
+          <a:lnRef idx="1">
+            <a:schemeClr val="accent4"/>
+          </a:lnRef>
+          <a:fillRef idx="2">
+            <a:schemeClr val="accent4"/>
+          </a:fillRef>
+          <a:effectRef idx="1">
+            <a:schemeClr val="accent4"/>
+          </a:effectRef>
+          <a:fontRef idx="minor">
+            <a:schemeClr val="dk1"/>
+          </a:fontRef>
+        </p:style>
+        <p:txBody>
+          <a:bodyPr rtlCol="0" anchor="ctr"/>
+          <a:lstStyle/>
+          <a:p>
+            <a:pPr algn="ctr"/>
+            <a:endParaRPr lang="en-US">
+              <a:solidFill>
+                <a:schemeClr val="tx1"/>
+              </a:solidFill>
+            </a:endParaRPr>
+          </a:p>
+        </p:txBody>
+      </p:sp>
+      <p:sp>
+        <p:nvSpPr>
+          <p:cNvPr id="26" name="Striped Right Arrow 25"/>
+          <p:cNvSpPr/>
+          <p:nvPr/>
+        </p:nvSpPr>
+        <p:spPr>
+          <a:xfrm rot="10800000" flipH="1">
+            <a:off x="2895600" y="381000"/>
+            <a:ext cx="1066800" cy="990600"/>
+          </a:xfrm>
+          <a:prstGeom prst="stripedRightArrow">
+            <a:avLst/>
+          </a:prstGeom>
+        </p:spPr>
+        <p:style>
+          <a:lnRef idx="1">
+            <a:schemeClr val="accent4"/>
+          </a:lnRef>
+          <a:fillRef idx="2">
+            <a:schemeClr val="accent4"/>
+          </a:fillRef>
+          <a:effectRef idx="1">
+            <a:schemeClr val="accent4"/>
+          </a:effectRef>
+          <a:fontRef idx="minor">
+            <a:schemeClr val="dk1"/>
+          </a:fontRef>
+        </p:style>
+        <p:txBody>
+          <a:bodyPr rtlCol="0" anchor="ctr"/>
+          <a:lstStyle/>
+          <a:p>
+            <a:pPr algn="ctr"/>
+            <a:endParaRPr lang="en-US">
+              <a:solidFill>
+                <a:schemeClr val="tx1"/>
+              </a:solidFill>
+            </a:endParaRPr>
+          </a:p>
+        </p:txBody>
+      </p:sp>
     </p:spTree>
   </p:cSld>
   <p:clrMapOvr>

--- a/trunk/Report/slide report.pptx
+++ b/trunk/Report/slide report.pptx
@@ -6858,17 +6858,8 @@
             <a:pPr algn="ctr"/>
             <a:r>
               <a:rPr lang="en-US" sz="2000" b="1" smtClean="0"/>
-              <a:t>Module tương tác </a:t>
-            </a:r>
-            <a:r>
-              <a:rPr lang="en-US" sz="2000" b="1" smtClean="0"/>
-              <a:t>với </a:t>
-            </a:r>
-            <a:r>
-              <a:rPr lang="en-US" sz="2000" b="1" smtClean="0"/>
-              <a:t>kinect</a:t>
-            </a:r>
-            <a:endParaRPr lang="en-US" sz="2000" b="1" smtClean="0"/>
+              <a:t>Module tương tác với kinect</a:t>
+            </a:r>
           </a:p>
         </p:txBody>
       </p:sp>
@@ -6952,11 +6943,7 @@
             <a:pPr algn="ctr"/>
             <a:r>
               <a:rPr lang="en-US" sz="2000" b="1" smtClean="0"/>
-              <a:t>Module xử </a:t>
-            </a:r>
-            <a:r>
-              <a:rPr lang="en-US" sz="2000" b="1" smtClean="0"/>
-              <a:t>lý dữ liệu đám mây</a:t>
+              <a:t>Module xử lý dữ liệu đám mây</a:t>
             </a:r>
             <a:endParaRPr lang="en-US" sz="2000" b="1"/>
           </a:p>
@@ -7041,11 +7028,7 @@
           <a:p>
             <a:r>
               <a:rPr lang="en-US" sz="2000" b="1" smtClean="0"/>
-              <a:t>Module ghép </a:t>
-            </a:r>
-            <a:r>
-              <a:rPr lang="en-US" sz="2000" b="1" smtClean="0"/>
-              <a:t>mây</a:t>
+              <a:t>Module ghép mây</a:t>
             </a:r>
             <a:endParaRPr lang="en-US" sz="2000" b="1"/>
           </a:p>
@@ -7380,11 +7363,7 @@
             <a:pPr algn="ctr"/>
             <a:r>
               <a:rPr lang="en-US" sz="2000" b="1" smtClean="0"/>
-              <a:t>Frame</a:t>
-            </a:r>
-            <a:r>
-              <a:rPr lang="en-US" sz="2000" b="1" smtClean="0"/>
-              <a:t>Consumer</a:t>
+              <a:t>FrameConsumer</a:t>
             </a:r>
             <a:endParaRPr lang="en-US" sz="2000" b="1"/>
           </a:p>
@@ -7514,11 +7493,7 @@
             <a:pPr algn="ctr"/>
             <a:r>
               <a:rPr lang="en-US" sz="2000" b="1" smtClean="0"/>
-              <a:t>Frame</a:t>
-            </a:r>
-            <a:r>
-              <a:rPr lang="en-US" sz="2000" b="1" smtClean="0"/>
-              <a:t>Producer</a:t>
+              <a:t>FrameProducer</a:t>
             </a:r>
             <a:endParaRPr lang="en-US" sz="2000" b="1"/>
           </a:p>
@@ -8740,11 +8715,7 @@
               <a:pPr algn="ctr"/>
               <a:r>
                 <a:rPr lang="en-US" sz="2000" b="1" smtClean="0"/>
-                <a:t>Transition</a:t>
-              </a:r>
-              <a:r>
-                <a:rPr lang="en-US" sz="2000" b="1" smtClean="0"/>
-                <a:t>Event</a:t>
+                <a:t>TransitionEvent</a:t>
               </a:r>
               <a:endParaRPr lang="en-US" sz="2000" b="1"/>
             </a:p>
@@ -9953,7 +9924,7 @@
           <p:spPr>
             <a:xfrm>
               <a:off x="685800" y="1905000"/>
-              <a:ext cx="2514600" cy="400110"/>
+              <a:ext cx="2514600" cy="341912"/>
             </a:xfrm>
             <a:prstGeom prst="rect">
               <a:avLst/>
@@ -9969,7 +9940,7 @@
               <a:pPr algn="ctr"/>
               <a:r>
                 <a:rPr lang="en-US" sz="2000" b="1" smtClean="0"/>
-                <a:t>TourView</a:t>
+                <a:t>TourDesign</a:t>
               </a:r>
               <a:endParaRPr lang="en-US" sz="2000" b="1"/>
             </a:p>
@@ -10055,7 +10026,7 @@
               <a:pPr algn="ctr"/>
               <a:r>
                 <a:rPr lang="en-US" sz="2000" b="1" smtClean="0"/>
-                <a:t>ObjectView</a:t>
+                <a:t>ObjectDesign</a:t>
               </a:r>
               <a:endParaRPr lang="en-US" sz="2000" b="1"/>
             </a:p>
